--- a/Securing Your API Endpoints - CodeMash 2016.pptx
+++ b/Securing Your API Endpoints - CodeMash 2016.pptx
@@ -3411,7 +3411,101 @@
               </a:rPr>
               <a:t> you can do that by writing some simple middleware and overriding a few methods. </a:t>
             </a:r>
-            <a:endParaRPr lang="en-US" sz="1200" kern="1200" dirty="0">
+            <a:endParaRPr lang="en-US" sz="1200" kern="1200" dirty="0" smtClean="0">
+              <a:solidFill>
+                <a:schemeClr val="tx1"/>
+              </a:solidFill>
+              <a:effectLst/>
+              <a:latin typeface="+mn-lt"/>
+              <a:ea typeface="+mn-ea"/>
+              <a:cs typeface="+mn-cs"/>
+            </a:endParaRPr>
+          </a:p>
+          <a:p>
+            <a:endParaRPr lang="en-US" sz="1200" kern="1200" dirty="0" smtClean="0">
+              <a:solidFill>
+                <a:schemeClr val="tx1"/>
+              </a:solidFill>
+              <a:effectLst/>
+              <a:latin typeface="+mn-lt"/>
+              <a:ea typeface="+mn-ea"/>
+              <a:cs typeface="+mn-cs"/>
+            </a:endParaRPr>
+          </a:p>
+          <a:p>
+            <a:r>
+              <a:rPr lang="en-US" sz="1200" b="1" kern="1200" dirty="0" smtClean="0">
+                <a:solidFill>
+                  <a:schemeClr val="tx1"/>
+                </a:solidFill>
+                <a:effectLst/>
+                <a:latin typeface="+mn-lt"/>
+                <a:ea typeface="+mn-ea"/>
+                <a:cs typeface="+mn-cs"/>
+              </a:rPr>
+              <a:t>Benefits</a:t>
+            </a:r>
+            <a:endParaRPr lang="en-US" sz="1200" b="0" kern="1200" dirty="0" smtClean="0">
+              <a:solidFill>
+                <a:schemeClr val="tx1"/>
+              </a:solidFill>
+              <a:effectLst/>
+              <a:latin typeface="+mn-lt"/>
+              <a:ea typeface="+mn-ea"/>
+              <a:cs typeface="+mn-cs"/>
+            </a:endParaRPr>
+          </a:p>
+          <a:p>
+            <a:pPr marL="228600" indent="-228600">
+              <a:buAutoNum type="arabicParenR"/>
+            </a:pPr>
+            <a:r>
+              <a:rPr lang="en-US" sz="1200" b="0" kern="1200" baseline="0" dirty="0" smtClean="0">
+                <a:solidFill>
+                  <a:schemeClr val="tx1"/>
+                </a:solidFill>
+                <a:effectLst/>
+                <a:latin typeface="+mn-lt"/>
+                <a:ea typeface="+mn-ea"/>
+                <a:cs typeface="+mn-cs"/>
+              </a:rPr>
+              <a:t>Internet standard</a:t>
+            </a:r>
+          </a:p>
+          <a:p>
+            <a:pPr marL="228600" indent="-228600">
+              <a:buAutoNum type="arabicParenR"/>
+            </a:pPr>
+            <a:r>
+              <a:rPr lang="en-US" sz="1200" b="0" kern="1200" baseline="0" dirty="0" smtClean="0">
+                <a:solidFill>
+                  <a:schemeClr val="tx1"/>
+                </a:solidFill>
+                <a:effectLst/>
+                <a:latin typeface="+mn-lt"/>
+                <a:ea typeface="+mn-ea"/>
+                <a:cs typeface="+mn-cs"/>
+              </a:rPr>
+              <a:t>Widely supported</a:t>
+            </a:r>
+          </a:p>
+          <a:p>
+            <a:pPr marL="228600" indent="-228600">
+              <a:buAutoNum type="arabicParenR"/>
+            </a:pPr>
+            <a:r>
+              <a:rPr lang="en-US" sz="1200" b="0" kern="1200" baseline="0" dirty="0" smtClean="0">
+                <a:solidFill>
+                  <a:schemeClr val="tx1"/>
+                </a:solidFill>
+                <a:effectLst/>
+                <a:latin typeface="+mn-lt"/>
+                <a:ea typeface="+mn-ea"/>
+                <a:cs typeface="+mn-cs"/>
+              </a:rPr>
+              <a:t>Easy to implement</a:t>
+            </a:r>
+            <a:endParaRPr lang="en-US" sz="1200" b="1" kern="1200" dirty="0">
               <a:solidFill>
                 <a:schemeClr val="tx1"/>
               </a:solidFill>
@@ -3577,7 +3671,43 @@
                 <a:ea typeface="+mn-ea"/>
                 <a:cs typeface="+mn-cs"/>
               </a:rPr>
-              <a:t>Use TLS on every secured request</a:t>
+              <a:t>Use TLS on every secured </a:t>
+            </a:r>
+            <a:r>
+              <a:rPr lang="en-US" sz="1200" kern="1200" dirty="0" smtClean="0">
+                <a:solidFill>
+                  <a:schemeClr val="tx1"/>
+                </a:solidFill>
+                <a:effectLst/>
+                <a:latin typeface="+mn-lt"/>
+                <a:ea typeface="+mn-ea"/>
+                <a:cs typeface="+mn-cs"/>
+              </a:rPr>
+              <a:t>request, because TLS encrypts the request</a:t>
+            </a:r>
+            <a:r>
+              <a:rPr lang="en-US" sz="1200" kern="1200" baseline="0" dirty="0" smtClean="0">
+                <a:solidFill>
+                  <a:schemeClr val="tx1"/>
+                </a:solidFill>
+                <a:effectLst/>
+                <a:latin typeface="+mn-lt"/>
+                <a:ea typeface="+mn-ea"/>
+                <a:cs typeface="+mn-cs"/>
+              </a:rPr>
+              <a:t> as it travels over the wire</a:t>
+            </a:r>
+            <a:r>
+              <a:rPr lang="en-US" sz="1200" kern="1200" dirty="0" smtClean="0">
+                <a:solidFill>
+                  <a:schemeClr val="tx1"/>
+                </a:solidFill>
+                <a:effectLst/>
+                <a:latin typeface="+mn-lt"/>
+                <a:ea typeface="+mn-ea"/>
+                <a:cs typeface="+mn-cs"/>
+              </a:rPr>
+              <a:t/>
             </a:r>
             <a:br>
               <a:rPr lang="en-US" sz="1200" kern="1200" dirty="0" smtClean="0">
@@ -3762,7 +3892,7 @@
                 <a:ea typeface="+mn-ea"/>
                 <a:cs typeface="+mn-cs"/>
               </a:rPr>
-              <a:t>This is the price you pay for an authentication system that requires very little code.</a:t>
+              <a:t>This UI is the price you pay for an authentication system that requires very little code.</a:t>
             </a:r>
           </a:p>
           <a:p>
@@ -3792,32 +3922,56 @@
           </a:p>
           <a:p>
             <a:r>
-              <a:rPr lang="en-US" sz="1200" kern="1200" dirty="0" smtClean="0">
-                <a:solidFill>
-                  <a:schemeClr val="tx1"/>
-                </a:solidFill>
-                <a:effectLst/>
-                <a:latin typeface="+mn-lt"/>
-                <a:ea typeface="+mn-ea"/>
-                <a:cs typeface="+mn-cs"/>
-              </a:rPr>
-              <a:t>From</a:t>
-            </a:r>
-            <a:r>
-              <a:rPr lang="en-US" sz="1200" kern="1200" baseline="0" dirty="0" smtClean="0">
-                <a:solidFill>
-                  <a:schemeClr val="tx1"/>
-                </a:solidFill>
-                <a:effectLst/>
-                <a:latin typeface="+mn-lt"/>
-                <a:ea typeface="+mn-ea"/>
-                <a:cs typeface="+mn-cs"/>
-              </a:rPr>
-              <a:t> a security standpoint, the most significant drawback is that you’re sending unencrypted primary account password over the wire with each request. </a:t>
-            </a:r>
-          </a:p>
-          <a:p>
-            <a:endParaRPr lang="en-US" sz="1200" kern="1200" baseline="0" dirty="0" smtClean="0">
+              <a:rPr lang="en-US" sz="1200" b="0" kern="1200" dirty="0" smtClean="0">
+                <a:solidFill>
+                  <a:schemeClr val="tx1"/>
+                </a:solidFill>
+                <a:effectLst/>
+                <a:latin typeface="+mn-lt"/>
+                <a:ea typeface="+mn-ea"/>
+                <a:cs typeface="+mn-cs"/>
+              </a:rPr>
+              <a:t>Because of these drawbacks, Basic </a:t>
+            </a:r>
+            <a:r>
+              <a:rPr lang="en-US" sz="1200" b="0" kern="1200" dirty="0" err="1" smtClean="0">
+                <a:solidFill>
+                  <a:schemeClr val="tx1"/>
+                </a:solidFill>
+                <a:effectLst/>
+                <a:latin typeface="+mn-lt"/>
+                <a:ea typeface="+mn-ea"/>
+                <a:cs typeface="+mn-cs"/>
+              </a:rPr>
+              <a:t>Auth</a:t>
+            </a:r>
+            <a:r>
+              <a:rPr lang="en-US" sz="1200" b="0" kern="1200" dirty="0" smtClean="0">
+                <a:solidFill>
+                  <a:schemeClr val="tx1"/>
+                </a:solidFill>
+                <a:effectLst/>
+                <a:latin typeface="+mn-lt"/>
+                <a:ea typeface="+mn-ea"/>
+                <a:cs typeface="+mn-cs"/>
+              </a:rPr>
+              <a:t> is best suited for server-to-server communications or scenarios</a:t>
+            </a:r>
+            <a:r>
+              <a:rPr lang="en-US" sz="1200" b="0" kern="1200" baseline="0" dirty="0" smtClean="0">
+                <a:solidFill>
+                  <a:schemeClr val="tx1"/>
+                </a:solidFill>
+                <a:effectLst/>
+                <a:latin typeface="+mn-lt"/>
+                <a:ea typeface="+mn-ea"/>
+                <a:cs typeface="+mn-cs"/>
+              </a:rPr>
+              <a:t> where wide support and simplicity trump the UX. </a:t>
+            </a:r>
+          </a:p>
+          <a:p>
+            <a:endParaRPr lang="en-US" sz="1200" b="0" kern="1200" baseline="0" dirty="0" smtClean="0">
               <a:solidFill>
                 <a:schemeClr val="tx1"/>
               </a:solidFill>
@@ -3829,32 +3983,17 @@
           </a:p>
           <a:p>
             <a:r>
-              <a:rPr lang="en-US" sz="1200" kern="1200" baseline="0" dirty="0" smtClean="0">
-                <a:solidFill>
-                  <a:schemeClr val="tx1"/>
-                </a:solidFill>
-                <a:effectLst/>
-                <a:latin typeface="+mn-lt"/>
-                <a:ea typeface="+mn-ea"/>
-                <a:cs typeface="+mn-cs"/>
-              </a:rPr>
-              <a:t>If you forget to use TLS, or if there’s a flaw in your platform’s TLS implementation, </a:t>
-            </a:r>
-            <a:r>
-              <a:rPr lang="en-US" sz="1200" kern="1200" dirty="0" smtClean="0">
-                <a:solidFill>
-                  <a:schemeClr val="tx1"/>
-                </a:solidFill>
-                <a:effectLst/>
-                <a:latin typeface="+mn-lt"/>
-                <a:ea typeface="+mn-ea"/>
-                <a:cs typeface="+mn-cs"/>
-              </a:rPr>
-              <a:t>you end up exposing actual user passwords. That’s generally considered a Bad Thing.</a:t>
-            </a:r>
-          </a:p>
-          <a:p>
-            <a:endParaRPr lang="en-US" dirty="0"/>
+              <a:rPr lang="en-US" sz="1200" b="0" kern="1200" baseline="0" dirty="0" smtClean="0">
+                <a:solidFill>
+                  <a:schemeClr val="tx1"/>
+                </a:solidFill>
+                <a:effectLst/>
+                <a:latin typeface="+mn-lt"/>
+                <a:ea typeface="+mn-ea"/>
+                <a:cs typeface="+mn-cs"/>
+              </a:rPr>
+              <a:t>This is one of the techniques that data.gov uses to security their APIs, although they use an API key instead of a username/password. We’ll talk more about API keys in a few minutes.</a:t>
+            </a:r>
           </a:p>
         </p:txBody>
       </p:sp>
@@ -3948,6 +4087,113 @@
                 <a:ea typeface="+mn-ea"/>
                 <a:cs typeface="+mn-cs"/>
               </a:rPr>
+              <a:t>Most significant</a:t>
+            </a:r>
+            <a:r>
+              <a:rPr lang="en-US" sz="1200" kern="1200" baseline="0" dirty="0" smtClean="0">
+                <a:solidFill>
+                  <a:schemeClr val="tx1"/>
+                </a:solidFill>
+                <a:effectLst/>
+                <a:latin typeface="+mn-lt"/>
+                <a:ea typeface="+mn-ea"/>
+                <a:cs typeface="+mn-cs"/>
+              </a:rPr>
+              <a:t> drawback to basic </a:t>
+            </a:r>
+            <a:r>
+              <a:rPr lang="en-US" sz="1200" kern="1200" baseline="0" dirty="0" err="1" smtClean="0">
+                <a:solidFill>
+                  <a:schemeClr val="tx1"/>
+                </a:solidFill>
+                <a:effectLst/>
+                <a:latin typeface="+mn-lt"/>
+                <a:ea typeface="+mn-ea"/>
+                <a:cs typeface="+mn-cs"/>
+              </a:rPr>
+              <a:t>Auth</a:t>
+            </a:r>
+            <a:r>
+              <a:rPr lang="en-US" sz="1200" kern="1200" baseline="0" dirty="0" smtClean="0">
+                <a:solidFill>
+                  <a:schemeClr val="tx1"/>
+                </a:solidFill>
+                <a:effectLst/>
+                <a:latin typeface="+mn-lt"/>
+                <a:ea typeface="+mn-ea"/>
+                <a:cs typeface="+mn-cs"/>
+              </a:rPr>
+              <a:t> is that the password is sent over the wire, w/ each request, in clear text.</a:t>
+            </a:r>
+          </a:p>
+          <a:p>
+            <a:endParaRPr lang="en-US" sz="1200" kern="1200" baseline="0" dirty="0" smtClean="0">
+              <a:solidFill>
+                <a:schemeClr val="tx1"/>
+              </a:solidFill>
+              <a:effectLst/>
+              <a:latin typeface="+mn-lt"/>
+              <a:ea typeface="+mn-ea"/>
+              <a:cs typeface="+mn-cs"/>
+            </a:endParaRPr>
+          </a:p>
+          <a:p>
+            <a:r>
+              <a:rPr lang="en-US" sz="1200" kern="1200" baseline="0" dirty="0" smtClean="0">
+                <a:solidFill>
+                  <a:schemeClr val="tx1"/>
+                </a:solidFill>
+                <a:effectLst/>
+                <a:latin typeface="+mn-lt"/>
+                <a:ea typeface="+mn-ea"/>
+                <a:cs typeface="+mn-cs"/>
+              </a:rPr>
+              <a:t>Only as secure as your TLS </a:t>
+            </a:r>
+            <a:r>
+              <a:rPr lang="en-US" sz="1200" kern="1200" baseline="0" dirty="0" err="1" smtClean="0">
+                <a:solidFill>
+                  <a:schemeClr val="tx1"/>
+                </a:solidFill>
+                <a:effectLst/>
+                <a:latin typeface="+mn-lt"/>
+                <a:ea typeface="+mn-ea"/>
+                <a:cs typeface="+mn-cs"/>
+              </a:rPr>
+              <a:t>impl</a:t>
+            </a:r>
+            <a:endParaRPr lang="en-US" sz="1200" kern="1200" baseline="0" dirty="0" smtClean="0">
+              <a:solidFill>
+                <a:schemeClr val="tx1"/>
+              </a:solidFill>
+              <a:effectLst/>
+              <a:latin typeface="+mn-lt"/>
+              <a:ea typeface="+mn-ea"/>
+              <a:cs typeface="+mn-cs"/>
+            </a:endParaRPr>
+          </a:p>
+          <a:p>
+            <a:endParaRPr lang="en-US" sz="1200" kern="1200" dirty="0" smtClean="0">
+              <a:solidFill>
+                <a:schemeClr val="tx1"/>
+              </a:solidFill>
+              <a:effectLst/>
+              <a:latin typeface="+mn-lt"/>
+              <a:ea typeface="+mn-ea"/>
+              <a:cs typeface="+mn-cs"/>
+            </a:endParaRPr>
+          </a:p>
+          <a:p>
+            <a:r>
+              <a:rPr lang="en-US" sz="1200" kern="1200" dirty="0" smtClean="0">
+                <a:solidFill>
+                  <a:schemeClr val="tx1"/>
+                </a:solidFill>
+                <a:effectLst/>
+                <a:latin typeface="+mn-lt"/>
+                <a:ea typeface="+mn-ea"/>
+                <a:cs typeface="+mn-cs"/>
+              </a:rPr>
               <a:t>An</a:t>
             </a:r>
             <a:r>
@@ -4020,7 +4266,19 @@
                 <a:ea typeface="+mn-ea"/>
                 <a:cs typeface="+mn-cs"/>
               </a:rPr>
-              <a:t>is called Digest Auth. Also</a:t>
+              <a:t>is called Digest Auth. </a:t>
+            </a:r>
+            <a:r>
+              <a:rPr lang="en-US" sz="1200" kern="1200" dirty="0" smtClean="0">
+                <a:solidFill>
+                  <a:schemeClr val="tx1"/>
+                </a:solidFill>
+                <a:effectLst/>
+                <a:latin typeface="+mn-lt"/>
+                <a:ea typeface="+mn-ea"/>
+                <a:cs typeface="+mn-cs"/>
+              </a:rPr>
+              <a:t>I</a:t>
             </a:r>
             <a:r>
               <a:rPr lang="en-US" sz="1200" kern="1200" baseline="0" dirty="0" smtClean="0">
@@ -4032,8 +4290,41 @@
                 <a:ea typeface="+mn-ea"/>
                 <a:cs typeface="+mn-cs"/>
               </a:rPr>
-              <a:t> an internet standard that’s supported directly by most web server platforms, making it easy to implement. </a:t>
-            </a:r>
+              <a:t>nternet standard, widely supported, easy to </a:t>
+            </a:r>
+            <a:r>
+              <a:rPr lang="en-US" sz="1200" kern="1200" baseline="0" dirty="0" err="1" smtClean="0">
+                <a:solidFill>
+                  <a:schemeClr val="tx1"/>
+                </a:solidFill>
+                <a:effectLst/>
+                <a:latin typeface="+mn-lt"/>
+                <a:ea typeface="+mn-ea"/>
+                <a:cs typeface="+mn-cs"/>
+              </a:rPr>
+              <a:t>impl</a:t>
+            </a:r>
+            <a:r>
+              <a:rPr lang="en-US" sz="1200" kern="1200" baseline="0" dirty="0" smtClean="0">
+                <a:solidFill>
+                  <a:schemeClr val="tx1"/>
+                </a:solidFill>
+                <a:effectLst/>
+                <a:latin typeface="+mn-lt"/>
+                <a:ea typeface="+mn-ea"/>
+                <a:cs typeface="+mn-cs"/>
+              </a:rPr>
+              <a:t>.</a:t>
+            </a:r>
+            <a:endParaRPr lang="en-US" sz="1200" kern="1200" baseline="0" dirty="0" smtClean="0">
+              <a:solidFill>
+                <a:schemeClr val="tx1"/>
+              </a:solidFill>
+              <a:effectLst/>
+              <a:latin typeface="+mn-lt"/>
+              <a:ea typeface="+mn-ea"/>
+              <a:cs typeface="+mn-cs"/>
+            </a:endParaRPr>
           </a:p>
           <a:p>
             <a:endParaRPr lang="en-US" sz="1200" kern="1200" baseline="0" dirty="0" smtClean="0">
@@ -4569,8 +4860,55 @@
                 <a:ea typeface="+mn-ea"/>
                 <a:cs typeface="+mn-cs"/>
               </a:rPr>
-              <a:t> calls to the server</a:t>
-            </a:r>
+              <a:t> calls to the </a:t>
+            </a:r>
+            <a:r>
+              <a:rPr lang="en-US" sz="1200" kern="1200" dirty="0" smtClean="0">
+                <a:solidFill>
+                  <a:schemeClr val="tx1"/>
+                </a:solidFill>
+                <a:effectLst/>
+                <a:latin typeface="+mn-lt"/>
+                <a:ea typeface="+mn-ea"/>
+                <a:cs typeface="+mn-cs"/>
+              </a:rPr>
+              <a:t>server</a:t>
+            </a:r>
+          </a:p>
+          <a:p>
+            <a:r>
+              <a:rPr lang="en-US" sz="1200" kern="1200" dirty="0" smtClean="0">
+                <a:solidFill>
+                  <a:schemeClr val="tx1"/>
+                </a:solidFill>
+                <a:effectLst/>
+                <a:latin typeface="+mn-lt"/>
+                <a:ea typeface="+mn-ea"/>
+                <a:cs typeface="+mn-cs"/>
+              </a:rPr>
+              <a:t>* Nonce must be re-calculated for each request to defend</a:t>
+            </a:r>
+            <a:r>
+              <a:rPr lang="en-US" sz="1200" kern="1200" baseline="0" dirty="0" smtClean="0">
+                <a:solidFill>
+                  <a:schemeClr val="tx1"/>
+                </a:solidFill>
+                <a:effectLst/>
+                <a:latin typeface="+mn-lt"/>
+                <a:ea typeface="+mn-ea"/>
+                <a:cs typeface="+mn-cs"/>
+              </a:rPr>
+              <a:t> against replay attacks, which TLS also does</a:t>
+            </a:r>
+            <a:endParaRPr lang="en-US" sz="1200" kern="1200" dirty="0" smtClean="0">
+              <a:solidFill>
+                <a:schemeClr val="tx1"/>
+              </a:solidFill>
+              <a:effectLst/>
+              <a:latin typeface="+mn-lt"/>
+              <a:ea typeface="+mn-ea"/>
+              <a:cs typeface="+mn-cs"/>
+            </a:endParaRPr>
           </a:p>
           <a:p>
             <a:pPr marL="0" lvl="0" indent="0">
@@ -4966,7 +5304,43 @@
                 <a:ea typeface="+mn-ea"/>
                 <a:cs typeface="+mn-cs"/>
               </a:rPr>
-              <a:t>* used in lieu of a username/password combo to uniquely identify specific user</a:t>
+              <a:t>* used in lieu of a username/password combo to uniquely identify specific </a:t>
+            </a:r>
+            <a:r>
+              <a:rPr lang="en-US" sz="1200" kern="1200" dirty="0" smtClean="0">
+                <a:solidFill>
+                  <a:schemeClr val="tx1"/>
+                </a:solidFill>
+                <a:effectLst/>
+                <a:latin typeface="+mn-lt"/>
+                <a:ea typeface="+mn-ea"/>
+                <a:cs typeface="+mn-cs"/>
+              </a:rPr>
+              <a:t>user or</a:t>
+            </a:r>
+            <a:r>
+              <a:rPr lang="en-US" sz="1200" kern="1200" baseline="0" dirty="0" smtClean="0">
+                <a:solidFill>
+                  <a:schemeClr val="tx1"/>
+                </a:solidFill>
+                <a:effectLst/>
+                <a:latin typeface="+mn-lt"/>
+                <a:ea typeface="+mn-ea"/>
+                <a:cs typeface="+mn-cs"/>
+              </a:rPr>
+              <a:t> app</a:t>
+            </a:r>
+            <a:r>
+              <a:rPr lang="en-US" sz="1200" kern="1200" dirty="0" smtClean="0">
+                <a:solidFill>
+                  <a:schemeClr val="tx1"/>
+                </a:solidFill>
+                <a:effectLst/>
+                <a:latin typeface="+mn-lt"/>
+                <a:ea typeface="+mn-ea"/>
+                <a:cs typeface="+mn-cs"/>
+              </a:rPr>
+              <a:t/>
             </a:r>
             <a:br>
               <a:rPr lang="en-US" sz="1200" kern="1200" dirty="0" smtClean="0">
@@ -6086,7 +6460,19 @@
                 <a:ea typeface="+mn-ea"/>
                 <a:cs typeface="+mn-cs"/>
               </a:rPr>
-              <a:t>Using keys like this makes them “bearer tokens”</a:t>
+              <a:t>Using keys like this makes them “bearer tokens</a:t>
+            </a:r>
+            <a:r>
+              <a:rPr lang="en-US" sz="1200" kern="1200" dirty="0" smtClean="0">
+                <a:solidFill>
+                  <a:schemeClr val="tx1"/>
+                </a:solidFill>
+                <a:effectLst/>
+                <a:latin typeface="+mn-lt"/>
+                <a:ea typeface="+mn-ea"/>
+                <a:cs typeface="+mn-cs"/>
+              </a:rPr>
+              <a:t>”, which is basically a password</a:t>
             </a:r>
             <a:r>
               <a:rPr lang="en-US" sz="1200" kern="1200" baseline="0" dirty="0" smtClean="0">
@@ -6098,10 +6484,32 @@
                 <a:ea typeface="+mn-ea"/>
                 <a:cs typeface="+mn-cs"/>
               </a:rPr>
-              <a:t>. Whomever possesses the token may use it, and there’s little you can do to restrict it from being used by an unauthorized party. </a:t>
-            </a:r>
-          </a:p>
-          <a:p>
+              <a:t>. </a:t>
+            </a:r>
+            <a:r>
+              <a:rPr lang="en-US" sz="1200" kern="1200" baseline="0" dirty="0" smtClean="0">
+                <a:solidFill>
+                  <a:schemeClr val="tx1"/>
+                </a:solidFill>
+                <a:effectLst/>
+                <a:latin typeface="+mn-lt"/>
+                <a:ea typeface="+mn-ea"/>
+                <a:cs typeface="+mn-cs"/>
+              </a:rPr>
+              <a:t>Whomever possesses the token may use </a:t>
+            </a:r>
+            <a:r>
+              <a:rPr lang="en-US" sz="1200" kern="1200" baseline="0" dirty="0" smtClean="0">
+                <a:solidFill>
+                  <a:schemeClr val="tx1"/>
+                </a:solidFill>
+                <a:effectLst/>
+                <a:latin typeface="+mn-lt"/>
+                <a:ea typeface="+mn-ea"/>
+                <a:cs typeface="+mn-cs"/>
+              </a:rPr>
+              <a:t>it.</a:t>
+            </a:r>
             <a:endParaRPr lang="en-US" sz="1200" kern="1200" baseline="0" dirty="0" smtClean="0">
               <a:solidFill>
                 <a:schemeClr val="tx1"/>
@@ -6113,44 +6521,6 @@
             </a:endParaRPr>
           </a:p>
           <a:p>
-            <a:r>
-              <a:rPr lang="en-US" sz="1200" kern="1200" baseline="0" dirty="0" smtClean="0">
-                <a:solidFill>
-                  <a:schemeClr val="tx1"/>
-                </a:solidFill>
-                <a:effectLst/>
-                <a:latin typeface="+mn-lt"/>
-                <a:ea typeface="+mn-ea"/>
-                <a:cs typeface="+mn-cs"/>
-              </a:rPr>
-              <a:t>This means you </a:t>
-            </a:r>
-            <a:r>
-              <a:rPr lang="en-US" sz="1200" b="1" kern="1200" baseline="0" dirty="0" smtClean="0">
-                <a:solidFill>
-                  <a:schemeClr val="tx1"/>
-                </a:solidFill>
-                <a:effectLst/>
-                <a:latin typeface="+mn-lt"/>
-                <a:ea typeface="+mn-ea"/>
-                <a:cs typeface="+mn-cs"/>
-              </a:rPr>
-              <a:t>MUST use TLS</a:t>
-            </a:r>
-            <a:r>
-              <a:rPr lang="en-US" sz="1200" kern="1200" baseline="0" dirty="0" smtClean="0">
-                <a:solidFill>
-                  <a:schemeClr val="tx1"/>
-                </a:solidFill>
-                <a:effectLst/>
-                <a:latin typeface="+mn-lt"/>
-                <a:ea typeface="+mn-ea"/>
-                <a:cs typeface="+mn-cs"/>
-              </a:rPr>
-              <a:t> on all requests, to keep the keys safe in transit.</a:t>
-            </a:r>
-          </a:p>
-          <a:p>
             <a:endParaRPr lang="en-US" sz="1200" kern="1200" baseline="0" dirty="0" smtClean="0">
               <a:solidFill>
                 <a:schemeClr val="tx1"/>
@@ -6163,6 +6533,111 @@
           </a:p>
           <a:p>
             <a:r>
+              <a:rPr lang="en-US" sz="1200" kern="1200" baseline="0" dirty="0" smtClean="0">
+                <a:solidFill>
+                  <a:schemeClr val="tx1"/>
+                </a:solidFill>
+                <a:effectLst/>
+                <a:latin typeface="+mn-lt"/>
+                <a:ea typeface="+mn-ea"/>
+                <a:cs typeface="+mn-cs"/>
+              </a:rPr>
+              <a:t>This means you </a:t>
+            </a:r>
+            <a:r>
+              <a:rPr lang="en-US" sz="1200" b="1" kern="1200" baseline="0" dirty="0" smtClean="0">
+                <a:solidFill>
+                  <a:schemeClr val="tx1"/>
+                </a:solidFill>
+                <a:effectLst/>
+                <a:latin typeface="+mn-lt"/>
+                <a:ea typeface="+mn-ea"/>
+                <a:cs typeface="+mn-cs"/>
+              </a:rPr>
+              <a:t>MUST use TLS</a:t>
+            </a:r>
+            <a:r>
+              <a:rPr lang="en-US" sz="1200" kern="1200" baseline="0" dirty="0" smtClean="0">
+                <a:solidFill>
+                  <a:schemeClr val="tx1"/>
+                </a:solidFill>
+                <a:effectLst/>
+                <a:latin typeface="+mn-lt"/>
+                <a:ea typeface="+mn-ea"/>
+                <a:cs typeface="+mn-cs"/>
+              </a:rPr>
+              <a:t> on all requests, to keep the keys safe in transit</a:t>
+            </a:r>
+            <a:r>
+              <a:rPr lang="en-US" sz="1200" kern="1200" baseline="0" dirty="0" smtClean="0">
+                <a:solidFill>
+                  <a:schemeClr val="tx1"/>
+                </a:solidFill>
+                <a:effectLst/>
+                <a:latin typeface="+mn-lt"/>
+                <a:ea typeface="+mn-ea"/>
+                <a:cs typeface="+mn-cs"/>
+              </a:rPr>
+              <a:t>. Only as secure as TLS </a:t>
+            </a:r>
+            <a:r>
+              <a:rPr lang="en-US" sz="1200" kern="1200" baseline="0" dirty="0" err="1" smtClean="0">
+                <a:solidFill>
+                  <a:schemeClr val="tx1"/>
+                </a:solidFill>
+                <a:effectLst/>
+                <a:latin typeface="+mn-lt"/>
+                <a:ea typeface="+mn-ea"/>
+                <a:cs typeface="+mn-cs"/>
+              </a:rPr>
+              <a:t>impl</a:t>
+            </a:r>
+            <a:endParaRPr lang="en-US" sz="1200" kern="1200" baseline="0" dirty="0" smtClean="0">
+              <a:solidFill>
+                <a:schemeClr val="tx1"/>
+              </a:solidFill>
+              <a:effectLst/>
+              <a:latin typeface="+mn-lt"/>
+              <a:ea typeface="+mn-ea"/>
+              <a:cs typeface="+mn-cs"/>
+            </a:endParaRPr>
+          </a:p>
+          <a:p>
+            <a:r>
+              <a:rPr lang="en-US" sz="1200" kern="1200" baseline="0" dirty="0" smtClean="0">
+                <a:solidFill>
+                  <a:schemeClr val="tx1"/>
+                </a:solidFill>
+                <a:effectLst/>
+                <a:latin typeface="+mn-lt"/>
+                <a:ea typeface="+mn-ea"/>
+                <a:cs typeface="+mn-cs"/>
+              </a:rPr>
+              <a:t>* No message integrity</a:t>
+            </a:r>
+            <a:endParaRPr lang="en-US" sz="1200" kern="1200" baseline="0" dirty="0" smtClean="0">
+              <a:solidFill>
+                <a:schemeClr val="tx1"/>
+              </a:solidFill>
+              <a:effectLst/>
+              <a:latin typeface="+mn-lt"/>
+              <a:ea typeface="+mn-ea"/>
+              <a:cs typeface="+mn-cs"/>
+            </a:endParaRPr>
+          </a:p>
+          <a:p>
+            <a:endParaRPr lang="en-US" sz="1200" kern="1200" baseline="0" dirty="0" smtClean="0">
+              <a:solidFill>
+                <a:schemeClr val="tx1"/>
+              </a:solidFill>
+              <a:effectLst/>
+              <a:latin typeface="+mn-lt"/>
+              <a:ea typeface="+mn-ea"/>
+              <a:cs typeface="+mn-cs"/>
+            </a:endParaRPr>
+          </a:p>
+          <a:p>
+            <a:r>
               <a:rPr lang="en-US" sz="1200" kern="1200" dirty="0" smtClean="0">
                 <a:solidFill>
                   <a:schemeClr val="tx1"/>
@@ -6232,22 +6707,110 @@
                 <a:ea typeface="+mn-ea"/>
                 <a:cs typeface="+mn-cs"/>
               </a:rPr>
-              <a:t>That’s what happened w/ Buffer</a:t>
-            </a:r>
+              <a:t>That’s what happened w/ </a:t>
+            </a:r>
+            <a:r>
+              <a:rPr lang="en-US" sz="1200" kern="1200" dirty="0" smtClean="0">
+                <a:solidFill>
+                  <a:schemeClr val="tx1"/>
+                </a:solidFill>
+                <a:effectLst/>
+                <a:latin typeface="+mn-lt"/>
+                <a:ea typeface="+mn-ea"/>
+                <a:cs typeface="+mn-cs"/>
+              </a:rPr>
+              <a:t>Buffer</a:t>
+            </a:r>
+          </a:p>
+          <a:p>
+            <a:pPr marL="171450" indent="-171450">
+              <a:buFont typeface="Arial" panose="020B0604020202020204" pitchFamily="34" charset="0"/>
+              <a:buChar char="•"/>
+            </a:pPr>
+            <a:r>
+              <a:rPr lang="en-US" sz="1200" kern="1200" dirty="0" smtClean="0">
+                <a:solidFill>
+                  <a:schemeClr val="tx1"/>
+                </a:solidFill>
+                <a:effectLst/>
+                <a:latin typeface="+mn-lt"/>
+                <a:ea typeface="+mn-ea"/>
+                <a:cs typeface="+mn-cs"/>
+              </a:rPr>
+              <a:t>Can’t show users a list of their keys.</a:t>
+            </a:r>
+            <a:r>
+              <a:rPr lang="en-US" sz="1200" kern="1200" baseline="0" dirty="0" smtClean="0">
+                <a:solidFill>
+                  <a:schemeClr val="tx1"/>
+                </a:solidFill>
+                <a:effectLst/>
+                <a:latin typeface="+mn-lt"/>
+                <a:ea typeface="+mn-ea"/>
+                <a:cs typeface="+mn-cs"/>
+              </a:rPr>
+              <a:t> </a:t>
+            </a:r>
+            <a:r>
+              <a:rPr lang="en-US" sz="1200" b="1" kern="1200" baseline="0" dirty="0" smtClean="0">
+                <a:solidFill>
+                  <a:schemeClr val="tx1"/>
+                </a:solidFill>
+                <a:effectLst/>
+                <a:latin typeface="+mn-lt"/>
+                <a:ea typeface="+mn-ea"/>
+                <a:cs typeface="+mn-cs"/>
+              </a:rPr>
+              <a:t>AWS</a:t>
+            </a:r>
+            <a:r>
+              <a:rPr lang="en-US" sz="1200" b="0" kern="1200" baseline="0" dirty="0" smtClean="0">
+                <a:solidFill>
+                  <a:schemeClr val="tx1"/>
+                </a:solidFill>
+                <a:effectLst/>
+                <a:latin typeface="+mn-lt"/>
+                <a:ea typeface="+mn-ea"/>
+                <a:cs typeface="+mn-cs"/>
+              </a:rPr>
+              <a:t> and </a:t>
+            </a:r>
+            <a:r>
+              <a:rPr lang="en-US" sz="1200" b="1" kern="1200" baseline="0" dirty="0" smtClean="0">
+                <a:solidFill>
+                  <a:schemeClr val="tx1"/>
+                </a:solidFill>
+                <a:effectLst/>
+                <a:latin typeface="+mn-lt"/>
+                <a:ea typeface="+mn-ea"/>
+                <a:cs typeface="+mn-cs"/>
+              </a:rPr>
+              <a:t>Octopus Deploy</a:t>
+            </a:r>
+            <a:r>
+              <a:rPr lang="en-US" sz="1200" b="0" kern="1200" baseline="0" dirty="0" smtClean="0">
+                <a:solidFill>
+                  <a:schemeClr val="tx1"/>
+                </a:solidFill>
+                <a:effectLst/>
+                <a:latin typeface="+mn-lt"/>
+                <a:ea typeface="+mn-ea"/>
+                <a:cs typeface="+mn-cs"/>
+              </a:rPr>
+              <a:t> let you associate human readable name</a:t>
+            </a:r>
+            <a:endParaRPr lang="en-US" sz="1200" kern="1200" dirty="0" smtClean="0">
+              <a:solidFill>
+                <a:schemeClr val="tx1"/>
+              </a:solidFill>
+              <a:effectLst/>
+              <a:latin typeface="+mn-lt"/>
+              <a:ea typeface="+mn-ea"/>
+              <a:cs typeface="+mn-cs"/>
+            </a:endParaRPr>
           </a:p>
           <a:p>
             <a:endParaRPr lang="en-US" dirty="0" smtClean="0"/>
-          </a:p>
-          <a:p>
-            <a:r>
-              <a:rPr lang="en-US" dirty="0" smtClean="0"/>
-              <a:t>O</a:t>
-            </a:r>
-            <a:r>
-              <a:rPr lang="en-US" baseline="0" dirty="0" smtClean="0"/>
-              <a:t>nly as secure as your TLS implementation. </a:t>
-            </a:r>
-            <a:endParaRPr lang="en-US" dirty="0"/>
           </a:p>
         </p:txBody>
       </p:sp>
@@ -6341,8 +6904,29 @@
                 <a:ea typeface="+mn-ea"/>
                 <a:cs typeface="+mn-cs"/>
               </a:rPr>
-              <a:t>The other way to use API Keys is in conjunction with signed requests.</a:t>
-            </a:r>
+              <a:t>The other way to use API Keys is </a:t>
+            </a:r>
+            <a:r>
+              <a:rPr lang="en-US" sz="1200" kern="1200" dirty="0" smtClean="0">
+                <a:solidFill>
+                  <a:schemeClr val="tx1"/>
+                </a:solidFill>
+                <a:effectLst/>
+                <a:latin typeface="+mn-lt"/>
+                <a:ea typeface="+mn-ea"/>
+                <a:cs typeface="+mn-cs"/>
+              </a:rPr>
+              <a:t>to digitally sign the HTTP request.</a:t>
+            </a:r>
+            <a:endParaRPr lang="en-US" sz="1200" kern="1200" dirty="0" smtClean="0">
+              <a:solidFill>
+                <a:schemeClr val="tx1"/>
+              </a:solidFill>
+              <a:effectLst/>
+              <a:latin typeface="+mn-lt"/>
+              <a:ea typeface="+mn-ea"/>
+              <a:cs typeface="+mn-cs"/>
+            </a:endParaRPr>
           </a:p>
           <a:p>
             <a:endParaRPr lang="en-US" sz="1200" kern="1200" dirty="0" smtClean="0">
@@ -6904,8 +7488,113 @@
                 <a:ea typeface="+mn-ea"/>
                 <a:cs typeface="+mn-cs"/>
               </a:rPr>
-              <a:t> any changes to the request data will invalidate the signature.</a:t>
-            </a:r>
+              <a:t> any changes to the request data will invalidate the signature</a:t>
+            </a:r>
+            <a:r>
+              <a:rPr lang="en-US" sz="1200" kern="1200" baseline="0" dirty="0" smtClean="0">
+                <a:solidFill>
+                  <a:schemeClr val="tx1"/>
+                </a:solidFill>
+                <a:effectLst/>
+                <a:latin typeface="+mn-lt"/>
+                <a:ea typeface="+mn-ea"/>
+                <a:cs typeface="+mn-cs"/>
+              </a:rPr>
+              <a:t>. </a:t>
+            </a:r>
+          </a:p>
+          <a:p>
+            <a:pPr lvl="0"/>
+            <a:endParaRPr lang="en-US" sz="1200" kern="1200" baseline="0" dirty="0" smtClean="0">
+              <a:solidFill>
+                <a:schemeClr val="tx1"/>
+              </a:solidFill>
+              <a:effectLst/>
+              <a:latin typeface="+mn-lt"/>
+              <a:ea typeface="+mn-ea"/>
+              <a:cs typeface="+mn-cs"/>
+            </a:endParaRPr>
+          </a:p>
+          <a:p>
+            <a:pPr lvl="0"/>
+            <a:r>
+              <a:rPr lang="en-US" sz="1200" kern="1200" baseline="0" dirty="0" smtClean="0">
+                <a:solidFill>
+                  <a:schemeClr val="tx1"/>
+                </a:solidFill>
+                <a:effectLst/>
+                <a:latin typeface="+mn-lt"/>
+                <a:ea typeface="+mn-ea"/>
+                <a:cs typeface="+mn-cs"/>
+              </a:rPr>
+              <a:t>Attacker can’t capture one MAC value and use it to authenticate a different request – each unique combination of request data will have a unique MAC.</a:t>
+            </a:r>
+          </a:p>
+          <a:p>
+            <a:pPr lvl="0"/>
+            <a:endParaRPr lang="en-US" sz="1200" kern="1200" baseline="0" dirty="0" smtClean="0">
+              <a:solidFill>
+                <a:schemeClr val="tx1"/>
+              </a:solidFill>
+              <a:effectLst/>
+              <a:latin typeface="+mn-lt"/>
+              <a:ea typeface="+mn-ea"/>
+              <a:cs typeface="+mn-cs"/>
+            </a:endParaRPr>
+          </a:p>
+          <a:p>
+            <a:pPr lvl="0"/>
+            <a:r>
+              <a:rPr lang="en-US" sz="1200" kern="1200" baseline="0" dirty="0" smtClean="0">
+                <a:solidFill>
+                  <a:schemeClr val="tx1"/>
+                </a:solidFill>
+                <a:effectLst/>
+                <a:latin typeface="+mn-lt"/>
+                <a:ea typeface="+mn-ea"/>
+                <a:cs typeface="+mn-cs"/>
+              </a:rPr>
+              <a:t>If you’re not using TLS then defend against replay attacks w/ custom nonce or timestamp</a:t>
+            </a:r>
+          </a:p>
+          <a:p>
+            <a:pPr lvl="0"/>
+            <a:endParaRPr lang="en-US" sz="1200" kern="1200" baseline="0" dirty="0" smtClean="0">
+              <a:solidFill>
+                <a:schemeClr val="tx1"/>
+              </a:solidFill>
+              <a:effectLst/>
+              <a:latin typeface="+mn-lt"/>
+              <a:ea typeface="+mn-ea"/>
+              <a:cs typeface="+mn-cs"/>
+            </a:endParaRPr>
+          </a:p>
+          <a:p>
+            <a:pPr lvl="0"/>
+            <a:endParaRPr lang="en-US" sz="1200" kern="1200" baseline="0" dirty="0" smtClean="0">
+              <a:solidFill>
+                <a:schemeClr val="tx1"/>
+              </a:solidFill>
+              <a:effectLst/>
+              <a:latin typeface="+mn-lt"/>
+              <a:ea typeface="+mn-ea"/>
+              <a:cs typeface="+mn-cs"/>
+            </a:endParaRPr>
+          </a:p>
+          <a:p>
+            <a:pPr lvl="0"/>
+            <a:endParaRPr lang="en-US" sz="1200" kern="1200" baseline="0" dirty="0" smtClean="0">
+              <a:solidFill>
+                <a:schemeClr val="tx1"/>
+              </a:solidFill>
+              <a:effectLst/>
+              <a:latin typeface="+mn-lt"/>
+              <a:ea typeface="+mn-ea"/>
+              <a:cs typeface="+mn-cs"/>
+            </a:endParaRPr>
+          </a:p>
+          <a:p>
+            <a:pPr lvl="0"/>
             <a:endParaRPr lang="en-US" sz="1200" kern="1200" dirty="0" smtClean="0">
               <a:solidFill>
                 <a:schemeClr val="tx1"/>
@@ -7148,8 +7837,102 @@
                 <a:ea typeface="+mn-ea"/>
                 <a:cs typeface="+mn-cs"/>
               </a:rPr>
-              <a:t>This complexity is a necessary part of using HMAC. It’s the price you pay for the increased security that signed requests provides.</a:t>
-            </a:r>
+              <a:t>This image</a:t>
+            </a:r>
+            <a:r>
+              <a:rPr lang="en-US" sz="1200" kern="1200" baseline="0" dirty="0" smtClean="0">
+                <a:solidFill>
+                  <a:schemeClr val="tx1"/>
+                </a:solidFill>
+                <a:effectLst/>
+                <a:latin typeface="+mn-lt"/>
+                <a:ea typeface="+mn-ea"/>
+                <a:cs typeface="+mn-cs"/>
+              </a:rPr>
+              <a:t> is a tiny piece of just one portion of instructions for </a:t>
+            </a:r>
+            <a:r>
+              <a:rPr lang="en-US" sz="1200" kern="1200" baseline="0" dirty="0" err="1" smtClean="0">
+                <a:solidFill>
+                  <a:schemeClr val="tx1"/>
+                </a:solidFill>
+                <a:effectLst/>
+                <a:latin typeface="+mn-lt"/>
+                <a:ea typeface="+mn-ea"/>
+                <a:cs typeface="+mn-cs"/>
+              </a:rPr>
+              <a:t>canonicalizing</a:t>
+            </a:r>
+            <a:r>
+              <a:rPr lang="en-US" sz="1200" kern="1200" baseline="0" dirty="0" smtClean="0">
+                <a:solidFill>
+                  <a:schemeClr val="tx1"/>
+                </a:solidFill>
+                <a:effectLst/>
+                <a:latin typeface="+mn-lt"/>
+                <a:ea typeface="+mn-ea"/>
+                <a:cs typeface="+mn-cs"/>
+              </a:rPr>
+              <a:t> an AWS API call.</a:t>
+            </a:r>
+          </a:p>
+          <a:p>
+            <a:endParaRPr lang="en-US" sz="1200" kern="1200" dirty="0" smtClean="0">
+              <a:solidFill>
+                <a:schemeClr val="tx1"/>
+              </a:solidFill>
+              <a:effectLst/>
+              <a:latin typeface="+mn-lt"/>
+              <a:ea typeface="+mn-ea"/>
+              <a:cs typeface="+mn-cs"/>
+            </a:endParaRPr>
+          </a:p>
+          <a:p>
+            <a:r>
+              <a:rPr lang="en-US" sz="1200" kern="1200" dirty="0" smtClean="0">
+                <a:solidFill>
+                  <a:schemeClr val="tx1"/>
+                </a:solidFill>
+                <a:effectLst/>
+                <a:latin typeface="+mn-lt"/>
+                <a:ea typeface="+mn-ea"/>
+                <a:cs typeface="+mn-cs"/>
+              </a:rPr>
+              <a:t>This </a:t>
+            </a:r>
+            <a:r>
+              <a:rPr lang="en-US" sz="1200" kern="1200" dirty="0" smtClean="0">
+                <a:solidFill>
+                  <a:schemeClr val="tx1"/>
+                </a:solidFill>
+                <a:effectLst/>
+                <a:latin typeface="+mn-lt"/>
+                <a:ea typeface="+mn-ea"/>
+                <a:cs typeface="+mn-cs"/>
+              </a:rPr>
+              <a:t>complexity is a necessary part of using HMAC. It’s the price you pay for the increased security that signed requests </a:t>
+            </a:r>
+            <a:r>
+              <a:rPr lang="en-US" sz="1200" kern="1200" dirty="0" smtClean="0">
+                <a:solidFill>
+                  <a:schemeClr val="tx1"/>
+                </a:solidFill>
+                <a:effectLst/>
+                <a:latin typeface="+mn-lt"/>
+                <a:ea typeface="+mn-ea"/>
+                <a:cs typeface="+mn-cs"/>
+              </a:rPr>
+              <a:t>provide.</a:t>
+            </a:r>
+            <a:endParaRPr lang="en-US" sz="1200" kern="1200" dirty="0" smtClean="0">
+              <a:solidFill>
+                <a:schemeClr val="tx1"/>
+              </a:solidFill>
+              <a:effectLst/>
+              <a:latin typeface="+mn-lt"/>
+              <a:ea typeface="+mn-ea"/>
+              <a:cs typeface="+mn-cs"/>
+            </a:endParaRPr>
           </a:p>
           <a:p>
             <a:endParaRPr lang="en-US" dirty="0"/>
@@ -7513,7 +8296,37 @@
                 <a:ea typeface="+mn-ea"/>
                 <a:cs typeface="+mn-cs"/>
               </a:rPr>
-              <a:t>API Key</a:t>
+              <a:t>API </a:t>
+            </a:r>
+            <a:r>
+              <a:rPr lang="en-US" sz="1200" b="1" kern="1200" baseline="0" dirty="0" smtClean="0">
+                <a:solidFill>
+                  <a:schemeClr val="tx1"/>
+                </a:solidFill>
+                <a:effectLst/>
+                <a:latin typeface="+mn-lt"/>
+                <a:ea typeface="+mn-ea"/>
+                <a:cs typeface="+mn-cs"/>
+              </a:rPr>
+              <a:t>Key</a:t>
+            </a:r>
+          </a:p>
+          <a:p>
+            <a:pPr marL="171450" lvl="0" indent="-171450">
+              <a:buFont typeface="Arial" panose="020B0604020202020204" pitchFamily="34" charset="0"/>
+              <a:buChar char="•"/>
+            </a:pPr>
+            <a:r>
+              <a:rPr lang="en-US" sz="1200" b="0" kern="1200" baseline="0" dirty="0" smtClean="0">
+                <a:solidFill>
+                  <a:schemeClr val="tx1"/>
+                </a:solidFill>
+                <a:effectLst/>
+                <a:latin typeface="+mn-lt"/>
+                <a:ea typeface="+mn-ea"/>
+                <a:cs typeface="+mn-cs"/>
+              </a:rPr>
+              <a:t>In any case, must be something OK to transmit over the wire</a:t>
             </a:r>
             <a:endParaRPr lang="en-US" sz="1200" b="0" kern="1200" baseline="0" dirty="0" smtClean="0">
               <a:solidFill>
@@ -26851,18 +27664,25 @@
           </a:p>
           <a:p>
             <a:r>
-              <a:rPr lang="en-US" sz="4000" dirty="0" smtClean="0"/>
-              <a:t>Should salt and hash keys for storage</a:t>
-            </a:r>
-          </a:p>
-          <a:p>
-            <a:endParaRPr lang="en-US" sz="4000" dirty="0"/>
-          </a:p>
-          <a:p>
-            <a:r>
               <a:rPr lang="en-US" sz="4000" dirty="0"/>
               <a:t>Only as secure as the TLS implementation</a:t>
             </a:r>
+          </a:p>
+          <a:p>
+            <a:endParaRPr lang="en-US" sz="4000" dirty="0" smtClean="0"/>
+          </a:p>
+          <a:p>
+            <a:r>
+              <a:rPr lang="en-US" sz="4000" dirty="0" smtClean="0"/>
+              <a:t>Should </a:t>
+            </a:r>
+            <a:r>
+              <a:rPr lang="en-US" sz="4000" dirty="0" smtClean="0"/>
+              <a:t>salt and hash keys for storage</a:t>
+            </a:r>
+          </a:p>
+          <a:p>
+            <a:endParaRPr lang="en-US" sz="4000" dirty="0"/>
           </a:p>
           <a:p>
             <a:endParaRPr lang="en-US" sz="4000" dirty="0" smtClean="0"/>
@@ -27202,9 +28022,36 @@
           </a:p>
           <a:p>
             <a:r>
+              <a:rPr lang="en-US" sz="4000" dirty="0"/>
+              <a:t>TLS not required</a:t>
+            </a:r>
+          </a:p>
+          <a:p>
+            <a:endParaRPr lang="en-US" sz="4000" dirty="0" smtClean="0"/>
+          </a:p>
+          <a:p>
+            <a:r>
               <a:rPr lang="en-US" sz="4000" dirty="0" smtClean="0"/>
-              <a:t>Proves request was not modified in transit</a:t>
-            </a:r>
+              <a:t>Proves </a:t>
+            </a:r>
+            <a:r>
+              <a:rPr lang="en-US" sz="4000" dirty="0" smtClean="0"/>
+              <a:t>request was not modified in </a:t>
+            </a:r>
+            <a:r>
+              <a:rPr lang="en-US" sz="4000" dirty="0" smtClean="0"/>
+              <a:t>transit</a:t>
+            </a:r>
+          </a:p>
+          <a:p>
+            <a:endParaRPr lang="en-US" sz="4000" dirty="0" smtClean="0"/>
+          </a:p>
+          <a:p>
+            <a:r>
+              <a:rPr lang="en-US" sz="4000" dirty="0" smtClean="0"/>
+              <a:t>Defend against replay attacks in app code or TLS</a:t>
+            </a:r>
+            <a:endParaRPr lang="en-US" sz="4000" dirty="0" smtClean="0"/>
           </a:p>
           <a:p>
             <a:pPr lvl="1"/>

--- a/Securing Your API Endpoints - CodeMash 2016.pptx
+++ b/Securing Your API Endpoints - CodeMash 2016.pptx
@@ -6603,29 +6603,6 @@
             </a:endParaRPr>
           </a:p>
           <a:p>
-            <a:r>
-              <a:rPr lang="en-US" sz="1200" kern="1200" baseline="0" dirty="0" smtClean="0">
-                <a:solidFill>
-                  <a:schemeClr val="tx1"/>
-                </a:solidFill>
-                <a:effectLst/>
-                <a:latin typeface="+mn-lt"/>
-                <a:ea typeface="+mn-ea"/>
-                <a:cs typeface="+mn-cs"/>
-              </a:rPr>
-              <a:t>* No message integrity</a:t>
-            </a:r>
-            <a:endParaRPr lang="en-US" sz="1200" kern="1200" baseline="0" dirty="0" smtClean="0">
-              <a:solidFill>
-                <a:schemeClr val="tx1"/>
-              </a:solidFill>
-              <a:effectLst/>
-              <a:latin typeface="+mn-lt"/>
-              <a:ea typeface="+mn-ea"/>
-              <a:cs typeface="+mn-cs"/>
-            </a:endParaRPr>
-          </a:p>
-          <a:p>
             <a:endParaRPr lang="en-US" sz="1200" kern="1200" baseline="0" dirty="0" smtClean="0">
               <a:solidFill>
                 <a:schemeClr val="tx1"/>
@@ -7040,8 +7017,29 @@
                 <a:ea typeface="+mn-ea"/>
                 <a:cs typeface="+mn-cs"/>
               </a:rPr>
-              <a:t> message, without requiring TLS to keep</a:t>
-            </a:r>
+              <a:t> message, </a:t>
+            </a:r>
+            <a:r>
+              <a:rPr lang="en-US" sz="1200" kern="1200" baseline="0" dirty="0" smtClean="0">
+                <a:solidFill>
+                  <a:schemeClr val="tx1"/>
+                </a:solidFill>
+                <a:effectLst/>
+                <a:latin typeface="+mn-lt"/>
+                <a:ea typeface="+mn-ea"/>
+                <a:cs typeface="+mn-cs"/>
+              </a:rPr>
+              <a:t>without TLS</a:t>
+            </a:r>
+            <a:endParaRPr lang="en-US" sz="1200" kern="1200" baseline="0" dirty="0" smtClean="0">
+              <a:solidFill>
+                <a:schemeClr val="tx1"/>
+              </a:solidFill>
+              <a:effectLst/>
+              <a:latin typeface="+mn-lt"/>
+              <a:ea typeface="+mn-ea"/>
+              <a:cs typeface="+mn-cs"/>
+            </a:endParaRPr>
           </a:p>
           <a:p>
             <a:pPr marL="0" indent="0">
@@ -8972,7 +8970,100 @@
                 <a:ea typeface="+mn-ea"/>
                 <a:cs typeface="+mn-cs"/>
               </a:rPr>
-              <a:t> it’s easy. Some person, likely a programmer, obtains the API key and secret value using some secure mechanism, such as logging into a secure website over SSL, and then puts it into the source code or </a:t>
+              <a:t> it’s easy. </a:t>
+            </a:r>
+            <a:endParaRPr lang="en-US" sz="1200" kern="1200" dirty="0" smtClean="0">
+              <a:solidFill>
+                <a:schemeClr val="tx1"/>
+              </a:solidFill>
+              <a:effectLst/>
+              <a:latin typeface="+mn-lt"/>
+              <a:ea typeface="+mn-ea"/>
+              <a:cs typeface="+mn-cs"/>
+            </a:endParaRPr>
+          </a:p>
+          <a:p>
+            <a:endParaRPr lang="en-US" sz="1200" kern="1200" dirty="0" smtClean="0">
+              <a:solidFill>
+                <a:schemeClr val="tx1"/>
+              </a:solidFill>
+              <a:effectLst/>
+              <a:latin typeface="+mn-lt"/>
+              <a:ea typeface="+mn-ea"/>
+              <a:cs typeface="+mn-cs"/>
+            </a:endParaRPr>
+          </a:p>
+          <a:p>
+            <a:r>
+              <a:rPr lang="en-US" sz="1200" kern="1200" dirty="0" smtClean="0">
+                <a:solidFill>
+                  <a:schemeClr val="tx1"/>
+                </a:solidFill>
+                <a:effectLst/>
+                <a:latin typeface="+mn-lt"/>
+                <a:ea typeface="+mn-ea"/>
+                <a:cs typeface="+mn-cs"/>
+              </a:rPr>
+              <a:t>* Programmer </a:t>
+            </a:r>
+            <a:r>
+              <a:rPr lang="en-US" sz="1200" kern="1200" dirty="0" smtClean="0">
+                <a:solidFill>
+                  <a:schemeClr val="tx1"/>
+                </a:solidFill>
+                <a:effectLst/>
+                <a:latin typeface="+mn-lt"/>
+                <a:ea typeface="+mn-ea"/>
+                <a:cs typeface="+mn-cs"/>
+              </a:rPr>
+              <a:t>obtains the API key and secret value using some secure </a:t>
+            </a:r>
+            <a:r>
+              <a:rPr lang="en-US" sz="1200" kern="1200" dirty="0" smtClean="0">
+                <a:solidFill>
+                  <a:schemeClr val="tx1"/>
+                </a:solidFill>
+                <a:effectLst/>
+                <a:latin typeface="+mn-lt"/>
+                <a:ea typeface="+mn-ea"/>
+                <a:cs typeface="+mn-cs"/>
+              </a:rPr>
+              <a:t>mechanism</a:t>
+            </a:r>
+            <a:br>
+              <a:rPr lang="en-US" sz="1200" kern="1200" dirty="0" smtClean="0">
+                <a:solidFill>
+                  <a:schemeClr val="tx1"/>
+                </a:solidFill>
+                <a:effectLst/>
+                <a:latin typeface="+mn-lt"/>
+                <a:ea typeface="+mn-ea"/>
+                <a:cs typeface="+mn-cs"/>
+              </a:rPr>
+            </a:br>
+            <a:r>
+              <a:rPr lang="en-US" sz="1200" kern="1200" dirty="0" smtClean="0">
+                <a:solidFill>
+                  <a:schemeClr val="tx1"/>
+                </a:solidFill>
+                <a:effectLst/>
+                <a:latin typeface="+mn-lt"/>
+                <a:ea typeface="+mn-ea"/>
+                <a:cs typeface="+mn-cs"/>
+              </a:rPr>
+              <a:t>* Puts </a:t>
+            </a:r>
+            <a:r>
+              <a:rPr lang="en-US" sz="1200" kern="1200" dirty="0" smtClean="0">
+                <a:solidFill>
+                  <a:schemeClr val="tx1"/>
+                </a:solidFill>
+                <a:effectLst/>
+                <a:latin typeface="+mn-lt"/>
+                <a:ea typeface="+mn-ea"/>
+                <a:cs typeface="+mn-cs"/>
+              </a:rPr>
+              <a:t>it into the source code or </a:t>
             </a:r>
             <a:r>
               <a:rPr lang="en-US" sz="1200" kern="1200" dirty="0" err="1" smtClean="0">
@@ -8996,7 +9087,66 @@
                 <a:ea typeface="+mn-ea"/>
                 <a:cs typeface="+mn-cs"/>
               </a:rPr>
-              <a:t> file for the client. Once set, it doesn’t need to change; that specific deployed instance of the client will only ever deal with that one pair of values. </a:t>
+              <a:t> file for the client. </a:t>
+            </a:r>
+            <a:endParaRPr lang="en-US" sz="1200" kern="1200" dirty="0" smtClean="0">
+              <a:solidFill>
+                <a:schemeClr val="tx1"/>
+              </a:solidFill>
+              <a:effectLst/>
+              <a:latin typeface="+mn-lt"/>
+              <a:ea typeface="+mn-ea"/>
+              <a:cs typeface="+mn-cs"/>
+            </a:endParaRPr>
+          </a:p>
+          <a:p>
+            <a:r>
+              <a:rPr lang="en-US" sz="1200" kern="1200" dirty="0" smtClean="0">
+                <a:solidFill>
+                  <a:schemeClr val="tx1"/>
+                </a:solidFill>
+                <a:effectLst/>
+                <a:latin typeface="+mn-lt"/>
+                <a:ea typeface="+mn-ea"/>
+                <a:cs typeface="+mn-cs"/>
+              </a:rPr>
+              <a:t>* Once </a:t>
+            </a:r>
+            <a:r>
+              <a:rPr lang="en-US" sz="1200" kern="1200" dirty="0" smtClean="0">
+                <a:solidFill>
+                  <a:schemeClr val="tx1"/>
+                </a:solidFill>
+                <a:effectLst/>
+                <a:latin typeface="+mn-lt"/>
+                <a:ea typeface="+mn-ea"/>
+                <a:cs typeface="+mn-cs"/>
+              </a:rPr>
+              <a:t>set, </a:t>
+            </a:r>
+            <a:r>
+              <a:rPr lang="en-US" sz="1200" kern="1200" dirty="0" smtClean="0">
+                <a:solidFill>
+                  <a:schemeClr val="tx1"/>
+                </a:solidFill>
+                <a:effectLst/>
+                <a:latin typeface="+mn-lt"/>
+                <a:ea typeface="+mn-ea"/>
+                <a:cs typeface="+mn-cs"/>
+              </a:rPr>
+              <a:t>doesn’t </a:t>
+            </a:r>
+            <a:r>
+              <a:rPr lang="en-US" sz="1200" kern="1200" dirty="0" smtClean="0">
+                <a:solidFill>
+                  <a:schemeClr val="tx1"/>
+                </a:solidFill>
+                <a:effectLst/>
+                <a:latin typeface="+mn-lt"/>
+                <a:ea typeface="+mn-ea"/>
+                <a:cs typeface="+mn-cs"/>
+              </a:rPr>
+              <a:t>need to change; that specific deployed instance of the client will only ever deal with that one pair of values. </a:t>
             </a:r>
           </a:p>
           <a:p>
@@ -9131,8 +9281,83 @@
                 <a:ea typeface="+mn-ea"/>
                 <a:cs typeface="+mn-cs"/>
               </a:rPr>
-              <a:t>No way to pre-load the key up front; users can log in from any browser at any time.</a:t>
-            </a:r>
+              <a:t>* No </a:t>
+            </a:r>
+            <a:r>
+              <a:rPr lang="en-US" sz="1200" kern="1200" baseline="0" dirty="0" smtClean="0">
+                <a:solidFill>
+                  <a:schemeClr val="tx1"/>
+                </a:solidFill>
+                <a:effectLst/>
+                <a:latin typeface="+mn-lt"/>
+                <a:ea typeface="+mn-ea"/>
+                <a:cs typeface="+mn-cs"/>
+              </a:rPr>
+              <a:t>way to pre-load the key up front; users can log in from any browser at any </a:t>
+            </a:r>
+            <a:r>
+              <a:rPr lang="en-US" sz="1200" kern="1200" baseline="0" dirty="0" smtClean="0">
+                <a:solidFill>
+                  <a:schemeClr val="tx1"/>
+                </a:solidFill>
+                <a:effectLst/>
+                <a:latin typeface="+mn-lt"/>
+                <a:ea typeface="+mn-ea"/>
+                <a:cs typeface="+mn-cs"/>
+              </a:rPr>
+              <a:t>time</a:t>
+            </a:r>
+          </a:p>
+          <a:p>
+            <a:r>
+              <a:rPr lang="en-US" sz="1200" kern="1200" baseline="0" dirty="0" smtClean="0">
+                <a:solidFill>
+                  <a:schemeClr val="tx1"/>
+                </a:solidFill>
+                <a:effectLst/>
+                <a:latin typeface="+mn-lt"/>
+                <a:ea typeface="+mn-ea"/>
+                <a:cs typeface="+mn-cs"/>
+              </a:rPr>
+              <a:t>* Example: PC in a computer lab</a:t>
+            </a:r>
+          </a:p>
+          <a:p>
+            <a:r>
+              <a:rPr lang="en-US" sz="1200" kern="1200" baseline="0" dirty="0" smtClean="0">
+                <a:solidFill>
+                  <a:schemeClr val="tx1"/>
+                </a:solidFill>
+                <a:effectLst/>
+                <a:latin typeface="+mn-lt"/>
+                <a:ea typeface="+mn-ea"/>
+                <a:cs typeface="+mn-cs"/>
+              </a:rPr>
+              <a:t>* Need a way to securely transmit secret key to browser BEFORE it makes signed requests</a:t>
+            </a:r>
+          </a:p>
+          <a:p>
+            <a:r>
+              <a:rPr lang="en-US" sz="1200" kern="1200" baseline="0" dirty="0" smtClean="0">
+                <a:solidFill>
+                  <a:schemeClr val="tx1"/>
+                </a:solidFill>
+                <a:effectLst/>
+                <a:latin typeface="+mn-lt"/>
+                <a:ea typeface="+mn-ea"/>
+                <a:cs typeface="+mn-cs"/>
+              </a:rPr>
+              <a:t>* Remove or expire key during logout</a:t>
+            </a:r>
+            <a:endParaRPr lang="en-US" sz="1200" kern="1200" baseline="0" dirty="0" smtClean="0">
+              <a:solidFill>
+                <a:schemeClr val="tx1"/>
+              </a:solidFill>
+              <a:effectLst/>
+              <a:latin typeface="+mn-lt"/>
+              <a:ea typeface="+mn-ea"/>
+              <a:cs typeface="+mn-cs"/>
+            </a:endParaRPr>
           </a:p>
           <a:p>
             <a:endParaRPr lang="en-US" sz="1200" kern="1200" dirty="0" smtClean="0">
@@ -9168,10 +9393,8 @@
                 <a:ea typeface="+mn-ea"/>
                 <a:cs typeface="+mn-cs"/>
               </a:rPr>
-              <a:t>, as you can see here. The browser or app collects the actual user password from the user and submits it as a POST over SSL. If the login is successful, the server returns a response that includes the key. The client then saves the key in memory or local storage of some kind. Now that the client has the key, subsequent requests can be made without SSL.</a:t>
-            </a:r>
-          </a:p>
-          <a:p>
+              <a:t>, as you can see here. </a:t>
+            </a:r>
             <a:endParaRPr lang="en-US" sz="1200" kern="1200" dirty="0" smtClean="0">
               <a:solidFill>
                 <a:schemeClr val="tx1"/>
@@ -9193,8 +9416,152 @@
                 <a:ea typeface="+mn-ea"/>
                 <a:cs typeface="+mn-cs"/>
               </a:rPr>
-              <a:t>When the user logs out, just delete the key from memory.</a:t>
-            </a:r>
+              <a:t>* Browser </a:t>
+            </a:r>
+            <a:r>
+              <a:rPr lang="en-US" sz="1200" kern="1200" dirty="0" smtClean="0">
+                <a:solidFill>
+                  <a:schemeClr val="tx1"/>
+                </a:solidFill>
+                <a:effectLst/>
+                <a:latin typeface="+mn-lt"/>
+                <a:ea typeface="+mn-ea"/>
+                <a:cs typeface="+mn-cs"/>
+              </a:rPr>
+              <a:t>or app collects the actual user password from the user and </a:t>
+            </a:r>
+            <a:r>
+              <a:rPr lang="en-US" sz="1200" kern="1200" dirty="0" smtClean="0">
+                <a:solidFill>
+                  <a:schemeClr val="tx1"/>
+                </a:solidFill>
+                <a:effectLst/>
+                <a:latin typeface="+mn-lt"/>
+                <a:ea typeface="+mn-ea"/>
+                <a:cs typeface="+mn-cs"/>
+              </a:rPr>
+              <a:t>POSTS it</a:t>
+            </a:r>
+          </a:p>
+          <a:p>
+            <a:r>
+              <a:rPr lang="en-US" sz="1200" kern="1200" dirty="0" smtClean="0">
+                <a:solidFill>
+                  <a:schemeClr val="tx1"/>
+                </a:solidFill>
+                <a:effectLst/>
+                <a:latin typeface="+mn-lt"/>
+                <a:ea typeface="+mn-ea"/>
+                <a:cs typeface="+mn-cs"/>
+              </a:rPr>
+              <a:t>* If successful</a:t>
+            </a:r>
+            <a:r>
+              <a:rPr lang="en-US" sz="1200" kern="1200" dirty="0" smtClean="0">
+                <a:solidFill>
+                  <a:schemeClr val="tx1"/>
+                </a:solidFill>
+                <a:effectLst/>
+                <a:latin typeface="+mn-lt"/>
+                <a:ea typeface="+mn-ea"/>
+                <a:cs typeface="+mn-cs"/>
+              </a:rPr>
+              <a:t>, </a:t>
+            </a:r>
+            <a:r>
+              <a:rPr lang="en-US" sz="1200" kern="1200" dirty="0" smtClean="0">
+                <a:solidFill>
+                  <a:schemeClr val="tx1"/>
+                </a:solidFill>
+                <a:effectLst/>
+                <a:latin typeface="+mn-lt"/>
+                <a:ea typeface="+mn-ea"/>
+                <a:cs typeface="+mn-cs"/>
+              </a:rPr>
+              <a:t>server </a:t>
+            </a:r>
+            <a:r>
+              <a:rPr lang="en-US" sz="1200" kern="1200" dirty="0" smtClean="0">
+                <a:solidFill>
+                  <a:schemeClr val="tx1"/>
+                </a:solidFill>
+                <a:effectLst/>
+                <a:latin typeface="+mn-lt"/>
+                <a:ea typeface="+mn-ea"/>
+                <a:cs typeface="+mn-cs"/>
+              </a:rPr>
+              <a:t>returns a response that includes the </a:t>
+            </a:r>
+            <a:r>
+              <a:rPr lang="en-US" sz="1200" kern="1200" dirty="0" smtClean="0">
+                <a:solidFill>
+                  <a:schemeClr val="tx1"/>
+                </a:solidFill>
+                <a:effectLst/>
+                <a:latin typeface="+mn-lt"/>
+                <a:ea typeface="+mn-ea"/>
+                <a:cs typeface="+mn-cs"/>
+              </a:rPr>
+              <a:t>key</a:t>
+            </a:r>
+          </a:p>
+          <a:p>
+            <a:r>
+              <a:rPr lang="en-US" sz="1200" kern="1200" dirty="0" smtClean="0">
+                <a:solidFill>
+                  <a:schemeClr val="tx1"/>
+                </a:solidFill>
+                <a:effectLst/>
+                <a:latin typeface="+mn-lt"/>
+                <a:ea typeface="+mn-ea"/>
+                <a:cs typeface="+mn-cs"/>
+              </a:rPr>
+              <a:t>* Client saves key </a:t>
+            </a:r>
+            <a:r>
+              <a:rPr lang="en-US" sz="1200" kern="1200" dirty="0" smtClean="0">
+                <a:solidFill>
+                  <a:schemeClr val="tx1"/>
+                </a:solidFill>
+                <a:effectLst/>
+                <a:latin typeface="+mn-lt"/>
+                <a:ea typeface="+mn-ea"/>
+                <a:cs typeface="+mn-cs"/>
+              </a:rPr>
+              <a:t>in memory or local </a:t>
+            </a:r>
+            <a:r>
+              <a:rPr lang="en-US" sz="1200" kern="1200" dirty="0" smtClean="0">
+                <a:solidFill>
+                  <a:schemeClr val="tx1"/>
+                </a:solidFill>
+                <a:effectLst/>
+                <a:latin typeface="+mn-lt"/>
+                <a:ea typeface="+mn-ea"/>
+                <a:cs typeface="+mn-cs"/>
+              </a:rPr>
+              <a:t>storage</a:t>
+            </a:r>
+            <a:endParaRPr lang="en-US" sz="1200" kern="1200" dirty="0" smtClean="0">
+              <a:solidFill>
+                <a:schemeClr val="tx1"/>
+              </a:solidFill>
+              <a:effectLst/>
+              <a:latin typeface="+mn-lt"/>
+              <a:ea typeface="+mn-ea"/>
+              <a:cs typeface="+mn-cs"/>
+            </a:endParaRPr>
+          </a:p>
+          <a:p>
+            <a:endParaRPr lang="en-US" sz="1200" kern="1200" dirty="0" smtClean="0">
+              <a:solidFill>
+                <a:schemeClr val="tx1"/>
+              </a:solidFill>
+              <a:effectLst/>
+              <a:latin typeface="+mn-lt"/>
+              <a:ea typeface="+mn-ea"/>
+              <a:cs typeface="+mn-cs"/>
+            </a:endParaRPr>
           </a:p>
           <a:p>
             <a:endParaRPr lang="en-US" dirty="0"/>
@@ -9291,7 +9658,31 @@
                 <a:ea typeface="+mn-ea"/>
                 <a:cs typeface="+mn-cs"/>
               </a:rPr>
-              <a:t>Since private keys are important, you need to take care when exposing them to theft or misuse. </a:t>
+              <a:t>Since private keys are important, </a:t>
+            </a:r>
+            <a:r>
+              <a:rPr lang="en-US" sz="1200" kern="1200" dirty="0" smtClean="0">
+                <a:solidFill>
+                  <a:schemeClr val="tx1"/>
+                </a:solidFill>
+                <a:effectLst/>
+                <a:latin typeface="+mn-lt"/>
+                <a:ea typeface="+mn-ea"/>
+                <a:cs typeface="+mn-cs"/>
+              </a:rPr>
+              <a:t>take </a:t>
+            </a:r>
+            <a:r>
+              <a:rPr lang="en-US" sz="1200" kern="1200" dirty="0" smtClean="0">
+                <a:solidFill>
+                  <a:schemeClr val="tx1"/>
+                </a:solidFill>
+                <a:effectLst/>
+                <a:latin typeface="+mn-lt"/>
+                <a:ea typeface="+mn-ea"/>
+                <a:cs typeface="+mn-cs"/>
+              </a:rPr>
+              <a:t>care when exposing them to theft or misuse. </a:t>
             </a:r>
           </a:p>
           <a:p>
@@ -9316,7 +9707,19 @@
                 <a:ea typeface="+mn-ea"/>
                 <a:cs typeface="+mn-cs"/>
               </a:rPr>
-              <a:t>The moment you store key in phone’s memory or in the </a:t>
+              <a:t>Storing in </a:t>
+            </a:r>
+            <a:r>
+              <a:rPr lang="en-US" sz="1200" kern="1200" dirty="0" smtClean="0">
+                <a:solidFill>
+                  <a:schemeClr val="tx1"/>
+                </a:solidFill>
+                <a:effectLst/>
+                <a:latin typeface="+mn-lt"/>
+                <a:ea typeface="+mn-ea"/>
+                <a:cs typeface="+mn-cs"/>
+              </a:rPr>
+              <a:t>phone’s memory or in </a:t>
             </a:r>
             <a:r>
               <a:rPr lang="en-US" sz="1200" kern="1200" dirty="0" err="1" smtClean="0">
@@ -9340,7 +9743,7 @@
                 <a:ea typeface="+mn-ea"/>
                 <a:cs typeface="+mn-cs"/>
               </a:rPr>
-              <a:t> of some browser you </a:t>
+              <a:t> </a:t>
             </a:r>
             <a:r>
               <a:rPr lang="en-US" sz="1200" b="1" kern="1200" dirty="0" smtClean="0">
@@ -9352,19 +9755,55 @@
                 <a:ea typeface="+mn-ea"/>
                 <a:cs typeface="+mn-cs"/>
               </a:rPr>
-              <a:t>creating the possibility</a:t>
-            </a:r>
-            <a:r>
-              <a:rPr lang="en-US" sz="1200" kern="1200" dirty="0" smtClean="0">
-                <a:solidFill>
-                  <a:schemeClr val="tx1"/>
-                </a:solidFill>
-                <a:effectLst/>
-                <a:latin typeface="+mn-lt"/>
-                <a:ea typeface="+mn-ea"/>
-                <a:cs typeface="+mn-cs"/>
-              </a:rPr>
-              <a:t> that it might get leaked or stolen.</a:t>
+              <a:t>creates the </a:t>
+            </a:r>
+            <a:r>
+              <a:rPr lang="en-US" sz="1200" b="1" kern="1200" dirty="0" smtClean="0">
+                <a:solidFill>
+                  <a:schemeClr val="tx1"/>
+                </a:solidFill>
+                <a:effectLst/>
+                <a:latin typeface="+mn-lt"/>
+                <a:ea typeface="+mn-ea"/>
+                <a:cs typeface="+mn-cs"/>
+              </a:rPr>
+              <a:t>possibility</a:t>
+            </a:r>
+            <a:r>
+              <a:rPr lang="en-US" sz="1200" kern="1200" dirty="0" smtClean="0">
+                <a:solidFill>
+                  <a:schemeClr val="tx1"/>
+                </a:solidFill>
+                <a:effectLst/>
+                <a:latin typeface="+mn-lt"/>
+                <a:ea typeface="+mn-ea"/>
+                <a:cs typeface="+mn-cs"/>
+              </a:rPr>
+              <a:t> </a:t>
+            </a:r>
+            <a:r>
+              <a:rPr lang="en-US" sz="1200" kern="1200" dirty="0" smtClean="0">
+                <a:solidFill>
+                  <a:schemeClr val="tx1"/>
+                </a:solidFill>
+                <a:effectLst/>
+                <a:latin typeface="+mn-lt"/>
+                <a:ea typeface="+mn-ea"/>
+                <a:cs typeface="+mn-cs"/>
+              </a:rPr>
+              <a:t>it </a:t>
+            </a:r>
+            <a:r>
+              <a:rPr lang="en-US" sz="1200" kern="1200" dirty="0" smtClean="0">
+                <a:solidFill>
+                  <a:schemeClr val="tx1"/>
+                </a:solidFill>
+                <a:effectLst/>
+                <a:latin typeface="+mn-lt"/>
+                <a:ea typeface="+mn-ea"/>
+                <a:cs typeface="+mn-cs"/>
+              </a:rPr>
+              <a:t>might get leaked or stolen.</a:t>
             </a:r>
           </a:p>
           <a:p>
@@ -9413,7 +9852,19 @@
                 <a:ea typeface="+mn-ea"/>
                 <a:cs typeface="+mn-cs"/>
               </a:rPr>
-              <a:t>keys for mobile app and JS clients that expire after a set period of time. This limits the window of opportunity for any attack made with compromised keys.</a:t>
+              <a:t>keys for mobile app and JS clients that expire after a set period of time. This limits the window of opportunity for any attack made with compromised keys</a:t>
+            </a:r>
+            <a:r>
+              <a:rPr lang="en-US" sz="1200" kern="1200" dirty="0" smtClean="0">
+                <a:solidFill>
+                  <a:schemeClr val="tx1"/>
+                </a:solidFill>
+                <a:effectLst/>
+                <a:latin typeface="+mn-lt"/>
+                <a:ea typeface="+mn-ea"/>
+                <a:cs typeface="+mn-cs"/>
+              </a:rPr>
+              <a:t>.</a:t>
             </a:r>
           </a:p>
           <a:p>
@@ -9438,7 +9889,44 @@
                 <a:ea typeface="+mn-ea"/>
                 <a:cs typeface="+mn-cs"/>
               </a:rPr>
-              <a:t>You also want to make sure to </a:t>
+              <a:t>(Example)</a:t>
+            </a:r>
+          </a:p>
+          <a:p>
+            <a:endParaRPr lang="en-US" sz="1200" kern="1200" dirty="0" smtClean="0">
+              <a:solidFill>
+                <a:schemeClr val="tx1"/>
+              </a:solidFill>
+              <a:effectLst/>
+              <a:latin typeface="+mn-lt"/>
+              <a:ea typeface="+mn-ea"/>
+              <a:cs typeface="+mn-cs"/>
+            </a:endParaRPr>
+          </a:p>
+          <a:p>
+            <a:r>
+              <a:rPr lang="en-US" sz="1200" kern="1200" dirty="0" smtClean="0">
+                <a:solidFill>
+                  <a:schemeClr val="tx1"/>
+                </a:solidFill>
+                <a:effectLst/>
+                <a:latin typeface="+mn-lt"/>
+                <a:ea typeface="+mn-ea"/>
+                <a:cs typeface="+mn-cs"/>
+              </a:rPr>
+              <a:t>Be sure </a:t>
+            </a:r>
+            <a:r>
+              <a:rPr lang="en-US" sz="1200" kern="1200" dirty="0" smtClean="0">
+                <a:solidFill>
+                  <a:schemeClr val="tx1"/>
+                </a:solidFill>
+                <a:effectLst/>
+                <a:latin typeface="+mn-lt"/>
+                <a:ea typeface="+mn-ea"/>
+                <a:cs typeface="+mn-cs"/>
+              </a:rPr>
+              <a:t>to </a:t>
             </a:r>
             <a:r>
               <a:rPr lang="en-US" sz="1200" b="1" kern="1200" dirty="0" smtClean="0">
@@ -9474,7 +9962,7 @@
                 <a:ea typeface="+mn-ea"/>
                 <a:cs typeface="+mn-cs"/>
               </a:rPr>
-              <a:t> we used a persistent, long-lived key that was still usable after the user’s session expired. If you create a temporary key when the user logs in, make damn sure it stops working when they log out.</a:t>
+              <a:t> we used a persistent, long-lived key that was still usable after the user’s session expired. </a:t>
             </a:r>
             <a:endParaRPr lang="en-US" dirty="0"/>
           </a:p>
@@ -9812,8 +10300,31 @@
                 <a:ea typeface="+mn-ea"/>
                 <a:cs typeface="+mn-cs"/>
               </a:rPr>
-              <a:t>We just covered a lot of ground, so let’s do a quick recap of API-key based authentication.</a:t>
-            </a:r>
+              <a:t>We just covered a lot of ground, so let’s do a quick recap of API-key based authentication</a:t>
+            </a:r>
+            <a:r>
+              <a:rPr lang="en-US" sz="1200" kern="1200" dirty="0" smtClean="0">
+                <a:solidFill>
+                  <a:schemeClr val="tx1"/>
+                </a:solidFill>
+                <a:effectLst/>
+                <a:latin typeface="+mn-lt"/>
+                <a:ea typeface="+mn-ea"/>
+                <a:cs typeface="+mn-cs"/>
+              </a:rPr>
+              <a:t>.</a:t>
+            </a:r>
+          </a:p>
+          <a:p>
+            <a:endParaRPr lang="en-US" sz="1200" kern="1200" dirty="0" smtClean="0">
+              <a:solidFill>
+                <a:schemeClr val="tx1"/>
+              </a:solidFill>
+              <a:effectLst/>
+              <a:latin typeface="+mn-lt"/>
+              <a:ea typeface="+mn-ea"/>
+              <a:cs typeface="+mn-cs"/>
+            </a:endParaRPr>
           </a:p>
           <a:p>
             <a:pPr lvl="0"/>
@@ -9827,7 +10338,55 @@
                 <a:ea typeface="+mn-ea"/>
                 <a:cs typeface="+mn-cs"/>
               </a:rPr>
-              <a:t>API Keys are used instead of usernames/passwords when accessing secure resources. They uniquely identify a specific user and are sometimes associated with specific permissions</a:t>
+              <a:t>* used </a:t>
+            </a:r>
+            <a:r>
+              <a:rPr lang="en-US" sz="1200" kern="1200" dirty="0" smtClean="0">
+                <a:solidFill>
+                  <a:schemeClr val="tx1"/>
+                </a:solidFill>
+                <a:effectLst/>
+                <a:latin typeface="+mn-lt"/>
+                <a:ea typeface="+mn-ea"/>
+                <a:cs typeface="+mn-cs"/>
+              </a:rPr>
+              <a:t>instead of usernames/passwords </a:t>
+            </a:r>
+            <a:endParaRPr lang="en-US" sz="1200" kern="1200" dirty="0" smtClean="0">
+              <a:solidFill>
+                <a:schemeClr val="tx1"/>
+              </a:solidFill>
+              <a:effectLst/>
+              <a:latin typeface="+mn-lt"/>
+              <a:ea typeface="+mn-ea"/>
+              <a:cs typeface="+mn-cs"/>
+            </a:endParaRPr>
+          </a:p>
+          <a:p>
+            <a:pPr lvl="0"/>
+            <a:r>
+              <a:rPr lang="en-US" sz="1200" kern="1200" dirty="0" smtClean="0">
+                <a:solidFill>
+                  <a:schemeClr val="tx1"/>
+                </a:solidFill>
+                <a:effectLst/>
+                <a:latin typeface="+mn-lt"/>
+                <a:ea typeface="+mn-ea"/>
+                <a:cs typeface="+mn-cs"/>
+              </a:rPr>
+              <a:t>* uniquely </a:t>
+            </a:r>
+            <a:r>
+              <a:rPr lang="en-US" sz="1200" kern="1200" dirty="0" smtClean="0">
+                <a:solidFill>
+                  <a:schemeClr val="tx1"/>
+                </a:solidFill>
+                <a:effectLst/>
+                <a:latin typeface="+mn-lt"/>
+                <a:ea typeface="+mn-ea"/>
+                <a:cs typeface="+mn-cs"/>
+              </a:rPr>
+              <a:t>identify a specific user and are sometimes associated with specific permissions</a:t>
             </a:r>
             <a:br>
               <a:rPr lang="en-US" sz="1200" kern="1200" dirty="0" smtClean="0">
@@ -9862,7 +10421,226 @@
                 <a:ea typeface="+mn-ea"/>
                 <a:cs typeface="+mn-cs"/>
               </a:rPr>
-              <a:t>When used like a password, the API Key is passed in a URL parameter or a header with each request to identify the requestor to the server. The requests MUST use SSL to protect the key in transit and the server SHOULD store the keys in a secure fashion. </a:t>
+              <a:t>When used like a password, </a:t>
+            </a:r>
+            <a:endParaRPr lang="en-US" sz="1200" kern="1200" dirty="0" smtClean="0">
+              <a:solidFill>
+                <a:schemeClr val="tx1"/>
+              </a:solidFill>
+              <a:effectLst/>
+              <a:latin typeface="+mn-lt"/>
+              <a:ea typeface="+mn-ea"/>
+              <a:cs typeface="+mn-cs"/>
+            </a:endParaRPr>
+          </a:p>
+          <a:p>
+            <a:pPr lvl="0"/>
+            <a:r>
+              <a:rPr lang="en-US" sz="1200" kern="1200" dirty="0" smtClean="0">
+                <a:solidFill>
+                  <a:schemeClr val="tx1"/>
+                </a:solidFill>
+                <a:effectLst/>
+                <a:latin typeface="+mn-lt"/>
+                <a:ea typeface="+mn-ea"/>
+                <a:cs typeface="+mn-cs"/>
+              </a:rPr>
+              <a:t>* the </a:t>
+            </a:r>
+            <a:r>
+              <a:rPr lang="en-US" sz="1200" kern="1200" dirty="0" smtClean="0">
+                <a:solidFill>
+                  <a:schemeClr val="tx1"/>
+                </a:solidFill>
+                <a:effectLst/>
+                <a:latin typeface="+mn-lt"/>
+                <a:ea typeface="+mn-ea"/>
+                <a:cs typeface="+mn-cs"/>
+              </a:rPr>
+              <a:t>API Key is passed in a URL parameter or a header </a:t>
+            </a:r>
+            <a:r>
+              <a:rPr lang="en-US" sz="1200" kern="1200" dirty="0" smtClean="0">
+                <a:solidFill>
+                  <a:schemeClr val="tx1"/>
+                </a:solidFill>
+                <a:effectLst/>
+                <a:latin typeface="+mn-lt"/>
+                <a:ea typeface="+mn-ea"/>
+                <a:cs typeface="+mn-cs"/>
+              </a:rPr>
+              <a:t>w/ each </a:t>
+            </a:r>
+            <a:r>
+              <a:rPr lang="en-US" sz="1200" kern="1200" dirty="0" smtClean="0">
+                <a:solidFill>
+                  <a:schemeClr val="tx1"/>
+                </a:solidFill>
+                <a:effectLst/>
+                <a:latin typeface="+mn-lt"/>
+                <a:ea typeface="+mn-ea"/>
+                <a:cs typeface="+mn-cs"/>
+              </a:rPr>
+              <a:t>request </a:t>
+            </a:r>
+            <a:endParaRPr lang="en-US" sz="1200" kern="1200" dirty="0" smtClean="0">
+              <a:solidFill>
+                <a:schemeClr val="tx1"/>
+              </a:solidFill>
+              <a:effectLst/>
+              <a:latin typeface="+mn-lt"/>
+              <a:ea typeface="+mn-ea"/>
+              <a:cs typeface="+mn-cs"/>
+            </a:endParaRPr>
+          </a:p>
+          <a:p>
+            <a:pPr lvl="0"/>
+            <a:r>
+              <a:rPr lang="en-US" sz="1200" kern="1200" dirty="0" smtClean="0">
+                <a:solidFill>
+                  <a:schemeClr val="tx1"/>
+                </a:solidFill>
+                <a:effectLst/>
+                <a:latin typeface="+mn-lt"/>
+                <a:ea typeface="+mn-ea"/>
+                <a:cs typeface="+mn-cs"/>
+              </a:rPr>
+              <a:t>*</a:t>
+            </a:r>
+            <a:r>
+              <a:rPr lang="en-US" sz="1200" kern="1200" baseline="0" dirty="0" smtClean="0">
+                <a:solidFill>
+                  <a:schemeClr val="tx1"/>
+                </a:solidFill>
+                <a:effectLst/>
+                <a:latin typeface="+mn-lt"/>
+                <a:ea typeface="+mn-ea"/>
+                <a:cs typeface="+mn-cs"/>
+              </a:rPr>
+              <a:t> </a:t>
+            </a:r>
+            <a:r>
+              <a:rPr lang="en-US" sz="1200" kern="1200" dirty="0" smtClean="0">
+                <a:solidFill>
+                  <a:schemeClr val="tx1"/>
+                </a:solidFill>
+                <a:effectLst/>
+                <a:latin typeface="+mn-lt"/>
+                <a:ea typeface="+mn-ea"/>
+                <a:cs typeface="+mn-cs"/>
+              </a:rPr>
+              <a:t>requests </a:t>
+            </a:r>
+            <a:r>
+              <a:rPr lang="en-US" sz="1200" kern="1200" dirty="0" smtClean="0">
+                <a:solidFill>
+                  <a:schemeClr val="tx1"/>
+                </a:solidFill>
+                <a:effectLst/>
+                <a:latin typeface="+mn-lt"/>
+                <a:ea typeface="+mn-ea"/>
+                <a:cs typeface="+mn-cs"/>
+              </a:rPr>
+              <a:t>MUST use SSL to protect the key in transit </a:t>
+            </a:r>
+            <a:endParaRPr lang="en-US" sz="1200" kern="1200" dirty="0" smtClean="0">
+              <a:solidFill>
+                <a:schemeClr val="tx1"/>
+              </a:solidFill>
+              <a:effectLst/>
+              <a:latin typeface="+mn-lt"/>
+              <a:ea typeface="+mn-ea"/>
+              <a:cs typeface="+mn-cs"/>
+            </a:endParaRPr>
+          </a:p>
+          <a:p>
+            <a:pPr lvl="0"/>
+            <a:r>
+              <a:rPr lang="en-US" sz="1200" kern="1200" dirty="0" smtClean="0">
+                <a:solidFill>
+                  <a:schemeClr val="tx1"/>
+                </a:solidFill>
+                <a:effectLst/>
+                <a:latin typeface="+mn-lt"/>
+                <a:ea typeface="+mn-ea"/>
+                <a:cs typeface="+mn-cs"/>
+              </a:rPr>
+              <a:t>* server </a:t>
+            </a:r>
+            <a:r>
+              <a:rPr lang="en-US" sz="1200" kern="1200" dirty="0" smtClean="0">
+                <a:solidFill>
+                  <a:schemeClr val="tx1"/>
+                </a:solidFill>
+                <a:effectLst/>
+                <a:latin typeface="+mn-lt"/>
+                <a:ea typeface="+mn-ea"/>
+                <a:cs typeface="+mn-cs"/>
+              </a:rPr>
+              <a:t>SHOULD store the keys in a secure </a:t>
+            </a:r>
+            <a:r>
+              <a:rPr lang="en-US" sz="1200" kern="1200" dirty="0" smtClean="0">
+                <a:solidFill>
+                  <a:schemeClr val="tx1"/>
+                </a:solidFill>
+                <a:effectLst/>
+                <a:latin typeface="+mn-lt"/>
+                <a:ea typeface="+mn-ea"/>
+                <a:cs typeface="+mn-cs"/>
+              </a:rPr>
+              <a:t>fashion</a:t>
+            </a:r>
+          </a:p>
+          <a:p>
+            <a:pPr lvl="0"/>
+            <a:r>
+              <a:rPr lang="en-US" sz="1200" kern="1200" dirty="0" smtClean="0">
+                <a:solidFill>
+                  <a:schemeClr val="tx1"/>
+                </a:solidFill>
+                <a:effectLst/>
+                <a:latin typeface="+mn-lt"/>
+                <a:ea typeface="+mn-ea"/>
+                <a:cs typeface="+mn-cs"/>
+              </a:rPr>
+              <a:t>* No</a:t>
+            </a:r>
+            <a:r>
+              <a:rPr lang="en-US" sz="1200" kern="1200" baseline="0" dirty="0" smtClean="0">
+                <a:solidFill>
+                  <a:schemeClr val="tx1"/>
+                </a:solidFill>
+                <a:effectLst/>
+                <a:latin typeface="+mn-lt"/>
+                <a:ea typeface="+mn-ea"/>
+                <a:cs typeface="+mn-cs"/>
+              </a:rPr>
+              <a:t> way to verify message integrity</a:t>
+            </a:r>
+            <a:r>
+              <a:rPr lang="en-US" sz="1200" kern="1200" dirty="0" smtClean="0">
+                <a:solidFill>
+                  <a:schemeClr val="tx1"/>
+                </a:solidFill>
+                <a:effectLst/>
+                <a:latin typeface="+mn-lt"/>
+                <a:ea typeface="+mn-ea"/>
+                <a:cs typeface="+mn-cs"/>
+              </a:rPr>
+              <a:t> </a:t>
+            </a:r>
+            <a:r>
+              <a:rPr lang="en-US" sz="1200" kern="1200" dirty="0" smtClean="0">
+                <a:solidFill>
+                  <a:schemeClr val="tx1"/>
+                </a:solidFill>
+                <a:effectLst/>
+                <a:latin typeface="+mn-lt"/>
+                <a:ea typeface="+mn-ea"/>
+                <a:cs typeface="+mn-cs"/>
+              </a:rPr>
+              <a:t/>
             </a:r>
             <a:br>
               <a:rPr lang="en-US" sz="1200" kern="1200" dirty="0" smtClean="0">
@@ -10008,8 +10786,41 @@
                 <a:ea typeface="+mn-ea"/>
                 <a:cs typeface="+mn-cs"/>
               </a:rPr>
-              <a:t>When API Keys are used as a cryptographic key to sign requests then each public API Key must be paired with a private key that is kept secure. </a:t>
-            </a:r>
+              <a:t>When API Keys are used </a:t>
+            </a:r>
+            <a:r>
+              <a:rPr lang="en-US" sz="1200" kern="1200" dirty="0" smtClean="0">
+                <a:solidFill>
+                  <a:schemeClr val="tx1"/>
+                </a:solidFill>
+                <a:effectLst/>
+                <a:latin typeface="+mn-lt"/>
+                <a:ea typeface="+mn-ea"/>
+                <a:cs typeface="+mn-cs"/>
+              </a:rPr>
+              <a:t>to </a:t>
+            </a:r>
+            <a:r>
+              <a:rPr lang="en-US" sz="1200" kern="1200" dirty="0" smtClean="0">
+                <a:solidFill>
+                  <a:schemeClr val="tx1"/>
+                </a:solidFill>
+                <a:effectLst/>
+                <a:latin typeface="+mn-lt"/>
+                <a:ea typeface="+mn-ea"/>
+                <a:cs typeface="+mn-cs"/>
+              </a:rPr>
+              <a:t>sign requests </a:t>
+            </a:r>
+            <a:endParaRPr lang="en-US" sz="1200" kern="1200" dirty="0" smtClean="0">
+              <a:solidFill>
+                <a:schemeClr val="tx1"/>
+              </a:solidFill>
+              <a:effectLst/>
+              <a:latin typeface="+mn-lt"/>
+              <a:ea typeface="+mn-ea"/>
+              <a:cs typeface="+mn-cs"/>
+            </a:endParaRPr>
           </a:p>
           <a:p>
             <a:pPr marL="0" marR="0" lvl="0" indent="0" algn="l" defTabSz="914400" rtl="0" eaLnBrk="1" fontAlgn="auto" latinLnBrk="0" hangingPunct="1">
@@ -10029,15 +10840,66 @@
               <a:tabLst/>
               <a:defRPr/>
             </a:pPr>
-            <a:endParaRPr lang="en-US" sz="1200" kern="1200" dirty="0" smtClean="0">
-              <a:solidFill>
-                <a:schemeClr val="tx1"/>
-              </a:solidFill>
-              <a:effectLst/>
-              <a:latin typeface="+mn-lt"/>
-              <a:ea typeface="+mn-ea"/>
-              <a:cs typeface="+mn-cs"/>
-            </a:endParaRPr>
+            <a:r>
+              <a:rPr lang="en-US" sz="1200" kern="1200" dirty="0" smtClean="0">
+                <a:solidFill>
+                  <a:schemeClr val="tx1"/>
+                </a:solidFill>
+                <a:effectLst/>
+                <a:latin typeface="+mn-lt"/>
+                <a:ea typeface="+mn-ea"/>
+                <a:cs typeface="+mn-cs"/>
+              </a:rPr>
+              <a:t>*</a:t>
+            </a:r>
+            <a:r>
+              <a:rPr lang="en-US" sz="1200" kern="1200" baseline="0" dirty="0" smtClean="0">
+                <a:solidFill>
+                  <a:schemeClr val="tx1"/>
+                </a:solidFill>
+                <a:effectLst/>
+                <a:latin typeface="+mn-lt"/>
+                <a:ea typeface="+mn-ea"/>
+                <a:cs typeface="+mn-cs"/>
+              </a:rPr>
+              <a:t> </a:t>
+            </a:r>
+            <a:r>
+              <a:rPr lang="en-US" sz="1200" kern="1200" dirty="0" smtClean="0">
+                <a:solidFill>
+                  <a:schemeClr val="tx1"/>
+                </a:solidFill>
+                <a:effectLst/>
+                <a:latin typeface="+mn-lt"/>
+                <a:ea typeface="+mn-ea"/>
+                <a:cs typeface="+mn-cs"/>
+              </a:rPr>
+              <a:t>each </a:t>
+            </a:r>
+            <a:r>
+              <a:rPr lang="en-US" sz="1200" kern="1200" dirty="0" smtClean="0">
+                <a:solidFill>
+                  <a:schemeClr val="tx1"/>
+                </a:solidFill>
+                <a:effectLst/>
+                <a:latin typeface="+mn-lt"/>
+                <a:ea typeface="+mn-ea"/>
+                <a:cs typeface="+mn-cs"/>
+              </a:rPr>
+              <a:t>public API Key must be paired with a private key that is kept </a:t>
+            </a:r>
+            <a:r>
+              <a:rPr lang="en-US" sz="1200" kern="1200" dirty="0" smtClean="0">
+                <a:solidFill>
+                  <a:schemeClr val="tx1"/>
+                </a:solidFill>
+                <a:effectLst/>
+                <a:latin typeface="+mn-lt"/>
+                <a:ea typeface="+mn-ea"/>
+                <a:cs typeface="+mn-cs"/>
+              </a:rPr>
+              <a:t>secure</a:t>
+            </a:r>
           </a:p>
           <a:p>
             <a:pPr marL="0" marR="0" lvl="0" indent="0" algn="l" defTabSz="914400" rtl="0" eaLnBrk="1" fontAlgn="auto" latinLnBrk="0" hangingPunct="1">
@@ -10067,7 +10929,19 @@
                 <a:ea typeface="+mn-ea"/>
                 <a:cs typeface="+mn-cs"/>
               </a:rPr>
-              <a:t>Private keys must be stored on the server as text or using reversible encryption. </a:t>
+              <a:t>* Private</a:t>
+            </a:r>
+            <a:r>
+              <a:rPr lang="en-US" sz="1200" kern="1200" baseline="0" dirty="0" smtClean="0">
+                <a:solidFill>
+                  <a:schemeClr val="tx1"/>
+                </a:solidFill>
+                <a:effectLst/>
+                <a:latin typeface="+mn-lt"/>
+                <a:ea typeface="+mn-ea"/>
+                <a:cs typeface="+mn-cs"/>
+              </a:rPr>
+              <a:t> keys must be stored as text or reversible encryption</a:t>
             </a:r>
           </a:p>
           <a:p>
@@ -10088,15 +10962,30 @@
               <a:tabLst/>
               <a:defRPr/>
             </a:pPr>
-            <a:endParaRPr lang="en-US" sz="1200" kern="1200" dirty="0" smtClean="0">
-              <a:solidFill>
-                <a:schemeClr val="tx1"/>
-              </a:solidFill>
-              <a:effectLst/>
-              <a:latin typeface="+mn-lt"/>
-              <a:ea typeface="+mn-ea"/>
-              <a:cs typeface="+mn-cs"/>
-            </a:endParaRPr>
+            <a:r>
+              <a:rPr lang="en-US" sz="1200" kern="1200" dirty="0" smtClean="0">
+                <a:solidFill>
+                  <a:schemeClr val="tx1"/>
+                </a:solidFill>
+                <a:effectLst/>
+                <a:latin typeface="+mn-lt"/>
+                <a:ea typeface="+mn-ea"/>
+                <a:cs typeface="+mn-cs"/>
+              </a:rPr>
+              <a:t>*</a:t>
+            </a:r>
+            <a:r>
+              <a:rPr lang="en-US" sz="1200" kern="1200" baseline="0" dirty="0" smtClean="0">
+                <a:solidFill>
+                  <a:schemeClr val="tx1"/>
+                </a:solidFill>
+                <a:effectLst/>
+                <a:latin typeface="+mn-lt"/>
+                <a:ea typeface="+mn-ea"/>
+                <a:cs typeface="+mn-cs"/>
+              </a:rPr>
+              <a:t> Does not require TLS, unless the API call itself is sensitive</a:t>
+            </a:r>
           </a:p>
           <a:p>
             <a:pPr marL="0" marR="0" lvl="0" indent="0" algn="l" defTabSz="914400" rtl="0" eaLnBrk="1" fontAlgn="auto" latinLnBrk="0" hangingPunct="1">
@@ -10126,8 +11015,17 @@
                 <a:ea typeface="+mn-ea"/>
                 <a:cs typeface="+mn-cs"/>
               </a:rPr>
-              <a:t>Signing requests allows us to verify identity without requiring TLS &amp; gives us message integrity</a:t>
-            </a:r>
+              <a:t>* Guarantees message was not modified in transit</a:t>
+            </a:r>
+            <a:endParaRPr lang="en-US" sz="1200" kern="1200" dirty="0" smtClean="0">
+              <a:solidFill>
+                <a:schemeClr val="tx1"/>
+              </a:solidFill>
+              <a:effectLst/>
+              <a:latin typeface="+mn-lt"/>
+              <a:ea typeface="+mn-ea"/>
+              <a:cs typeface="+mn-cs"/>
+            </a:endParaRPr>
           </a:p>
           <a:p>
             <a:endParaRPr lang="en-US" dirty="0"/>
@@ -15049,7 +15947,31 @@
                 <a:ea typeface="+mn-ea"/>
                 <a:cs typeface="+mn-cs"/>
               </a:rPr>
-              <a:t>In this scenario, Foo would be correct in considering that an authenticated user.</a:t>
+              <a:t>In this scenario, Foo would be correct in considering </a:t>
+            </a:r>
+            <a:r>
+              <a:rPr lang="en-US" sz="1200" kern="1200" dirty="0" smtClean="0">
+                <a:solidFill>
+                  <a:schemeClr val="tx1"/>
+                </a:solidFill>
+                <a:effectLst/>
+                <a:latin typeface="+mn-lt"/>
+                <a:ea typeface="+mn-ea"/>
+                <a:cs typeface="+mn-cs"/>
+              </a:rPr>
+              <a:t>me an </a:t>
+            </a:r>
+            <a:r>
+              <a:rPr lang="en-US" sz="1200" kern="1200" dirty="0" smtClean="0">
+                <a:solidFill>
+                  <a:schemeClr val="tx1"/>
+                </a:solidFill>
+                <a:effectLst/>
+                <a:latin typeface="+mn-lt"/>
+                <a:ea typeface="+mn-ea"/>
+                <a:cs typeface="+mn-cs"/>
+              </a:rPr>
+              <a:t>authenticated user.</a:t>
             </a:r>
           </a:p>
           <a:p>
@@ -15816,7 +16738,31 @@
                 <a:ea typeface="+mn-ea"/>
                 <a:cs typeface="+mn-cs"/>
               </a:rPr>
-              <a:t>Foo as authenticated as me</a:t>
+              <a:t>Foo </a:t>
+            </a:r>
+            <a:r>
+              <a:rPr lang="en-US" sz="1200" b="1" kern="1200" baseline="0" dirty="0" smtClean="0">
+                <a:solidFill>
+                  <a:schemeClr val="tx1"/>
+                </a:solidFill>
+                <a:effectLst/>
+                <a:latin typeface="+mn-lt"/>
+                <a:ea typeface="+mn-ea"/>
+                <a:cs typeface="+mn-cs"/>
+              </a:rPr>
+              <a:t>has </a:t>
+            </a:r>
+            <a:r>
+              <a:rPr lang="en-US" sz="1200" b="1" kern="1200" baseline="0" dirty="0" smtClean="0">
+                <a:solidFill>
+                  <a:schemeClr val="tx1"/>
+                </a:solidFill>
+                <a:effectLst/>
+                <a:latin typeface="+mn-lt"/>
+                <a:ea typeface="+mn-ea"/>
+                <a:cs typeface="+mn-cs"/>
+              </a:rPr>
+              <a:t>authenticated as me</a:t>
             </a:r>
             <a:r>
               <a:rPr lang="en-US" sz="1200" kern="1200" baseline="0" dirty="0" smtClean="0">
@@ -18605,68 +19551,6 @@
             </a:endParaRPr>
           </a:p>
           <a:p>
-            <a:r>
-              <a:rPr lang="en-US" sz="1200" kern="1200" dirty="0" smtClean="0">
-                <a:solidFill>
-                  <a:schemeClr val="tx1"/>
-                </a:solidFill>
-                <a:effectLst/>
-                <a:latin typeface="+mn-lt"/>
-                <a:ea typeface="+mn-ea"/>
-                <a:cs typeface="+mn-cs"/>
-              </a:rPr>
-              <a:t>Just like Basic </a:t>
-            </a:r>
-            <a:r>
-              <a:rPr lang="en-US" sz="1200" kern="1200" dirty="0" err="1" smtClean="0">
-                <a:solidFill>
-                  <a:schemeClr val="tx1"/>
-                </a:solidFill>
-                <a:effectLst/>
-                <a:latin typeface="+mn-lt"/>
-                <a:ea typeface="+mn-ea"/>
-                <a:cs typeface="+mn-cs"/>
-              </a:rPr>
-              <a:t>Auth</a:t>
-            </a:r>
-            <a:r>
-              <a:rPr lang="en-US" sz="1200" kern="1200" dirty="0" smtClean="0">
-                <a:solidFill>
-                  <a:schemeClr val="tx1"/>
-                </a:solidFill>
-                <a:effectLst/>
-                <a:latin typeface="+mn-lt"/>
-                <a:ea typeface="+mn-ea"/>
-                <a:cs typeface="+mn-cs"/>
-              </a:rPr>
-              <a:t>, this approach is </a:t>
-            </a:r>
-            <a:r>
-              <a:rPr lang="en-US" sz="1200" b="1" kern="1200" dirty="0" smtClean="0">
-                <a:solidFill>
-                  <a:schemeClr val="tx1"/>
-                </a:solidFill>
-                <a:effectLst/>
-                <a:latin typeface="+mn-lt"/>
-                <a:ea typeface="+mn-ea"/>
-                <a:cs typeface="+mn-cs"/>
-              </a:rPr>
-              <a:t>only as secure</a:t>
-            </a:r>
-            <a:r>
-              <a:rPr lang="en-US" sz="1200" kern="1200" dirty="0" smtClean="0">
-                <a:solidFill>
-                  <a:schemeClr val="tx1"/>
-                </a:solidFill>
-                <a:effectLst/>
-                <a:latin typeface="+mn-lt"/>
-                <a:ea typeface="+mn-ea"/>
-                <a:cs typeface="+mn-cs"/>
-              </a:rPr>
-              <a:t> as your use of TLS.</a:t>
-            </a:r>
-          </a:p>
-          <a:p>
             <a:endParaRPr lang="en-US" dirty="0"/>
           </a:p>
         </p:txBody>
@@ -18834,24 +19718,6 @@
               <a:ea typeface="+mn-ea"/>
               <a:cs typeface="+mn-cs"/>
             </a:endParaRPr>
-          </a:p>
-          <a:p>
-            <a:pPr marL="171450" indent="-171450">
-              <a:buFont typeface="Arial" panose="020B0604020202020204" pitchFamily="34" charset="0"/>
-              <a:buChar char="•"/>
-            </a:pPr>
-            <a:r>
-              <a:rPr lang="en-US" sz="1200" kern="1200" dirty="0" smtClean="0">
-                <a:solidFill>
-                  <a:schemeClr val="tx1"/>
-                </a:solidFill>
-                <a:effectLst/>
-                <a:latin typeface="+mn-lt"/>
-                <a:ea typeface="+mn-ea"/>
-                <a:cs typeface="+mn-cs"/>
-              </a:rPr>
-              <a:t>Provides message integrity </a:t>
-            </a:r>
           </a:p>
           <a:p>
             <a:pPr marL="171450" indent="-171450">
@@ -24829,7 +25695,7 @@
             </a:r>
             <a:r>
               <a:rPr lang="en-US" sz="4800" dirty="0" smtClean="0"/>
-              <a:t>“pick your path”</a:t>
+              <a:t>“narrow down the options”</a:t>
             </a:r>
             <a:endParaRPr lang="en-US" sz="4800" dirty="0"/>
           </a:p>
@@ -29094,8 +29960,13 @@
             </a:r>
             <a:r>
               <a:rPr lang="en-US" sz="3600" dirty="0" smtClean="0"/>
-              <a:t> use SSL </a:t>
-            </a:r>
+              <a:t> use </a:t>
+            </a:r>
+            <a:r>
+              <a:rPr lang="en-US" sz="3600" dirty="0" smtClean="0"/>
+              <a:t>TLS</a:t>
+            </a:r>
+            <a:endParaRPr lang="en-US" sz="3600" dirty="0" smtClean="0"/>
           </a:p>
           <a:p>
             <a:pPr lvl="1"/>
@@ -29418,7 +30289,11 @@
           <a:p>
             <a:r>
               <a:rPr lang="en-US" sz="4000" dirty="0" smtClean="0"/>
-              <a:t>HMAC is well suited for server to server API calls</a:t>
+              <a:t>API keys are great for </a:t>
+            </a:r>
+            <a:r>
+              <a:rPr lang="en-US" sz="4000" dirty="0" smtClean="0"/>
+              <a:t>server to server API calls</a:t>
             </a:r>
             <a:br>
               <a:rPr lang="en-US" sz="4000" dirty="0" smtClean="0"/>
@@ -29428,8 +30303,13 @@
           <a:p>
             <a:r>
               <a:rPr lang="en-US" sz="4000" dirty="0" smtClean="0"/>
-              <a:t>HMAC from JavaScript is doable, but consider temporary (expiring) API Keys</a:t>
-            </a:r>
+              <a:t>If using API keys in lieu of </a:t>
+            </a:r>
+            <a:r>
+              <a:rPr lang="en-US" sz="4000" dirty="0" err="1" smtClean="0"/>
+              <a:t>sess</a:t>
+            </a:r>
+            <a:endParaRPr lang="en-US" sz="4000" dirty="0" smtClean="0"/>
           </a:p>
           <a:p>
             <a:pPr lvl="1"/>
@@ -29477,11 +30357,11 @@
   <p:clrMapOvr>
     <a:masterClrMapping/>
   </p:clrMapOvr>
-  <mc:AlternateContent xmlns:mc="http://schemas.openxmlformats.org/markup-compatibility/2006" xmlns:p14="http://schemas.microsoft.com/office/powerpoint/2010/main">
-    <mc:Choice Requires="p14">
+  <mc:AlternateContent xmlns:mc="http://schemas.openxmlformats.org/markup-compatibility/2006">
+    <mc:Choice xmlns:p14="http://schemas.microsoft.com/office/powerpoint/2010/main" Requires="p14">
       <p:transition spd="slow" p14:dur="2000"/>
     </mc:Choice>
-    <mc:Fallback xmlns="">
+    <mc:Fallback>
       <p:transition spd="slow"/>
     </mc:Fallback>
   </mc:AlternateContent>

--- a/Securing Your API Endpoints - CodeMash 2016.pptx
+++ b/Securing Your API Endpoints - CodeMash 2016.pptx
@@ -282,7 +282,7 @@
           <a:p>
             <a:fld id="{C54A4886-B4AF-42F7-97BE-95CDF82A73E3}" type="datetimeFigureOut">
               <a:rPr lang="en-US" smtClean="0"/>
-              <a:t>5/3/2016</a:t>
+              <a:t>5/6/2016</a:t>
             </a:fld>
             <a:endParaRPr lang="en-US"/>
           </a:p>
@@ -594,6 +594,14 @@
           <a:bodyPr/>
           <a:lstStyle/>
           <a:p>
+            <a:r>
+              <a:rPr lang="en-US" dirty="0" smtClean="0"/>
+              <a:t>*** REMEMBER TO START</a:t>
+            </a:r>
+            <a:r>
+              <a:rPr lang="en-US" baseline="0" dirty="0" smtClean="0"/>
+              <a:t> TIMER ***</a:t>
+            </a:r>
             <a:endParaRPr lang="en-US" dirty="0"/>
           </a:p>
         </p:txBody>
@@ -737,19 +745,7 @@
                 <a:ea typeface="+mn-ea"/>
                 <a:cs typeface="+mn-cs"/>
               </a:rPr>
-              <a:t>I have no direct hands on experience with. </a:t>
-            </a:r>
-            <a:r>
-              <a:rPr lang="en-US" sz="1200" kern="1200" dirty="0" smtClean="0">
-                <a:solidFill>
-                  <a:schemeClr val="tx1"/>
-                </a:solidFill>
-                <a:effectLst/>
-                <a:latin typeface="+mn-lt"/>
-                <a:ea typeface="+mn-ea"/>
-                <a:cs typeface="+mn-cs"/>
-              </a:rPr>
-              <a:t>We’re going</a:t>
+              <a:t>I have no direct hands on experience with. We’re going</a:t>
             </a:r>
             <a:r>
               <a:rPr lang="en-US" sz="1200" kern="1200" baseline="0" dirty="0" smtClean="0">
@@ -1838,15 +1834,6 @@
               </a:rPr>
               <a:t>we’re going to talk about today. </a:t>
             </a:r>
-            <a:endParaRPr lang="en-US" sz="1200" kern="1200" dirty="0" smtClean="0">
-              <a:solidFill>
-                <a:schemeClr val="tx1"/>
-              </a:solidFill>
-              <a:effectLst/>
-              <a:latin typeface="+mn-lt"/>
-              <a:ea typeface="+mn-ea"/>
-              <a:cs typeface="+mn-cs"/>
-            </a:endParaRPr>
           </a:p>
           <a:p>
             <a:pPr marL="0" marR="0" indent="0" algn="l" defTabSz="914400" rtl="0" eaLnBrk="1" fontAlgn="auto" latinLnBrk="0" hangingPunct="1">
@@ -1954,15 +1941,6 @@
               </a:rPr>
               <a:t> </a:t>
             </a:r>
-            <a:endParaRPr lang="en-US" sz="1200" kern="1200" dirty="0" smtClean="0">
-              <a:solidFill>
-                <a:schemeClr val="tx1"/>
-              </a:solidFill>
-              <a:effectLst/>
-              <a:latin typeface="+mn-lt"/>
-              <a:ea typeface="+mn-ea"/>
-              <a:cs typeface="+mn-cs"/>
-            </a:endParaRPr>
           </a:p>
           <a:p>
             <a:endParaRPr lang="en-US" dirty="0"/>
@@ -3120,29 +3098,6 @@
           </a:p>
           <a:p>
             <a:r>
-              <a:rPr lang="en-US" sz="1200" kern="1200" dirty="0" smtClean="0">
-                <a:solidFill>
-                  <a:schemeClr val="tx1"/>
-                </a:solidFill>
-                <a:effectLst/>
-                <a:latin typeface="+mn-lt"/>
-                <a:ea typeface="+mn-ea"/>
-                <a:cs typeface="+mn-cs"/>
-              </a:rPr>
-              <a:t>* Browser prompts for credentials</a:t>
-            </a:r>
-            <a:endParaRPr lang="en-US" sz="1200" kern="1200" baseline="0" dirty="0" smtClean="0">
-              <a:solidFill>
-                <a:schemeClr val="tx1"/>
-              </a:solidFill>
-              <a:effectLst/>
-              <a:latin typeface="+mn-lt"/>
-              <a:ea typeface="+mn-ea"/>
-              <a:cs typeface="+mn-cs"/>
-            </a:endParaRPr>
-          </a:p>
-          <a:p>
-            <a:r>
               <a:rPr lang="en-US" sz="1200" kern="1200" baseline="0" dirty="0" smtClean="0">
                 <a:solidFill>
                   <a:schemeClr val="tx1"/>
@@ -3152,10 +3107,8 @@
                 <a:ea typeface="+mn-ea"/>
                 <a:cs typeface="+mn-cs"/>
               </a:rPr>
-              <a:t>* Browser repeats request, sending Base64 encoded creds</a:t>
-            </a:r>
-          </a:p>
-          <a:p>
+              <a:t>* </a:t>
+            </a:r>
             <a:r>
               <a:rPr lang="en-US" sz="1200" kern="1200" baseline="0" dirty="0" smtClean="0">
                 <a:solidFill>
@@ -3166,21 +3119,21 @@
                 <a:ea typeface="+mn-ea"/>
                 <a:cs typeface="+mn-cs"/>
               </a:rPr>
+              <a:t>Browser repeats request, sending Base64 encoded creds</a:t>
+            </a:r>
+          </a:p>
+          <a:p>
+            <a:r>
+              <a:rPr lang="en-US" sz="1200" kern="1200" baseline="0" dirty="0" smtClean="0">
+                <a:solidFill>
+                  <a:schemeClr val="tx1"/>
+                </a:solidFill>
+                <a:effectLst/>
+                <a:latin typeface="+mn-lt"/>
+                <a:ea typeface="+mn-ea"/>
+                <a:cs typeface="+mn-cs"/>
+              </a:rPr>
               <a:t>* Server validates</a:t>
-            </a:r>
-          </a:p>
-          <a:p>
-            <a:r>
-              <a:rPr lang="en-US" sz="1200" kern="1200" baseline="0" dirty="0" smtClean="0">
-                <a:solidFill>
-                  <a:schemeClr val="tx1"/>
-                </a:solidFill>
-                <a:effectLst/>
-                <a:latin typeface="+mn-lt"/>
-                <a:ea typeface="+mn-ea"/>
-                <a:cs typeface="+mn-cs"/>
-              </a:rPr>
-              <a:t>* Browser continues to send the header with all subsequent requests</a:t>
             </a:r>
           </a:p>
           <a:p>
@@ -3411,15 +3364,6 @@
               </a:rPr>
               <a:t> you can do that by writing some simple middleware and overriding a few methods. </a:t>
             </a:r>
-            <a:endParaRPr lang="en-US" sz="1200" kern="1200" dirty="0" smtClean="0">
-              <a:solidFill>
-                <a:schemeClr val="tx1"/>
-              </a:solidFill>
-              <a:effectLst/>
-              <a:latin typeface="+mn-lt"/>
-              <a:ea typeface="+mn-ea"/>
-              <a:cs typeface="+mn-cs"/>
-            </a:endParaRPr>
           </a:p>
           <a:p>
             <a:endParaRPr lang="en-US" sz="1200" kern="1200" dirty="0" smtClean="0">
@@ -3671,19 +3615,7 @@
                 <a:ea typeface="+mn-ea"/>
                 <a:cs typeface="+mn-cs"/>
               </a:rPr>
-              <a:t>Use TLS on every secured </a:t>
-            </a:r>
-            <a:r>
-              <a:rPr lang="en-US" sz="1200" kern="1200" dirty="0" smtClean="0">
-                <a:solidFill>
-                  <a:schemeClr val="tx1"/>
-                </a:solidFill>
-                <a:effectLst/>
-                <a:latin typeface="+mn-lt"/>
-                <a:ea typeface="+mn-ea"/>
-                <a:cs typeface="+mn-cs"/>
-              </a:rPr>
-              <a:t>request, because TLS encrypts the request</a:t>
+              <a:t>Use TLS on every secured request, because TLS encrypts the request</a:t>
             </a:r>
             <a:r>
               <a:rPr lang="en-US" sz="1200" kern="1200" baseline="0" dirty="0" smtClean="0">
@@ -3771,8 +3703,72 @@
                 <a:ea typeface="+mn-ea"/>
                 <a:cs typeface="+mn-cs"/>
               </a:rPr>
-              <a:t> ALL connected integrations</a:t>
-            </a:r>
+              <a:t> ALL </a:t>
+            </a:r>
+            <a:r>
+              <a:rPr lang="en-US" sz="1200" kern="1200" baseline="0" dirty="0" smtClean="0">
+                <a:solidFill>
+                  <a:schemeClr val="tx1"/>
+                </a:solidFill>
+                <a:effectLst/>
+                <a:latin typeface="+mn-lt"/>
+                <a:ea typeface="+mn-ea"/>
+                <a:cs typeface="+mn-cs"/>
+              </a:rPr>
+              <a:t>connected integrations</a:t>
+            </a:r>
+          </a:p>
+          <a:p>
+            <a:pPr marL="171450" indent="-171450">
+              <a:buFont typeface="Arial" panose="020B0604020202020204" pitchFamily="34" charset="0"/>
+              <a:buChar char="•"/>
+            </a:pPr>
+            <a:endParaRPr lang="en-US" sz="1200" kern="1200" baseline="0" dirty="0" smtClean="0">
+              <a:solidFill>
+                <a:schemeClr val="tx1"/>
+              </a:solidFill>
+              <a:effectLst/>
+              <a:latin typeface="+mn-lt"/>
+              <a:ea typeface="+mn-ea"/>
+              <a:cs typeface="+mn-cs"/>
+            </a:endParaRPr>
+          </a:p>
+          <a:p>
+            <a:pPr marL="0" marR="0" indent="0" algn="l" defTabSz="914400" rtl="0" eaLnBrk="1" fontAlgn="auto" latinLnBrk="0" hangingPunct="1">
+              <a:lnSpc>
+                <a:spcPct val="100000"/>
+              </a:lnSpc>
+              <a:spcBef>
+                <a:spcPts val="0"/>
+              </a:spcBef>
+              <a:spcAft>
+                <a:spcPts val="0"/>
+              </a:spcAft>
+              <a:buClrTx/>
+              <a:buSzTx/>
+              <a:buFont typeface="Arial" panose="020B0604020202020204" pitchFamily="34" charset="0"/>
+              <a:buNone/>
+              <a:tabLst/>
+              <a:defRPr/>
+            </a:pPr>
+            <a:r>
+              <a:rPr lang="en-US" sz="1200" b="0" kern="1200" baseline="0" dirty="0" smtClean="0">
+                <a:solidFill>
+                  <a:schemeClr val="tx1"/>
+                </a:solidFill>
+                <a:effectLst/>
+                <a:latin typeface="+mn-lt"/>
+                <a:ea typeface="+mn-ea"/>
+                <a:cs typeface="+mn-cs"/>
+              </a:rPr>
+              <a:t>This is one of the techniques that data.gov uses to security their APIs, although they use an API key instead of a username/password. We’ll talk more about API keys in a few minutes.</a:t>
+            </a:r>
+          </a:p>
+          <a:p>
+            <a:pPr marL="0" indent="0">
+              <a:buFont typeface="Arial" panose="020B0604020202020204" pitchFamily="34" charset="0"/>
+              <a:buNone/>
+            </a:pPr>
             <a:endParaRPr lang="en-US" dirty="0"/>
           </a:p>
         </p:txBody>
@@ -4266,19 +4262,7 @@
                 <a:ea typeface="+mn-ea"/>
                 <a:cs typeface="+mn-cs"/>
               </a:rPr>
-              <a:t>is called Digest Auth. </a:t>
-            </a:r>
-            <a:r>
-              <a:rPr lang="en-US" sz="1200" kern="1200" dirty="0" smtClean="0">
-                <a:solidFill>
-                  <a:schemeClr val="tx1"/>
-                </a:solidFill>
-                <a:effectLst/>
-                <a:latin typeface="+mn-lt"/>
-                <a:ea typeface="+mn-ea"/>
-                <a:cs typeface="+mn-cs"/>
-              </a:rPr>
-              <a:t>I</a:t>
+              <a:t>is called Digest Auth. I</a:t>
             </a:r>
             <a:r>
               <a:rPr lang="en-US" sz="1200" kern="1200" baseline="0" dirty="0" smtClean="0">
@@ -4316,15 +4300,6 @@
               </a:rPr>
               <a:t>.</a:t>
             </a:r>
-            <a:endParaRPr lang="en-US" sz="1200" kern="1200" baseline="0" dirty="0" smtClean="0">
-              <a:solidFill>
-                <a:schemeClr val="tx1"/>
-              </a:solidFill>
-              <a:effectLst/>
-              <a:latin typeface="+mn-lt"/>
-              <a:ea typeface="+mn-ea"/>
-              <a:cs typeface="+mn-cs"/>
-            </a:endParaRPr>
           </a:p>
           <a:p>
             <a:endParaRPr lang="en-US" sz="1200" kern="1200" baseline="0" dirty="0" smtClean="0">
@@ -4860,19 +4835,7 @@
                 <a:ea typeface="+mn-ea"/>
                 <a:cs typeface="+mn-cs"/>
               </a:rPr>
-              <a:t> calls to the </a:t>
-            </a:r>
-            <a:r>
-              <a:rPr lang="en-US" sz="1200" kern="1200" dirty="0" smtClean="0">
-                <a:solidFill>
-                  <a:schemeClr val="tx1"/>
-                </a:solidFill>
-                <a:effectLst/>
-                <a:latin typeface="+mn-lt"/>
-                <a:ea typeface="+mn-ea"/>
-                <a:cs typeface="+mn-cs"/>
-              </a:rPr>
-              <a:t>server</a:t>
+              <a:t> calls to the server</a:t>
             </a:r>
           </a:p>
           <a:p>
@@ -4971,34 +4934,19 @@
                 <a:ea typeface="+mn-ea"/>
                 <a:cs typeface="+mn-cs"/>
               </a:rPr>
-              <a:t>Second, same terrible login UI as basic </a:t>
-            </a:r>
-          </a:p>
-          <a:p>
-            <a:pPr lvl="0"/>
-            <a:endParaRPr lang="en-US" sz="1200" kern="1200" dirty="0" smtClean="0">
-              <a:solidFill>
-                <a:schemeClr val="tx1"/>
-              </a:solidFill>
-              <a:effectLst/>
-              <a:latin typeface="+mn-lt"/>
-              <a:ea typeface="+mn-ea"/>
-              <a:cs typeface="+mn-cs"/>
-            </a:endParaRPr>
-          </a:p>
-          <a:p>
-            <a:pPr lvl="0"/>
-            <a:r>
-              <a:rPr lang="en-US" sz="1200" kern="1200" dirty="0" smtClean="0">
-                <a:solidFill>
-                  <a:schemeClr val="tx1"/>
-                </a:solidFill>
-                <a:effectLst/>
-                <a:latin typeface="+mn-lt"/>
-                <a:ea typeface="+mn-ea"/>
-                <a:cs typeface="+mn-cs"/>
-              </a:rPr>
-              <a:t>Third, Digest prevents use of strong password encryption in your user database. </a:t>
+              <a:t>Third</a:t>
+            </a:r>
+            <a:r>
+              <a:rPr lang="en-US" sz="1200" kern="1200" dirty="0" smtClean="0">
+                <a:solidFill>
+                  <a:schemeClr val="tx1"/>
+                </a:solidFill>
+                <a:effectLst/>
+                <a:latin typeface="+mn-lt"/>
+                <a:ea typeface="+mn-ea"/>
+                <a:cs typeface="+mn-cs"/>
+              </a:rPr>
+              <a:t>, Digest prevents use of strong password encryption in your user database. </a:t>
             </a:r>
           </a:p>
           <a:p>
@@ -5304,19 +5252,7 @@
                 <a:ea typeface="+mn-ea"/>
                 <a:cs typeface="+mn-cs"/>
               </a:rPr>
-              <a:t>* used in lieu of a username/password combo to uniquely identify specific </a:t>
-            </a:r>
-            <a:r>
-              <a:rPr lang="en-US" sz="1200" kern="1200" dirty="0" smtClean="0">
-                <a:solidFill>
-                  <a:schemeClr val="tx1"/>
-                </a:solidFill>
-                <a:effectLst/>
-                <a:latin typeface="+mn-lt"/>
-                <a:ea typeface="+mn-ea"/>
-                <a:cs typeface="+mn-cs"/>
-              </a:rPr>
-              <a:t>user or</a:t>
+              <a:t>* used in lieu of a username/password combo to uniquely identify specific user or</a:t>
             </a:r>
             <a:r>
               <a:rPr lang="en-US" sz="1200" kern="1200" baseline="0" dirty="0" smtClean="0">
@@ -6460,19 +6396,7 @@
                 <a:ea typeface="+mn-ea"/>
                 <a:cs typeface="+mn-cs"/>
               </a:rPr>
-              <a:t>Using keys like this makes them “bearer tokens</a:t>
-            </a:r>
-            <a:r>
-              <a:rPr lang="en-US" sz="1200" kern="1200" dirty="0" smtClean="0">
-                <a:solidFill>
-                  <a:schemeClr val="tx1"/>
-                </a:solidFill>
-                <a:effectLst/>
-                <a:latin typeface="+mn-lt"/>
-                <a:ea typeface="+mn-ea"/>
-                <a:cs typeface="+mn-cs"/>
-              </a:rPr>
-              <a:t>”, which is basically a password</a:t>
+              <a:t>Using keys like this makes them “bearer tokens”, which is basically a password</a:t>
             </a:r>
             <a:r>
               <a:rPr lang="en-US" sz="1200" kern="1200" baseline="0" dirty="0" smtClean="0">
@@ -6484,32 +6408,10 @@
                 <a:ea typeface="+mn-ea"/>
                 <a:cs typeface="+mn-cs"/>
               </a:rPr>
-              <a:t>. </a:t>
-            </a:r>
-            <a:r>
-              <a:rPr lang="en-US" sz="1200" kern="1200" baseline="0" dirty="0" smtClean="0">
-                <a:solidFill>
-                  <a:schemeClr val="tx1"/>
-                </a:solidFill>
-                <a:effectLst/>
-                <a:latin typeface="+mn-lt"/>
-                <a:ea typeface="+mn-ea"/>
-                <a:cs typeface="+mn-cs"/>
-              </a:rPr>
-              <a:t>Whomever possesses the token may use </a:t>
-            </a:r>
-            <a:r>
-              <a:rPr lang="en-US" sz="1200" kern="1200" baseline="0" dirty="0" smtClean="0">
-                <a:solidFill>
-                  <a:schemeClr val="tx1"/>
-                </a:solidFill>
-                <a:effectLst/>
-                <a:latin typeface="+mn-lt"/>
-                <a:ea typeface="+mn-ea"/>
-                <a:cs typeface="+mn-cs"/>
-              </a:rPr>
-              <a:t>it.</a:t>
-            </a:r>
+              <a:t>. Whomever possesses the token may use it.</a:t>
+            </a:r>
+          </a:p>
+          <a:p>
             <a:endParaRPr lang="en-US" sz="1200" kern="1200" baseline="0" dirty="0" smtClean="0">
               <a:solidFill>
                 <a:schemeClr val="tx1"/>
@@ -6521,6 +6423,54 @@
             </a:endParaRPr>
           </a:p>
           <a:p>
+            <a:r>
+              <a:rPr lang="en-US" sz="1200" kern="1200" baseline="0" dirty="0" smtClean="0">
+                <a:solidFill>
+                  <a:schemeClr val="tx1"/>
+                </a:solidFill>
+                <a:effectLst/>
+                <a:latin typeface="+mn-lt"/>
+                <a:ea typeface="+mn-ea"/>
+                <a:cs typeface="+mn-cs"/>
+              </a:rPr>
+              <a:t>This means you </a:t>
+            </a:r>
+            <a:r>
+              <a:rPr lang="en-US" sz="1200" b="1" kern="1200" baseline="0" dirty="0" smtClean="0">
+                <a:solidFill>
+                  <a:schemeClr val="tx1"/>
+                </a:solidFill>
+                <a:effectLst/>
+                <a:latin typeface="+mn-lt"/>
+                <a:ea typeface="+mn-ea"/>
+                <a:cs typeface="+mn-cs"/>
+              </a:rPr>
+              <a:t>MUST use TLS</a:t>
+            </a:r>
+            <a:r>
+              <a:rPr lang="en-US" sz="1200" kern="1200" baseline="0" dirty="0" smtClean="0">
+                <a:solidFill>
+                  <a:schemeClr val="tx1"/>
+                </a:solidFill>
+                <a:effectLst/>
+                <a:latin typeface="+mn-lt"/>
+                <a:ea typeface="+mn-ea"/>
+                <a:cs typeface="+mn-cs"/>
+              </a:rPr>
+              <a:t> on all requests, to keep the keys safe in transit. Only as secure as TLS </a:t>
+            </a:r>
+            <a:r>
+              <a:rPr lang="en-US" sz="1200" kern="1200" baseline="0" dirty="0" err="1" smtClean="0">
+                <a:solidFill>
+                  <a:schemeClr val="tx1"/>
+                </a:solidFill>
+                <a:effectLst/>
+                <a:latin typeface="+mn-lt"/>
+                <a:ea typeface="+mn-ea"/>
+                <a:cs typeface="+mn-cs"/>
+              </a:rPr>
+              <a:t>impl</a:t>
+            </a:r>
             <a:endParaRPr lang="en-US" sz="1200" kern="1200" baseline="0" dirty="0" smtClean="0">
               <a:solidFill>
                 <a:schemeClr val="tx1"/>
@@ -6532,66 +6482,6 @@
             </a:endParaRPr>
           </a:p>
           <a:p>
-            <a:r>
-              <a:rPr lang="en-US" sz="1200" kern="1200" baseline="0" dirty="0" smtClean="0">
-                <a:solidFill>
-                  <a:schemeClr val="tx1"/>
-                </a:solidFill>
-                <a:effectLst/>
-                <a:latin typeface="+mn-lt"/>
-                <a:ea typeface="+mn-ea"/>
-                <a:cs typeface="+mn-cs"/>
-              </a:rPr>
-              <a:t>This means you </a:t>
-            </a:r>
-            <a:r>
-              <a:rPr lang="en-US" sz="1200" b="1" kern="1200" baseline="0" dirty="0" smtClean="0">
-                <a:solidFill>
-                  <a:schemeClr val="tx1"/>
-                </a:solidFill>
-                <a:effectLst/>
-                <a:latin typeface="+mn-lt"/>
-                <a:ea typeface="+mn-ea"/>
-                <a:cs typeface="+mn-cs"/>
-              </a:rPr>
-              <a:t>MUST use TLS</a:t>
-            </a:r>
-            <a:r>
-              <a:rPr lang="en-US" sz="1200" kern="1200" baseline="0" dirty="0" smtClean="0">
-                <a:solidFill>
-                  <a:schemeClr val="tx1"/>
-                </a:solidFill>
-                <a:effectLst/>
-                <a:latin typeface="+mn-lt"/>
-                <a:ea typeface="+mn-ea"/>
-                <a:cs typeface="+mn-cs"/>
-              </a:rPr>
-              <a:t> on all requests, to keep the keys safe in transit</a:t>
-            </a:r>
-            <a:r>
-              <a:rPr lang="en-US" sz="1200" kern="1200" baseline="0" dirty="0" smtClean="0">
-                <a:solidFill>
-                  <a:schemeClr val="tx1"/>
-                </a:solidFill>
-                <a:effectLst/>
-                <a:latin typeface="+mn-lt"/>
-                <a:ea typeface="+mn-ea"/>
-                <a:cs typeface="+mn-cs"/>
-              </a:rPr>
-              <a:t>. Only as secure as TLS </a:t>
-            </a:r>
-            <a:r>
-              <a:rPr lang="en-US" sz="1200" kern="1200" baseline="0" dirty="0" err="1" smtClean="0">
-                <a:solidFill>
-                  <a:schemeClr val="tx1"/>
-                </a:solidFill>
-                <a:effectLst/>
-                <a:latin typeface="+mn-lt"/>
-                <a:ea typeface="+mn-ea"/>
-                <a:cs typeface="+mn-cs"/>
-              </a:rPr>
-              <a:t>impl</a:t>
-            </a:r>
             <a:endParaRPr lang="en-US" sz="1200" kern="1200" baseline="0" dirty="0" smtClean="0">
               <a:solidFill>
                 <a:schemeClr val="tx1"/>
@@ -6603,17 +6493,6 @@
             </a:endParaRPr>
           </a:p>
           <a:p>
-            <a:endParaRPr lang="en-US" sz="1200" kern="1200" baseline="0" dirty="0" smtClean="0">
-              <a:solidFill>
-                <a:schemeClr val="tx1"/>
-              </a:solidFill>
-              <a:effectLst/>
-              <a:latin typeface="+mn-lt"/>
-              <a:ea typeface="+mn-ea"/>
-              <a:cs typeface="+mn-cs"/>
-            </a:endParaRPr>
-          </a:p>
-          <a:p>
             <a:r>
               <a:rPr lang="en-US" sz="1200" kern="1200" dirty="0" smtClean="0">
                 <a:solidFill>
@@ -6684,19 +6563,7 @@
                 <a:ea typeface="+mn-ea"/>
                 <a:cs typeface="+mn-cs"/>
               </a:rPr>
-              <a:t>That’s what happened w/ </a:t>
-            </a:r>
-            <a:r>
-              <a:rPr lang="en-US" sz="1200" kern="1200" dirty="0" smtClean="0">
-                <a:solidFill>
-                  <a:schemeClr val="tx1"/>
-                </a:solidFill>
-                <a:effectLst/>
-                <a:latin typeface="+mn-lt"/>
-                <a:ea typeface="+mn-ea"/>
-                <a:cs typeface="+mn-cs"/>
-              </a:rPr>
-              <a:t>Buffer</a:t>
+              <a:t>That’s what happened w/ Buffer</a:t>
             </a:r>
           </a:p>
           <a:p>
@@ -6881,20 +6748,10 @@
                 <a:ea typeface="+mn-ea"/>
                 <a:cs typeface="+mn-cs"/>
               </a:rPr>
-              <a:t>The other way to use API Keys is </a:t>
-            </a:r>
-            <a:r>
-              <a:rPr lang="en-US" sz="1200" kern="1200" dirty="0" smtClean="0">
-                <a:solidFill>
-                  <a:schemeClr val="tx1"/>
-                </a:solidFill>
-                <a:effectLst/>
-                <a:latin typeface="+mn-lt"/>
-                <a:ea typeface="+mn-ea"/>
-                <a:cs typeface="+mn-cs"/>
-              </a:rPr>
-              <a:t>to digitally sign the HTTP request.</a:t>
-            </a:r>
+              <a:t>The other way to use API Keys is to digitally sign the HTTP request.</a:t>
+            </a:r>
+          </a:p>
+          <a:p>
             <a:endParaRPr lang="en-US" sz="1200" kern="1200" dirty="0" smtClean="0">
               <a:solidFill>
                 <a:schemeClr val="tx1"/>
@@ -6906,17 +6763,6 @@
             </a:endParaRPr>
           </a:p>
           <a:p>
-            <a:endParaRPr lang="en-US" sz="1200" kern="1200" dirty="0" smtClean="0">
-              <a:solidFill>
-                <a:schemeClr val="tx1"/>
-              </a:solidFill>
-              <a:effectLst/>
-              <a:latin typeface="+mn-lt"/>
-              <a:ea typeface="+mn-ea"/>
-              <a:cs typeface="+mn-cs"/>
-            </a:endParaRPr>
-          </a:p>
-          <a:p>
             <a:r>
               <a:rPr lang="en-US" sz="1200" kern="1200" dirty="0" smtClean="0">
                 <a:solidFill>
@@ -7017,29 +6863,8 @@
                 <a:ea typeface="+mn-ea"/>
                 <a:cs typeface="+mn-cs"/>
               </a:rPr>
-              <a:t> message, </a:t>
-            </a:r>
-            <a:r>
-              <a:rPr lang="en-US" sz="1200" kern="1200" baseline="0" dirty="0" smtClean="0">
-                <a:solidFill>
-                  <a:schemeClr val="tx1"/>
-                </a:solidFill>
-                <a:effectLst/>
-                <a:latin typeface="+mn-lt"/>
-                <a:ea typeface="+mn-ea"/>
-                <a:cs typeface="+mn-cs"/>
-              </a:rPr>
-              <a:t>without TLS</a:t>
-            </a:r>
-            <a:endParaRPr lang="en-US" sz="1200" kern="1200" baseline="0" dirty="0" smtClean="0">
-              <a:solidFill>
-                <a:schemeClr val="tx1"/>
-              </a:solidFill>
-              <a:effectLst/>
-              <a:latin typeface="+mn-lt"/>
-              <a:ea typeface="+mn-ea"/>
-              <a:cs typeface="+mn-cs"/>
-            </a:endParaRPr>
+              <a:t> message, without TLS</a:t>
+            </a:r>
           </a:p>
           <a:p>
             <a:pPr marL="0" indent="0">
@@ -7486,19 +7311,7 @@
                 <a:ea typeface="+mn-ea"/>
                 <a:cs typeface="+mn-cs"/>
               </a:rPr>
-              <a:t> any changes to the request data will invalidate the signature</a:t>
-            </a:r>
-            <a:r>
-              <a:rPr lang="en-US" sz="1200" kern="1200" baseline="0" dirty="0" smtClean="0">
-                <a:solidFill>
-                  <a:schemeClr val="tx1"/>
-                </a:solidFill>
-                <a:effectLst/>
-                <a:latin typeface="+mn-lt"/>
-                <a:ea typeface="+mn-ea"/>
-                <a:cs typeface="+mn-cs"/>
-              </a:rPr>
-              <a:t>. </a:t>
+              <a:t> any changes to the request data will invalidate the signature. </a:t>
             </a:r>
           </a:p>
           <a:p>
@@ -7896,41 +7709,8 @@
                 <a:ea typeface="+mn-ea"/>
                 <a:cs typeface="+mn-cs"/>
               </a:rPr>
-              <a:t>This </a:t>
-            </a:r>
-            <a:r>
-              <a:rPr lang="en-US" sz="1200" kern="1200" dirty="0" smtClean="0">
-                <a:solidFill>
-                  <a:schemeClr val="tx1"/>
-                </a:solidFill>
-                <a:effectLst/>
-                <a:latin typeface="+mn-lt"/>
-                <a:ea typeface="+mn-ea"/>
-                <a:cs typeface="+mn-cs"/>
-              </a:rPr>
-              <a:t>complexity is a necessary part of using HMAC. It’s the price you pay for the increased security that signed requests </a:t>
-            </a:r>
-            <a:r>
-              <a:rPr lang="en-US" sz="1200" kern="1200" dirty="0" smtClean="0">
-                <a:solidFill>
-                  <a:schemeClr val="tx1"/>
-                </a:solidFill>
-                <a:effectLst/>
-                <a:latin typeface="+mn-lt"/>
-                <a:ea typeface="+mn-ea"/>
-                <a:cs typeface="+mn-cs"/>
-              </a:rPr>
-              <a:t>provide.</a:t>
-            </a:r>
-            <a:endParaRPr lang="en-US" sz="1200" kern="1200" dirty="0" smtClean="0">
-              <a:solidFill>
-                <a:schemeClr val="tx1"/>
-              </a:solidFill>
-              <a:effectLst/>
-              <a:latin typeface="+mn-lt"/>
-              <a:ea typeface="+mn-ea"/>
-              <a:cs typeface="+mn-cs"/>
-            </a:endParaRPr>
+              <a:t>This complexity is a necessary part of using HMAC. It’s the price you pay for the increased security that signed requests provide.</a:t>
+            </a:r>
           </a:p>
           <a:p>
             <a:endParaRPr lang="en-US" dirty="0"/>
@@ -8294,19 +8074,7 @@
                 <a:ea typeface="+mn-ea"/>
                 <a:cs typeface="+mn-cs"/>
               </a:rPr>
-              <a:t>API </a:t>
-            </a:r>
-            <a:r>
-              <a:rPr lang="en-US" sz="1200" b="1" kern="1200" baseline="0" dirty="0" smtClean="0">
-                <a:solidFill>
-                  <a:schemeClr val="tx1"/>
-                </a:solidFill>
-                <a:effectLst/>
-                <a:latin typeface="+mn-lt"/>
-                <a:ea typeface="+mn-ea"/>
-                <a:cs typeface="+mn-cs"/>
-              </a:rPr>
-              <a:t>Key</a:t>
+              <a:t>API Key</a:t>
             </a:r>
           </a:p>
           <a:p>
@@ -8326,15 +8094,6 @@
               </a:rPr>
               <a:t>In any case, must be something OK to transmit over the wire</a:t>
             </a:r>
-            <a:endParaRPr lang="en-US" sz="1200" b="0" kern="1200" baseline="0" dirty="0" smtClean="0">
-              <a:solidFill>
-                <a:schemeClr val="tx1"/>
-              </a:solidFill>
-              <a:effectLst/>
-              <a:latin typeface="+mn-lt"/>
-              <a:ea typeface="+mn-ea"/>
-              <a:cs typeface="+mn-cs"/>
-            </a:endParaRPr>
           </a:p>
           <a:p>
             <a:pPr marL="171450" lvl="0" indent="-171450">
@@ -8972,6 +8731,8 @@
               </a:rPr>
               <a:t> it’s easy. </a:t>
             </a:r>
+          </a:p>
+          <a:p>
             <a:endParaRPr lang="en-US" sz="1200" kern="1200" dirty="0" smtClean="0">
               <a:solidFill>
                 <a:schemeClr val="tx1"/>
@@ -8983,52 +8744,17 @@
             </a:endParaRPr>
           </a:p>
           <a:p>
-            <a:endParaRPr lang="en-US" sz="1200" kern="1200" dirty="0" smtClean="0">
-              <a:solidFill>
-                <a:schemeClr val="tx1"/>
-              </a:solidFill>
-              <a:effectLst/>
-              <a:latin typeface="+mn-lt"/>
-              <a:ea typeface="+mn-ea"/>
-              <a:cs typeface="+mn-cs"/>
-            </a:endParaRPr>
-          </a:p>
-          <a:p>
-            <a:r>
-              <a:rPr lang="en-US" sz="1200" kern="1200" dirty="0" smtClean="0">
-                <a:solidFill>
-                  <a:schemeClr val="tx1"/>
-                </a:solidFill>
-                <a:effectLst/>
-                <a:latin typeface="+mn-lt"/>
-                <a:ea typeface="+mn-ea"/>
-                <a:cs typeface="+mn-cs"/>
-              </a:rPr>
-              <a:t>* Programmer </a:t>
-            </a:r>
-            <a:r>
-              <a:rPr lang="en-US" sz="1200" kern="1200" dirty="0" smtClean="0">
-                <a:solidFill>
-                  <a:schemeClr val="tx1"/>
-                </a:solidFill>
-                <a:effectLst/>
-                <a:latin typeface="+mn-lt"/>
-                <a:ea typeface="+mn-ea"/>
-                <a:cs typeface="+mn-cs"/>
-              </a:rPr>
-              <a:t>obtains the API key and secret value using some secure </a:t>
-            </a:r>
-            <a:r>
-              <a:rPr lang="en-US" sz="1200" kern="1200" dirty="0" smtClean="0">
-                <a:solidFill>
-                  <a:schemeClr val="tx1"/>
-                </a:solidFill>
-                <a:effectLst/>
-                <a:latin typeface="+mn-lt"/>
-                <a:ea typeface="+mn-ea"/>
-                <a:cs typeface="+mn-cs"/>
-              </a:rPr>
-              <a:t>mechanism</a:t>
+            <a:r>
+              <a:rPr lang="en-US" sz="1200" kern="1200" dirty="0" smtClean="0">
+                <a:solidFill>
+                  <a:schemeClr val="tx1"/>
+                </a:solidFill>
+                <a:effectLst/>
+                <a:latin typeface="+mn-lt"/>
+                <a:ea typeface="+mn-ea"/>
+                <a:cs typeface="+mn-cs"/>
+              </a:rPr>
+              <a:t>* Programmer obtains the API key and secret value using some secure mechanism</a:t>
             </a:r>
             <a:br>
               <a:rPr lang="en-US" sz="1200" kern="1200" dirty="0" smtClean="0">
@@ -9051,19 +8777,7 @@
                 <a:ea typeface="+mn-ea"/>
                 <a:cs typeface="+mn-cs"/>
               </a:rPr>
-              <a:t>* Puts </a:t>
-            </a:r>
-            <a:r>
-              <a:rPr lang="en-US" sz="1200" kern="1200" dirty="0" smtClean="0">
-                <a:solidFill>
-                  <a:schemeClr val="tx1"/>
-                </a:solidFill>
-                <a:effectLst/>
-                <a:latin typeface="+mn-lt"/>
-                <a:ea typeface="+mn-ea"/>
-                <a:cs typeface="+mn-cs"/>
-              </a:rPr>
-              <a:t>it into the source code or </a:t>
+              <a:t>* Puts it into the source code or </a:t>
             </a:r>
             <a:r>
               <a:rPr lang="en-US" sz="1200" kern="1200" dirty="0" err="1" smtClean="0">
@@ -9089,64 +8803,19 @@
               </a:rPr>
               <a:t> file for the client. </a:t>
             </a:r>
-            <a:endParaRPr lang="en-US" sz="1200" kern="1200" dirty="0" smtClean="0">
-              <a:solidFill>
-                <a:schemeClr val="tx1"/>
-              </a:solidFill>
-              <a:effectLst/>
-              <a:latin typeface="+mn-lt"/>
-              <a:ea typeface="+mn-ea"/>
-              <a:cs typeface="+mn-cs"/>
-            </a:endParaRPr>
-          </a:p>
-          <a:p>
-            <a:r>
-              <a:rPr lang="en-US" sz="1200" kern="1200" dirty="0" smtClean="0">
-                <a:solidFill>
-                  <a:schemeClr val="tx1"/>
-                </a:solidFill>
-                <a:effectLst/>
-                <a:latin typeface="+mn-lt"/>
-                <a:ea typeface="+mn-ea"/>
-                <a:cs typeface="+mn-cs"/>
-              </a:rPr>
-              <a:t>* Once </a:t>
-            </a:r>
-            <a:r>
-              <a:rPr lang="en-US" sz="1200" kern="1200" dirty="0" smtClean="0">
-                <a:solidFill>
-                  <a:schemeClr val="tx1"/>
-                </a:solidFill>
-                <a:effectLst/>
-                <a:latin typeface="+mn-lt"/>
-                <a:ea typeface="+mn-ea"/>
-                <a:cs typeface="+mn-cs"/>
-              </a:rPr>
-              <a:t>set, </a:t>
-            </a:r>
-            <a:r>
-              <a:rPr lang="en-US" sz="1200" kern="1200" dirty="0" smtClean="0">
-                <a:solidFill>
-                  <a:schemeClr val="tx1"/>
-                </a:solidFill>
-                <a:effectLst/>
-                <a:latin typeface="+mn-lt"/>
-                <a:ea typeface="+mn-ea"/>
-                <a:cs typeface="+mn-cs"/>
-              </a:rPr>
-              <a:t>doesn’t </a:t>
-            </a:r>
-            <a:r>
-              <a:rPr lang="en-US" sz="1200" kern="1200" dirty="0" smtClean="0">
-                <a:solidFill>
-                  <a:schemeClr val="tx1"/>
-                </a:solidFill>
-                <a:effectLst/>
-                <a:latin typeface="+mn-lt"/>
-                <a:ea typeface="+mn-ea"/>
-                <a:cs typeface="+mn-cs"/>
-              </a:rPr>
-              <a:t>need to change; that specific deployed instance of the client will only ever deal with that one pair of values. </a:t>
+          </a:p>
+          <a:p>
+            <a:r>
+              <a:rPr lang="en-US" sz="1200" kern="1200" dirty="0" smtClean="0">
+                <a:solidFill>
+                  <a:schemeClr val="tx1"/>
+                </a:solidFill>
+                <a:effectLst/>
+                <a:latin typeface="+mn-lt"/>
+                <a:ea typeface="+mn-ea"/>
+                <a:cs typeface="+mn-cs"/>
+              </a:rPr>
+              <a:t>* Once set, doesn’t need to change; that specific deployed instance of the client will only ever deal with that one pair of values. </a:t>
             </a:r>
           </a:p>
           <a:p>
@@ -9281,8 +8950,10 @@
                 <a:ea typeface="+mn-ea"/>
                 <a:cs typeface="+mn-cs"/>
               </a:rPr>
-              <a:t>* No </a:t>
-            </a:r>
+              <a:t>* No way to pre-load the key up front; users can log in from any browser at any time</a:t>
+            </a:r>
+          </a:p>
+          <a:p>
             <a:r>
               <a:rPr lang="en-US" sz="1200" kern="1200" baseline="0" dirty="0" smtClean="0">
                 <a:solidFill>
@@ -9293,8 +8964,10 @@
                 <a:ea typeface="+mn-ea"/>
                 <a:cs typeface="+mn-cs"/>
               </a:rPr>
-              <a:t>way to pre-load the key up front; users can log in from any browser at any </a:t>
-            </a:r>
+              <a:t>* Example: PC in a computer lab</a:t>
+            </a:r>
+          </a:p>
+          <a:p>
             <a:r>
               <a:rPr lang="en-US" sz="1200" kern="1200" baseline="0" dirty="0" smtClean="0">
                 <a:solidFill>
@@ -9305,7 +8978,7 @@
                 <a:ea typeface="+mn-ea"/>
                 <a:cs typeface="+mn-cs"/>
               </a:rPr>
-              <a:t>time</a:t>
+              <a:t>* Need a way to securely transmit secret key to browser BEFORE it makes signed requests</a:t>
             </a:r>
           </a:p>
           <a:p>
@@ -9319,45 +8992,8 @@
                 <a:ea typeface="+mn-ea"/>
                 <a:cs typeface="+mn-cs"/>
               </a:rPr>
-              <a:t>* Example: PC in a computer lab</a:t>
-            </a:r>
-          </a:p>
-          <a:p>
-            <a:r>
-              <a:rPr lang="en-US" sz="1200" kern="1200" baseline="0" dirty="0" smtClean="0">
-                <a:solidFill>
-                  <a:schemeClr val="tx1"/>
-                </a:solidFill>
-                <a:effectLst/>
-                <a:latin typeface="+mn-lt"/>
-                <a:ea typeface="+mn-ea"/>
-                <a:cs typeface="+mn-cs"/>
-              </a:rPr>
-              <a:t>* Need a way to securely transmit secret key to browser BEFORE it makes signed requests</a:t>
-            </a:r>
-          </a:p>
-          <a:p>
-            <a:r>
-              <a:rPr lang="en-US" sz="1200" kern="1200" baseline="0" dirty="0" smtClean="0">
-                <a:solidFill>
-                  <a:schemeClr val="tx1"/>
-                </a:solidFill>
-                <a:effectLst/>
-                <a:latin typeface="+mn-lt"/>
-                <a:ea typeface="+mn-ea"/>
-                <a:cs typeface="+mn-cs"/>
-              </a:rPr>
               <a:t>* Remove or expire key during logout</a:t>
             </a:r>
-            <a:endParaRPr lang="en-US" sz="1200" kern="1200" baseline="0" dirty="0" smtClean="0">
-              <a:solidFill>
-                <a:schemeClr val="tx1"/>
-              </a:solidFill>
-              <a:effectLst/>
-              <a:latin typeface="+mn-lt"/>
-              <a:ea typeface="+mn-ea"/>
-              <a:cs typeface="+mn-cs"/>
-            </a:endParaRPr>
           </a:p>
           <a:p>
             <a:endParaRPr lang="en-US" sz="1200" kern="1200" dirty="0" smtClean="0">
@@ -9395,162 +9031,48 @@
               </a:rPr>
               <a:t>, as you can see here. </a:t>
             </a:r>
-            <a:endParaRPr lang="en-US" sz="1200" kern="1200" dirty="0" smtClean="0">
-              <a:solidFill>
-                <a:schemeClr val="tx1"/>
-              </a:solidFill>
-              <a:effectLst/>
-              <a:latin typeface="+mn-lt"/>
-              <a:ea typeface="+mn-ea"/>
-              <a:cs typeface="+mn-cs"/>
-            </a:endParaRPr>
-          </a:p>
-          <a:p>
-            <a:r>
-              <a:rPr lang="en-US" sz="1200" kern="1200" dirty="0" smtClean="0">
-                <a:solidFill>
-                  <a:schemeClr val="tx1"/>
-                </a:solidFill>
-                <a:effectLst/>
-                <a:latin typeface="+mn-lt"/>
-                <a:ea typeface="+mn-ea"/>
-                <a:cs typeface="+mn-cs"/>
-              </a:rPr>
-              <a:t>* Browser </a:t>
-            </a:r>
-            <a:r>
-              <a:rPr lang="en-US" sz="1200" kern="1200" dirty="0" smtClean="0">
-                <a:solidFill>
-                  <a:schemeClr val="tx1"/>
-                </a:solidFill>
-                <a:effectLst/>
-                <a:latin typeface="+mn-lt"/>
-                <a:ea typeface="+mn-ea"/>
-                <a:cs typeface="+mn-cs"/>
-              </a:rPr>
-              <a:t>or app collects the actual user password from the user and </a:t>
-            </a:r>
-            <a:r>
-              <a:rPr lang="en-US" sz="1200" kern="1200" dirty="0" smtClean="0">
-                <a:solidFill>
-                  <a:schemeClr val="tx1"/>
-                </a:solidFill>
-                <a:effectLst/>
-                <a:latin typeface="+mn-lt"/>
-                <a:ea typeface="+mn-ea"/>
-                <a:cs typeface="+mn-cs"/>
-              </a:rPr>
-              <a:t>POSTS it</a:t>
-            </a:r>
-          </a:p>
-          <a:p>
-            <a:r>
-              <a:rPr lang="en-US" sz="1200" kern="1200" dirty="0" smtClean="0">
-                <a:solidFill>
-                  <a:schemeClr val="tx1"/>
-                </a:solidFill>
-                <a:effectLst/>
-                <a:latin typeface="+mn-lt"/>
-                <a:ea typeface="+mn-ea"/>
-                <a:cs typeface="+mn-cs"/>
-              </a:rPr>
-              <a:t>* If successful</a:t>
-            </a:r>
-            <a:r>
-              <a:rPr lang="en-US" sz="1200" kern="1200" dirty="0" smtClean="0">
-                <a:solidFill>
-                  <a:schemeClr val="tx1"/>
-                </a:solidFill>
-                <a:effectLst/>
-                <a:latin typeface="+mn-lt"/>
-                <a:ea typeface="+mn-ea"/>
-                <a:cs typeface="+mn-cs"/>
-              </a:rPr>
-              <a:t>, </a:t>
-            </a:r>
-            <a:r>
-              <a:rPr lang="en-US" sz="1200" kern="1200" dirty="0" smtClean="0">
-                <a:solidFill>
-                  <a:schemeClr val="tx1"/>
-                </a:solidFill>
-                <a:effectLst/>
-                <a:latin typeface="+mn-lt"/>
-                <a:ea typeface="+mn-ea"/>
-                <a:cs typeface="+mn-cs"/>
-              </a:rPr>
-              <a:t>server </a:t>
-            </a:r>
-            <a:r>
-              <a:rPr lang="en-US" sz="1200" kern="1200" dirty="0" smtClean="0">
-                <a:solidFill>
-                  <a:schemeClr val="tx1"/>
-                </a:solidFill>
-                <a:effectLst/>
-                <a:latin typeface="+mn-lt"/>
-                <a:ea typeface="+mn-ea"/>
-                <a:cs typeface="+mn-cs"/>
-              </a:rPr>
-              <a:t>returns a response that includes the </a:t>
-            </a:r>
-            <a:r>
-              <a:rPr lang="en-US" sz="1200" kern="1200" dirty="0" smtClean="0">
-                <a:solidFill>
-                  <a:schemeClr val="tx1"/>
-                </a:solidFill>
-                <a:effectLst/>
-                <a:latin typeface="+mn-lt"/>
-                <a:ea typeface="+mn-ea"/>
-                <a:cs typeface="+mn-cs"/>
-              </a:rPr>
-              <a:t>key</a:t>
-            </a:r>
-          </a:p>
-          <a:p>
-            <a:r>
-              <a:rPr lang="en-US" sz="1200" kern="1200" dirty="0" smtClean="0">
-                <a:solidFill>
-                  <a:schemeClr val="tx1"/>
-                </a:solidFill>
-                <a:effectLst/>
-                <a:latin typeface="+mn-lt"/>
-                <a:ea typeface="+mn-ea"/>
-                <a:cs typeface="+mn-cs"/>
-              </a:rPr>
-              <a:t>* Client saves key </a:t>
-            </a:r>
-            <a:r>
-              <a:rPr lang="en-US" sz="1200" kern="1200" dirty="0" smtClean="0">
-                <a:solidFill>
-                  <a:schemeClr val="tx1"/>
-                </a:solidFill>
-                <a:effectLst/>
-                <a:latin typeface="+mn-lt"/>
-                <a:ea typeface="+mn-ea"/>
-                <a:cs typeface="+mn-cs"/>
-              </a:rPr>
-              <a:t>in memory or local </a:t>
-            </a:r>
-            <a:r>
-              <a:rPr lang="en-US" sz="1200" kern="1200" dirty="0" smtClean="0">
-                <a:solidFill>
-                  <a:schemeClr val="tx1"/>
-                </a:solidFill>
-                <a:effectLst/>
-                <a:latin typeface="+mn-lt"/>
-                <a:ea typeface="+mn-ea"/>
-                <a:cs typeface="+mn-cs"/>
-              </a:rPr>
-              <a:t>storage</a:t>
-            </a:r>
-            <a:endParaRPr lang="en-US" sz="1200" kern="1200" dirty="0" smtClean="0">
-              <a:solidFill>
-                <a:schemeClr val="tx1"/>
-              </a:solidFill>
-              <a:effectLst/>
-              <a:latin typeface="+mn-lt"/>
-              <a:ea typeface="+mn-ea"/>
-              <a:cs typeface="+mn-cs"/>
-            </a:endParaRPr>
+          </a:p>
+          <a:p>
+            <a:r>
+              <a:rPr lang="en-US" sz="1200" kern="1200" dirty="0" smtClean="0">
+                <a:solidFill>
+                  <a:schemeClr val="tx1"/>
+                </a:solidFill>
+                <a:effectLst/>
+                <a:latin typeface="+mn-lt"/>
+                <a:ea typeface="+mn-ea"/>
+                <a:cs typeface="+mn-cs"/>
+              </a:rPr>
+              <a:t>* Browser or app collects the actual user password from the user and POSTS it</a:t>
+            </a:r>
+          </a:p>
+          <a:p>
+            <a:r>
+              <a:rPr lang="en-US" sz="1200" kern="1200" dirty="0" smtClean="0">
+                <a:solidFill>
+                  <a:schemeClr val="tx1"/>
+                </a:solidFill>
+                <a:effectLst/>
+                <a:latin typeface="+mn-lt"/>
+                <a:ea typeface="+mn-ea"/>
+                <a:cs typeface="+mn-cs"/>
+              </a:rPr>
+              <a:t>* If successful, server returns a response that includes the key</a:t>
+            </a:r>
+          </a:p>
+          <a:p>
+            <a:r>
+              <a:rPr lang="en-US" sz="1200" kern="1200" dirty="0" smtClean="0">
+                <a:solidFill>
+                  <a:schemeClr val="tx1"/>
+                </a:solidFill>
+                <a:effectLst/>
+                <a:latin typeface="+mn-lt"/>
+                <a:ea typeface="+mn-ea"/>
+                <a:cs typeface="+mn-cs"/>
+              </a:rPr>
+              <a:t>* Client saves key in memory or local storage</a:t>
+            </a:r>
           </a:p>
           <a:p>
             <a:endParaRPr lang="en-US" sz="1200" kern="1200" dirty="0" smtClean="0">
@@ -9658,31 +9180,7 @@
                 <a:ea typeface="+mn-ea"/>
                 <a:cs typeface="+mn-cs"/>
               </a:rPr>
-              <a:t>Since private keys are important, </a:t>
-            </a:r>
-            <a:r>
-              <a:rPr lang="en-US" sz="1200" kern="1200" dirty="0" smtClean="0">
-                <a:solidFill>
-                  <a:schemeClr val="tx1"/>
-                </a:solidFill>
-                <a:effectLst/>
-                <a:latin typeface="+mn-lt"/>
-                <a:ea typeface="+mn-ea"/>
-                <a:cs typeface="+mn-cs"/>
-              </a:rPr>
-              <a:t>take </a:t>
-            </a:r>
-            <a:r>
-              <a:rPr lang="en-US" sz="1200" kern="1200" dirty="0" smtClean="0">
-                <a:solidFill>
-                  <a:schemeClr val="tx1"/>
-                </a:solidFill>
-                <a:effectLst/>
-                <a:latin typeface="+mn-lt"/>
-                <a:ea typeface="+mn-ea"/>
-                <a:cs typeface="+mn-cs"/>
-              </a:rPr>
-              <a:t>care when exposing them to theft or misuse. </a:t>
+              <a:t>Since private keys are important, take care when exposing them to theft or misuse. </a:t>
             </a:r>
           </a:p>
           <a:p>
@@ -9707,19 +9205,7 @@
                 <a:ea typeface="+mn-ea"/>
                 <a:cs typeface="+mn-cs"/>
               </a:rPr>
-              <a:t>Storing in </a:t>
-            </a:r>
-            <a:r>
-              <a:rPr lang="en-US" sz="1200" kern="1200" dirty="0" smtClean="0">
-                <a:solidFill>
-                  <a:schemeClr val="tx1"/>
-                </a:solidFill>
-                <a:effectLst/>
-                <a:latin typeface="+mn-lt"/>
-                <a:ea typeface="+mn-ea"/>
-                <a:cs typeface="+mn-cs"/>
-              </a:rPr>
-              <a:t>phone’s memory or in </a:t>
+              <a:t>Storing in phone’s memory or in </a:t>
             </a:r>
             <a:r>
               <a:rPr lang="en-US" sz="1200" kern="1200" dirty="0" err="1" smtClean="0">
@@ -9755,55 +9241,19 @@
                 <a:ea typeface="+mn-ea"/>
                 <a:cs typeface="+mn-cs"/>
               </a:rPr>
-              <a:t>creates the </a:t>
-            </a:r>
-            <a:r>
-              <a:rPr lang="en-US" sz="1200" b="1" kern="1200" dirty="0" smtClean="0">
-                <a:solidFill>
-                  <a:schemeClr val="tx1"/>
-                </a:solidFill>
-                <a:effectLst/>
-                <a:latin typeface="+mn-lt"/>
-                <a:ea typeface="+mn-ea"/>
-                <a:cs typeface="+mn-cs"/>
-              </a:rPr>
-              <a:t>possibility</a:t>
-            </a:r>
-            <a:r>
-              <a:rPr lang="en-US" sz="1200" kern="1200" dirty="0" smtClean="0">
-                <a:solidFill>
-                  <a:schemeClr val="tx1"/>
-                </a:solidFill>
-                <a:effectLst/>
-                <a:latin typeface="+mn-lt"/>
-                <a:ea typeface="+mn-ea"/>
-                <a:cs typeface="+mn-cs"/>
-              </a:rPr>
-              <a:t> </a:t>
-            </a:r>
-            <a:r>
-              <a:rPr lang="en-US" sz="1200" kern="1200" dirty="0" smtClean="0">
-                <a:solidFill>
-                  <a:schemeClr val="tx1"/>
-                </a:solidFill>
-                <a:effectLst/>
-                <a:latin typeface="+mn-lt"/>
-                <a:ea typeface="+mn-ea"/>
-                <a:cs typeface="+mn-cs"/>
-              </a:rPr>
-              <a:t>it </a:t>
-            </a:r>
-            <a:r>
-              <a:rPr lang="en-US" sz="1200" kern="1200" dirty="0" smtClean="0">
-                <a:solidFill>
-                  <a:schemeClr val="tx1"/>
-                </a:solidFill>
-                <a:effectLst/>
-                <a:latin typeface="+mn-lt"/>
-                <a:ea typeface="+mn-ea"/>
-                <a:cs typeface="+mn-cs"/>
-              </a:rPr>
-              <a:t>might get leaked or stolen.</a:t>
+              <a:t>creates the possibility</a:t>
+            </a:r>
+            <a:r>
+              <a:rPr lang="en-US" sz="1200" kern="1200" dirty="0" smtClean="0">
+                <a:solidFill>
+                  <a:schemeClr val="tx1"/>
+                </a:solidFill>
+                <a:effectLst/>
+                <a:latin typeface="+mn-lt"/>
+                <a:ea typeface="+mn-ea"/>
+                <a:cs typeface="+mn-cs"/>
+              </a:rPr>
+              <a:t> it might get leaked or stolen.</a:t>
             </a:r>
           </a:p>
           <a:p>
@@ -9852,19 +9302,7 @@
                 <a:ea typeface="+mn-ea"/>
                 <a:cs typeface="+mn-cs"/>
               </a:rPr>
-              <a:t>keys for mobile app and JS clients that expire after a set period of time. This limits the window of opportunity for any attack made with compromised keys</a:t>
-            </a:r>
-            <a:r>
-              <a:rPr lang="en-US" sz="1200" kern="1200" dirty="0" smtClean="0">
-                <a:solidFill>
-                  <a:schemeClr val="tx1"/>
-                </a:solidFill>
-                <a:effectLst/>
-                <a:latin typeface="+mn-lt"/>
-                <a:ea typeface="+mn-ea"/>
-                <a:cs typeface="+mn-cs"/>
-              </a:rPr>
-              <a:t>.</a:t>
+              <a:t>keys for mobile app and JS clients that expire after a set period of time. This limits the window of opportunity for any attack made with compromised keys.</a:t>
             </a:r>
           </a:p>
           <a:p>
@@ -9914,19 +9352,7 @@
                 <a:ea typeface="+mn-ea"/>
                 <a:cs typeface="+mn-cs"/>
               </a:rPr>
-              <a:t>Be sure </a:t>
-            </a:r>
-            <a:r>
-              <a:rPr lang="en-US" sz="1200" kern="1200" dirty="0" smtClean="0">
-                <a:solidFill>
-                  <a:schemeClr val="tx1"/>
-                </a:solidFill>
-                <a:effectLst/>
-                <a:latin typeface="+mn-lt"/>
-                <a:ea typeface="+mn-ea"/>
-                <a:cs typeface="+mn-cs"/>
-              </a:rPr>
-              <a:t>to </a:t>
+              <a:t>Be sure to </a:t>
             </a:r>
             <a:r>
               <a:rPr lang="en-US" sz="1200" b="1" kern="1200" dirty="0" smtClean="0">
@@ -10300,19 +9726,7 @@
                 <a:ea typeface="+mn-ea"/>
                 <a:cs typeface="+mn-cs"/>
               </a:rPr>
-              <a:t>We just covered a lot of ground, so let’s do a quick recap of API-key based authentication</a:t>
-            </a:r>
-            <a:r>
-              <a:rPr lang="en-US" sz="1200" kern="1200" dirty="0" smtClean="0">
-                <a:solidFill>
-                  <a:schemeClr val="tx1"/>
-                </a:solidFill>
-                <a:effectLst/>
-                <a:latin typeface="+mn-lt"/>
-                <a:ea typeface="+mn-ea"/>
-                <a:cs typeface="+mn-cs"/>
-              </a:rPr>
-              <a:t>.</a:t>
+              <a:t>We just covered a lot of ground, so let’s do a quick recap of API-key based authentication.</a:t>
             </a:r>
           </a:p>
           <a:p>
@@ -10338,29 +9752,8 @@
                 <a:ea typeface="+mn-ea"/>
                 <a:cs typeface="+mn-cs"/>
               </a:rPr>
-              <a:t>* used </a:t>
-            </a:r>
-            <a:r>
-              <a:rPr lang="en-US" sz="1200" kern="1200" dirty="0" smtClean="0">
-                <a:solidFill>
-                  <a:schemeClr val="tx1"/>
-                </a:solidFill>
-                <a:effectLst/>
-                <a:latin typeface="+mn-lt"/>
-                <a:ea typeface="+mn-ea"/>
-                <a:cs typeface="+mn-cs"/>
-              </a:rPr>
-              <a:t>instead of usernames/passwords </a:t>
-            </a:r>
-            <a:endParaRPr lang="en-US" sz="1200" kern="1200" dirty="0" smtClean="0">
-              <a:solidFill>
-                <a:schemeClr val="tx1"/>
-              </a:solidFill>
-              <a:effectLst/>
-              <a:latin typeface="+mn-lt"/>
-              <a:ea typeface="+mn-ea"/>
-              <a:cs typeface="+mn-cs"/>
-            </a:endParaRPr>
+              <a:t>* used instead of usernames/passwords </a:t>
+            </a:r>
           </a:p>
           <a:p>
             <a:pPr lvl="0"/>
@@ -10374,19 +9767,7 @@
                 <a:ea typeface="+mn-ea"/>
                 <a:cs typeface="+mn-cs"/>
               </a:rPr>
-              <a:t>* uniquely </a:t>
-            </a:r>
-            <a:r>
-              <a:rPr lang="en-US" sz="1200" kern="1200" dirty="0" smtClean="0">
-                <a:solidFill>
-                  <a:schemeClr val="tx1"/>
-                </a:solidFill>
-                <a:effectLst/>
-                <a:latin typeface="+mn-lt"/>
-                <a:ea typeface="+mn-ea"/>
-                <a:cs typeface="+mn-cs"/>
-              </a:rPr>
-              <a:t>identify a specific user and are sometimes associated with specific permissions</a:t>
+              <a:t>* uniquely identify a specific user and are sometimes associated with specific permissions</a:t>
             </a:r>
             <a:br>
               <a:rPr lang="en-US" sz="1200" kern="1200" dirty="0" smtClean="0">
@@ -10423,15 +9804,6 @@
               </a:rPr>
               <a:t>When used like a password, </a:t>
             </a:r>
-            <a:endParaRPr lang="en-US" sz="1200" kern="1200" dirty="0" smtClean="0">
-              <a:solidFill>
-                <a:schemeClr val="tx1"/>
-              </a:solidFill>
-              <a:effectLst/>
-              <a:latin typeface="+mn-lt"/>
-              <a:ea typeface="+mn-ea"/>
-              <a:cs typeface="+mn-cs"/>
-            </a:endParaRPr>
           </a:p>
           <a:p>
             <a:pPr lvl="0"/>
@@ -10445,53 +9817,8 @@
                 <a:ea typeface="+mn-ea"/>
                 <a:cs typeface="+mn-cs"/>
               </a:rPr>
-              <a:t>* the </a:t>
-            </a:r>
-            <a:r>
-              <a:rPr lang="en-US" sz="1200" kern="1200" dirty="0" smtClean="0">
-                <a:solidFill>
-                  <a:schemeClr val="tx1"/>
-                </a:solidFill>
-                <a:effectLst/>
-                <a:latin typeface="+mn-lt"/>
-                <a:ea typeface="+mn-ea"/>
-                <a:cs typeface="+mn-cs"/>
-              </a:rPr>
-              <a:t>API Key is passed in a URL parameter or a header </a:t>
-            </a:r>
-            <a:r>
-              <a:rPr lang="en-US" sz="1200" kern="1200" dirty="0" smtClean="0">
-                <a:solidFill>
-                  <a:schemeClr val="tx1"/>
-                </a:solidFill>
-                <a:effectLst/>
-                <a:latin typeface="+mn-lt"/>
-                <a:ea typeface="+mn-ea"/>
-                <a:cs typeface="+mn-cs"/>
-              </a:rPr>
-              <a:t>w/ each </a:t>
-            </a:r>
-            <a:r>
-              <a:rPr lang="en-US" sz="1200" kern="1200" dirty="0" smtClean="0">
-                <a:solidFill>
-                  <a:schemeClr val="tx1"/>
-                </a:solidFill>
-                <a:effectLst/>
-                <a:latin typeface="+mn-lt"/>
-                <a:ea typeface="+mn-ea"/>
-                <a:cs typeface="+mn-cs"/>
-              </a:rPr>
-              <a:t>request </a:t>
-            </a:r>
-            <a:endParaRPr lang="en-US" sz="1200" kern="1200" dirty="0" smtClean="0">
-              <a:solidFill>
-                <a:schemeClr val="tx1"/>
-              </a:solidFill>
-              <a:effectLst/>
-              <a:latin typeface="+mn-lt"/>
-              <a:ea typeface="+mn-ea"/>
-              <a:cs typeface="+mn-cs"/>
-            </a:endParaRPr>
+              <a:t>* the API Key is passed in a URL parameter or a header w/ each request </a:t>
+            </a:r>
           </a:p>
           <a:p>
             <a:pPr lvl="0"/>
@@ -10529,29 +9856,8 @@
                 <a:ea typeface="+mn-ea"/>
                 <a:cs typeface="+mn-cs"/>
               </a:rPr>
-              <a:t>requests </a:t>
-            </a:r>
-            <a:r>
-              <a:rPr lang="en-US" sz="1200" kern="1200" dirty="0" smtClean="0">
-                <a:solidFill>
-                  <a:schemeClr val="tx1"/>
-                </a:solidFill>
-                <a:effectLst/>
-                <a:latin typeface="+mn-lt"/>
-                <a:ea typeface="+mn-ea"/>
-                <a:cs typeface="+mn-cs"/>
-              </a:rPr>
-              <a:t>MUST use SSL to protect the key in transit </a:t>
-            </a:r>
-            <a:endParaRPr lang="en-US" sz="1200" kern="1200" dirty="0" smtClean="0">
-              <a:solidFill>
-                <a:schemeClr val="tx1"/>
-              </a:solidFill>
-              <a:effectLst/>
-              <a:latin typeface="+mn-lt"/>
-              <a:ea typeface="+mn-ea"/>
-              <a:cs typeface="+mn-cs"/>
-            </a:endParaRPr>
+              <a:t>requests MUST use SSL to protect the key in transit </a:t>
+            </a:r>
           </a:p>
           <a:p>
             <a:pPr lvl="0"/>
@@ -10565,31 +9871,7 @@
                 <a:ea typeface="+mn-ea"/>
                 <a:cs typeface="+mn-cs"/>
               </a:rPr>
-              <a:t>* server </a:t>
-            </a:r>
-            <a:r>
-              <a:rPr lang="en-US" sz="1200" kern="1200" dirty="0" smtClean="0">
-                <a:solidFill>
-                  <a:schemeClr val="tx1"/>
-                </a:solidFill>
-                <a:effectLst/>
-                <a:latin typeface="+mn-lt"/>
-                <a:ea typeface="+mn-ea"/>
-                <a:cs typeface="+mn-cs"/>
-              </a:rPr>
-              <a:t>SHOULD store the keys in a secure </a:t>
-            </a:r>
-            <a:r>
-              <a:rPr lang="en-US" sz="1200" kern="1200" dirty="0" smtClean="0">
-                <a:solidFill>
-                  <a:schemeClr val="tx1"/>
-                </a:solidFill>
-                <a:effectLst/>
-                <a:latin typeface="+mn-lt"/>
-                <a:ea typeface="+mn-ea"/>
-                <a:cs typeface="+mn-cs"/>
-              </a:rPr>
-              <a:t>fashion</a:t>
+              <a:t>* server SHOULD store the keys in a secure fashion</a:t>
             </a:r>
           </a:p>
           <a:p>
@@ -10629,18 +9911,6 @@
                 <a:cs typeface="+mn-cs"/>
               </a:rPr>
               <a:t> </a:t>
-            </a:r>
-            <a:r>
-              <a:rPr lang="en-US" sz="1200" kern="1200" dirty="0" smtClean="0">
-                <a:solidFill>
-                  <a:schemeClr val="tx1"/>
-                </a:solidFill>
-                <a:effectLst/>
-                <a:latin typeface="+mn-lt"/>
-                <a:ea typeface="+mn-ea"/>
-                <a:cs typeface="+mn-cs"/>
-              </a:rPr>
-              <a:t/>
             </a:r>
             <a:br>
               <a:rPr lang="en-US" sz="1200" kern="1200" dirty="0" smtClean="0">
@@ -10786,41 +10056,8 @@
                 <a:ea typeface="+mn-ea"/>
                 <a:cs typeface="+mn-cs"/>
               </a:rPr>
-              <a:t>When API Keys are used </a:t>
-            </a:r>
-            <a:r>
-              <a:rPr lang="en-US" sz="1200" kern="1200" dirty="0" smtClean="0">
-                <a:solidFill>
-                  <a:schemeClr val="tx1"/>
-                </a:solidFill>
-                <a:effectLst/>
-                <a:latin typeface="+mn-lt"/>
-                <a:ea typeface="+mn-ea"/>
-                <a:cs typeface="+mn-cs"/>
-              </a:rPr>
-              <a:t>to </a:t>
-            </a:r>
-            <a:r>
-              <a:rPr lang="en-US" sz="1200" kern="1200" dirty="0" smtClean="0">
-                <a:solidFill>
-                  <a:schemeClr val="tx1"/>
-                </a:solidFill>
-                <a:effectLst/>
-                <a:latin typeface="+mn-lt"/>
-                <a:ea typeface="+mn-ea"/>
-                <a:cs typeface="+mn-cs"/>
-              </a:rPr>
-              <a:t>sign requests </a:t>
-            </a:r>
-            <a:endParaRPr lang="en-US" sz="1200" kern="1200" dirty="0" smtClean="0">
-              <a:solidFill>
-                <a:schemeClr val="tx1"/>
-              </a:solidFill>
-              <a:effectLst/>
-              <a:latin typeface="+mn-lt"/>
-              <a:ea typeface="+mn-ea"/>
-              <a:cs typeface="+mn-cs"/>
-            </a:endParaRPr>
+              <a:t>When API Keys are used to sign requests </a:t>
+            </a:r>
           </a:p>
           <a:p>
             <a:pPr marL="0" marR="0" lvl="0" indent="0" algn="l" defTabSz="914400" rtl="0" eaLnBrk="1" fontAlgn="auto" latinLnBrk="0" hangingPunct="1">
@@ -10874,31 +10111,7 @@
                 <a:ea typeface="+mn-ea"/>
                 <a:cs typeface="+mn-cs"/>
               </a:rPr>
-              <a:t>each </a:t>
-            </a:r>
-            <a:r>
-              <a:rPr lang="en-US" sz="1200" kern="1200" dirty="0" smtClean="0">
-                <a:solidFill>
-                  <a:schemeClr val="tx1"/>
-                </a:solidFill>
-                <a:effectLst/>
-                <a:latin typeface="+mn-lt"/>
-                <a:ea typeface="+mn-ea"/>
-                <a:cs typeface="+mn-cs"/>
-              </a:rPr>
-              <a:t>public API Key must be paired with a private key that is kept </a:t>
-            </a:r>
-            <a:r>
-              <a:rPr lang="en-US" sz="1200" kern="1200" dirty="0" smtClean="0">
-                <a:solidFill>
-                  <a:schemeClr val="tx1"/>
-                </a:solidFill>
-                <a:effectLst/>
-                <a:latin typeface="+mn-lt"/>
-                <a:ea typeface="+mn-ea"/>
-                <a:cs typeface="+mn-cs"/>
-              </a:rPr>
-              <a:t>secure</a:t>
+              <a:t>each public API Key must be paired with a private key that is kept secure</a:t>
             </a:r>
           </a:p>
           <a:p>
@@ -11017,15 +10230,6 @@
               </a:rPr>
               <a:t>* Guarantees message was not modified in transit</a:t>
             </a:r>
-            <a:endParaRPr lang="en-US" sz="1200" kern="1200" dirty="0" smtClean="0">
-              <a:solidFill>
-                <a:schemeClr val="tx1"/>
-              </a:solidFill>
-              <a:effectLst/>
-              <a:latin typeface="+mn-lt"/>
-              <a:ea typeface="+mn-ea"/>
-              <a:cs typeface="+mn-cs"/>
-            </a:endParaRPr>
           </a:p>
           <a:p>
             <a:endParaRPr lang="en-US" dirty="0"/>
@@ -11496,10 +10700,32 @@
                 <a:ea typeface="+mn-ea"/>
                 <a:cs typeface="+mn-cs"/>
               </a:rPr>
-              <a:t>To explain that, let’s first review the traditional 2-party scenario you see here. </a:t>
-            </a:r>
-          </a:p>
-          <a:p>
+              <a:t>To explain that, let’s first review </a:t>
+            </a:r>
+            <a:r>
+              <a:rPr lang="en-US" sz="1200" kern="1200" dirty="0" smtClean="0">
+                <a:solidFill>
+                  <a:schemeClr val="tx1"/>
+                </a:solidFill>
+                <a:effectLst/>
+                <a:latin typeface="+mn-lt"/>
+                <a:ea typeface="+mn-ea"/>
+                <a:cs typeface="+mn-cs"/>
+              </a:rPr>
+              <a:t>a 2-party </a:t>
+            </a:r>
+            <a:r>
+              <a:rPr lang="en-US" sz="1200" kern="1200" dirty="0" smtClean="0">
+                <a:solidFill>
+                  <a:schemeClr val="tx1"/>
+                </a:solidFill>
+                <a:effectLst/>
+                <a:latin typeface="+mn-lt"/>
+                <a:ea typeface="+mn-ea"/>
+                <a:cs typeface="+mn-cs"/>
+              </a:rPr>
+              <a:t>scenario you see here. </a:t>
+            </a:r>
             <a:endParaRPr lang="en-US" sz="1200" kern="1200" dirty="0" smtClean="0">
               <a:solidFill>
                 <a:schemeClr val="tx1"/>
@@ -11511,20 +10737,65 @@
             </a:endParaRPr>
           </a:p>
           <a:p>
-            <a:r>
-              <a:rPr lang="en-US" sz="1200" kern="1200" dirty="0" smtClean="0">
-                <a:solidFill>
-                  <a:schemeClr val="tx1"/>
-                </a:solidFill>
-                <a:effectLst/>
-                <a:latin typeface="+mn-lt"/>
-                <a:ea typeface="+mn-ea"/>
-                <a:cs typeface="+mn-cs"/>
-              </a:rPr>
-              <a:t>Client uses ITS credentials to access ITS resources on the server. In OAuth parlance, this is a “2-legged” model because there are two entities involved. One scenario that uses this model is server-to-server communication.</a:t>
-            </a:r>
-          </a:p>
-          <a:p>
+            <a:endParaRPr lang="en-US" sz="1200" kern="1200" dirty="0" smtClean="0">
+              <a:solidFill>
+                <a:schemeClr val="tx1"/>
+              </a:solidFill>
+              <a:effectLst/>
+              <a:latin typeface="+mn-lt"/>
+              <a:ea typeface="+mn-ea"/>
+              <a:cs typeface="+mn-cs"/>
+            </a:endParaRPr>
+          </a:p>
+          <a:p>
+            <a:r>
+              <a:rPr lang="en-US" sz="1200" kern="1200" dirty="0" smtClean="0">
+                <a:solidFill>
+                  <a:schemeClr val="tx1"/>
+                </a:solidFill>
+                <a:effectLst/>
+                <a:latin typeface="+mn-lt"/>
+                <a:ea typeface="+mn-ea"/>
+                <a:cs typeface="+mn-cs"/>
+              </a:rPr>
+              <a:t>This is an example of machine-to-machine communication, where the client</a:t>
+            </a:r>
+            <a:r>
+              <a:rPr lang="en-US" sz="1200" kern="1200" baseline="0" dirty="0" smtClean="0">
+                <a:solidFill>
+                  <a:schemeClr val="tx1"/>
+                </a:solidFill>
+                <a:effectLst/>
+                <a:latin typeface="+mn-lt"/>
+                <a:ea typeface="+mn-ea"/>
+                <a:cs typeface="+mn-cs"/>
+              </a:rPr>
+              <a:t> </a:t>
+            </a:r>
+            <a:r>
+              <a:rPr lang="en-US" sz="1200" kern="1200" dirty="0" smtClean="0">
+                <a:solidFill>
+                  <a:schemeClr val="tx1"/>
+                </a:solidFill>
+                <a:effectLst/>
+                <a:latin typeface="+mn-lt"/>
+                <a:ea typeface="+mn-ea"/>
+                <a:cs typeface="+mn-cs"/>
+              </a:rPr>
+              <a:t>uses </a:t>
+            </a:r>
+            <a:r>
+              <a:rPr lang="en-US" sz="1200" kern="1200" dirty="0" smtClean="0">
+                <a:solidFill>
+                  <a:schemeClr val="tx1"/>
+                </a:solidFill>
+                <a:effectLst/>
+                <a:latin typeface="+mn-lt"/>
+                <a:ea typeface="+mn-ea"/>
+                <a:cs typeface="+mn-cs"/>
+              </a:rPr>
+              <a:t>ITS credentials to access ITS resources on the server. In OAuth parlance, this is a “2-legged” model because there are two entities involved. </a:t>
+            </a:r>
             <a:endParaRPr lang="en-US" dirty="0"/>
           </a:p>
         </p:txBody>
@@ -11622,28 +10893,28 @@
               <a:t>In other cases, the client is acting ON BEHALF OF </a:t>
             </a:r>
             <a:r>
-              <a:rPr lang="en-US" sz="1200" kern="1200" dirty="0" err="1" smtClean="0">
-                <a:solidFill>
-                  <a:schemeClr val="tx1"/>
-                </a:solidFill>
-                <a:effectLst/>
-                <a:latin typeface="+mn-lt"/>
-                <a:ea typeface="+mn-ea"/>
-                <a:cs typeface="+mn-cs"/>
-              </a:rPr>
-              <a:t>of</a:t>
-            </a:r>
-            <a:r>
-              <a:rPr lang="en-US" sz="1200" kern="1200" dirty="0" smtClean="0">
-                <a:solidFill>
-                  <a:schemeClr val="tx1"/>
-                </a:solidFill>
-                <a:effectLst/>
-                <a:latin typeface="+mn-lt"/>
-                <a:ea typeface="+mn-ea"/>
-                <a:cs typeface="+mn-cs"/>
-              </a:rPr>
-              <a:t> another entity, such as the person using the</a:t>
+              <a:rPr lang="en-US" sz="1200" kern="1200" dirty="0" smtClean="0">
+                <a:solidFill>
+                  <a:schemeClr val="tx1"/>
+                </a:solidFill>
+                <a:effectLst/>
+                <a:latin typeface="+mn-lt"/>
+                <a:ea typeface="+mn-ea"/>
+                <a:cs typeface="+mn-cs"/>
+              </a:rPr>
+              <a:t>another </a:t>
+            </a:r>
+            <a:r>
+              <a:rPr lang="en-US" sz="1200" kern="1200" dirty="0" smtClean="0">
+                <a:solidFill>
+                  <a:schemeClr val="tx1"/>
+                </a:solidFill>
+                <a:effectLst/>
+                <a:latin typeface="+mn-lt"/>
+                <a:ea typeface="+mn-ea"/>
+                <a:cs typeface="+mn-cs"/>
+              </a:rPr>
+              <a:t>entity, such as the person using the</a:t>
             </a:r>
             <a:r>
               <a:rPr lang="en-US" sz="1200" kern="1200" baseline="0" dirty="0" smtClean="0">
@@ -12798,19 +12069,7 @@
                 <a:ea typeface="+mn-ea"/>
                 <a:cs typeface="+mn-cs"/>
               </a:rPr>
-              <a:t> </a:t>
-            </a:r>
-            <a:r>
-              <a:rPr lang="en-US" sz="1200" kern="1200" baseline="0" dirty="0" smtClean="0">
-                <a:solidFill>
-                  <a:schemeClr val="tx1"/>
-                </a:solidFill>
-                <a:effectLst/>
-                <a:latin typeface="+mn-lt"/>
-                <a:ea typeface="+mn-ea"/>
-                <a:cs typeface="+mn-cs"/>
-              </a:rPr>
-              <a:t>this, </a:t>
+              <a:t> this, </a:t>
             </a:r>
             <a:r>
               <a:rPr lang="en-US" sz="1200" kern="1200" dirty="0" smtClean="0">
@@ -13020,19 +12279,7 @@
                 <a:ea typeface="+mn-ea"/>
                 <a:cs typeface="+mn-cs"/>
               </a:rPr>
-              <a:t>they can </a:t>
-            </a:r>
-            <a:r>
-              <a:rPr lang="en-US" sz="1200" kern="1200" dirty="0" smtClean="0">
-                <a:solidFill>
-                  <a:schemeClr val="tx1"/>
-                </a:solidFill>
-                <a:effectLst/>
-                <a:latin typeface="+mn-lt"/>
-                <a:ea typeface="+mn-ea"/>
-                <a:cs typeface="+mn-cs"/>
-              </a:rPr>
-              <a:t>now </a:t>
+              <a:t>they can now </a:t>
             </a:r>
             <a:r>
               <a:rPr lang="en-US" sz="1200" b="1" kern="1200" dirty="0" smtClean="0">
@@ -13153,31 +12400,7 @@
                 <a:ea typeface="+mn-ea"/>
                 <a:cs typeface="+mn-cs"/>
               </a:rPr>
-              <a:t> value” targets need to take </a:t>
-            </a:r>
-            <a:r>
-              <a:rPr lang="en-US" sz="1200" kern="1200" baseline="0" dirty="0" smtClean="0">
-                <a:solidFill>
-                  <a:schemeClr val="tx1"/>
-                </a:solidFill>
-                <a:effectLst/>
-                <a:latin typeface="+mn-lt"/>
-                <a:ea typeface="+mn-ea"/>
-                <a:cs typeface="+mn-cs"/>
-              </a:rPr>
-              <a:t>API security </a:t>
-            </a:r>
-            <a:r>
-              <a:rPr lang="en-US" sz="1200" kern="1200" baseline="0" dirty="0" smtClean="0">
-                <a:solidFill>
-                  <a:schemeClr val="tx1"/>
-                </a:solidFill>
-                <a:effectLst/>
-                <a:latin typeface="+mn-lt"/>
-                <a:ea typeface="+mn-ea"/>
-                <a:cs typeface="+mn-cs"/>
-              </a:rPr>
-              <a:t>seriously. One way to do that is to </a:t>
+              <a:t> value” targets need to take API security seriously. One way to do that is to </a:t>
             </a:r>
             <a:r>
               <a:rPr lang="en-US" sz="1200" b="1" kern="1200" baseline="0" dirty="0" smtClean="0">
@@ -15947,31 +15170,7 @@
                 <a:ea typeface="+mn-ea"/>
                 <a:cs typeface="+mn-cs"/>
               </a:rPr>
-              <a:t>In this scenario, Foo would be correct in considering </a:t>
-            </a:r>
-            <a:r>
-              <a:rPr lang="en-US" sz="1200" kern="1200" dirty="0" smtClean="0">
-                <a:solidFill>
-                  <a:schemeClr val="tx1"/>
-                </a:solidFill>
-                <a:effectLst/>
-                <a:latin typeface="+mn-lt"/>
-                <a:ea typeface="+mn-ea"/>
-                <a:cs typeface="+mn-cs"/>
-              </a:rPr>
-              <a:t>me an </a:t>
-            </a:r>
-            <a:r>
-              <a:rPr lang="en-US" sz="1200" kern="1200" dirty="0" smtClean="0">
-                <a:solidFill>
-                  <a:schemeClr val="tx1"/>
-                </a:solidFill>
-                <a:effectLst/>
-                <a:latin typeface="+mn-lt"/>
-                <a:ea typeface="+mn-ea"/>
-                <a:cs typeface="+mn-cs"/>
-              </a:rPr>
-              <a:t>authenticated user.</a:t>
+              <a:t>In this scenario, Foo would be correct in considering me an authenticated user.</a:t>
             </a:r>
           </a:p>
           <a:p>
@@ -16738,31 +15937,7 @@
                 <a:ea typeface="+mn-ea"/>
                 <a:cs typeface="+mn-cs"/>
               </a:rPr>
-              <a:t>Foo </a:t>
-            </a:r>
-            <a:r>
-              <a:rPr lang="en-US" sz="1200" b="1" kern="1200" baseline="0" dirty="0" smtClean="0">
-                <a:solidFill>
-                  <a:schemeClr val="tx1"/>
-                </a:solidFill>
-                <a:effectLst/>
-                <a:latin typeface="+mn-lt"/>
-                <a:ea typeface="+mn-ea"/>
-                <a:cs typeface="+mn-cs"/>
-              </a:rPr>
-              <a:t>has </a:t>
-            </a:r>
-            <a:r>
-              <a:rPr lang="en-US" sz="1200" b="1" kern="1200" baseline="0" dirty="0" smtClean="0">
-                <a:solidFill>
-                  <a:schemeClr val="tx1"/>
-                </a:solidFill>
-                <a:effectLst/>
-                <a:latin typeface="+mn-lt"/>
-                <a:ea typeface="+mn-ea"/>
-                <a:cs typeface="+mn-cs"/>
-              </a:rPr>
-              <a:t>authenticated as me</a:t>
+              <a:t>Foo has authenticated as me</a:t>
             </a:r>
             <a:r>
               <a:rPr lang="en-US" sz="1200" kern="1200" baseline="0" dirty="0" smtClean="0">
@@ -18425,7 +17600,19 @@
                 <a:ea typeface="+mn-ea"/>
                 <a:cs typeface="+mn-cs"/>
               </a:rPr>
-              <a:t> useful </a:t>
+              <a:t> </a:t>
+            </a:r>
+            <a:r>
+              <a:rPr lang="en-US" sz="1200" kern="1200" baseline="0" dirty="0" smtClean="0">
+                <a:solidFill>
+                  <a:schemeClr val="tx1"/>
+                </a:solidFill>
+                <a:effectLst/>
+                <a:latin typeface="+mn-lt"/>
+                <a:ea typeface="+mn-ea"/>
+                <a:cs typeface="+mn-cs"/>
+              </a:rPr>
+              <a:t>awesome </a:t>
             </a:r>
             <a:r>
               <a:rPr lang="en-US" sz="1200" b="1" kern="1200" baseline="0" dirty="0" smtClean="0">
@@ -18437,8 +17624,65 @@
                 <a:ea typeface="+mn-ea"/>
                 <a:cs typeface="+mn-cs"/>
               </a:rPr>
-              <a:t>if you can get users to install them</a:t>
-            </a:r>
+              <a:t>if you can get users to install </a:t>
+            </a:r>
+            <a:r>
+              <a:rPr lang="en-US" sz="1200" b="1" kern="1200" baseline="0" dirty="0" smtClean="0">
+                <a:solidFill>
+                  <a:schemeClr val="tx1"/>
+                </a:solidFill>
+                <a:effectLst/>
+                <a:latin typeface="+mn-lt"/>
+                <a:ea typeface="+mn-ea"/>
+                <a:cs typeface="+mn-cs"/>
+              </a:rPr>
+              <a:t>them</a:t>
+            </a:r>
+            <a:r>
+              <a:rPr lang="en-US" sz="1200" b="0" kern="1200" baseline="0" dirty="0" smtClean="0">
+                <a:solidFill>
+                  <a:schemeClr val="tx1"/>
+                </a:solidFill>
+                <a:effectLst/>
+                <a:latin typeface="+mn-lt"/>
+                <a:ea typeface="+mn-ea"/>
+                <a:cs typeface="+mn-cs"/>
+              </a:rPr>
+              <a:t>, because there are </a:t>
+            </a:r>
+            <a:r>
+              <a:rPr lang="en-US" sz="1200" b="1" kern="1200" baseline="0" dirty="0" smtClean="0">
+                <a:solidFill>
+                  <a:schemeClr val="tx1"/>
+                </a:solidFill>
+                <a:effectLst/>
+                <a:latin typeface="+mn-lt"/>
+                <a:ea typeface="+mn-ea"/>
+                <a:cs typeface="+mn-cs"/>
+              </a:rPr>
+              <a:t>no passwords</a:t>
+            </a:r>
+            <a:r>
+              <a:rPr lang="en-US" sz="1200" b="0" kern="1200" baseline="0" dirty="0" smtClean="0">
+                <a:solidFill>
+                  <a:schemeClr val="tx1"/>
+                </a:solidFill>
+                <a:effectLst/>
+                <a:latin typeface="+mn-lt"/>
+                <a:ea typeface="+mn-ea"/>
+                <a:cs typeface="+mn-cs"/>
+              </a:rPr>
+              <a:t> to manage</a:t>
+            </a:r>
+            <a:endParaRPr lang="en-US" sz="1200" b="1" kern="1200" baseline="0" dirty="0" smtClean="0">
+              <a:solidFill>
+                <a:schemeClr val="tx1"/>
+              </a:solidFill>
+              <a:effectLst/>
+              <a:latin typeface="+mn-lt"/>
+              <a:ea typeface="+mn-ea"/>
+              <a:cs typeface="+mn-cs"/>
+            </a:endParaRPr>
           </a:p>
           <a:p>
             <a:pPr marL="0" marR="0" indent="0" algn="l" defTabSz="914400" rtl="0" eaLnBrk="1" fontAlgn="auto" latinLnBrk="0" hangingPunct="1">
@@ -18603,175 +17847,21 @@
                 <a:ea typeface="+mn-ea"/>
                 <a:cs typeface="+mn-cs"/>
               </a:rPr>
-              <a:t> network.</a:t>
-            </a:r>
-          </a:p>
-          <a:p>
-            <a:pPr marL="0" marR="0" indent="0" algn="l" defTabSz="914400" rtl="0" eaLnBrk="1" fontAlgn="auto" latinLnBrk="0" hangingPunct="1">
-              <a:lnSpc>
-                <a:spcPct val="100000"/>
-              </a:lnSpc>
-              <a:spcBef>
-                <a:spcPts val="0"/>
-              </a:spcBef>
-              <a:spcAft>
-                <a:spcPts val="0"/>
-              </a:spcAft>
-              <a:buClrTx/>
-              <a:buSzTx/>
-              <a:buFontTx/>
-              <a:buNone/>
-              <a:tabLst/>
-              <a:defRPr/>
-            </a:pPr>
+              <a:t> network</a:t>
+            </a:r>
+            <a:r>
+              <a:rPr lang="en-US" sz="1200" kern="1200" baseline="0" dirty="0" smtClean="0">
+                <a:solidFill>
+                  <a:schemeClr val="tx1"/>
+                </a:solidFill>
+                <a:effectLst/>
+                <a:latin typeface="+mn-lt"/>
+                <a:ea typeface="+mn-ea"/>
+                <a:cs typeface="+mn-cs"/>
+              </a:rPr>
+              <a:t>.</a:t>
+            </a:r>
             <a:endParaRPr lang="en-US" sz="1200" kern="1200" baseline="0" dirty="0" smtClean="0">
-              <a:solidFill>
-                <a:schemeClr val="tx1"/>
-              </a:solidFill>
-              <a:effectLst/>
-              <a:latin typeface="+mn-lt"/>
-              <a:ea typeface="+mn-ea"/>
-              <a:cs typeface="+mn-cs"/>
-            </a:endParaRPr>
-          </a:p>
-          <a:p>
-            <a:pPr marL="0" marR="0" indent="0" algn="l" defTabSz="914400" rtl="0" eaLnBrk="1" fontAlgn="auto" latinLnBrk="0" hangingPunct="1">
-              <a:lnSpc>
-                <a:spcPct val="100000"/>
-              </a:lnSpc>
-              <a:spcBef>
-                <a:spcPts val="0"/>
-              </a:spcBef>
-              <a:spcAft>
-                <a:spcPts val="0"/>
-              </a:spcAft>
-              <a:buClrTx/>
-              <a:buSzTx/>
-              <a:buFontTx/>
-              <a:buNone/>
-              <a:tabLst/>
-              <a:defRPr/>
-            </a:pPr>
-            <a:r>
-              <a:rPr lang="en-US" sz="1200" kern="1200" baseline="0" dirty="0" smtClean="0">
-                <a:solidFill>
-                  <a:schemeClr val="tx1"/>
-                </a:solidFill>
-                <a:effectLst/>
-                <a:latin typeface="+mn-lt"/>
-                <a:ea typeface="+mn-ea"/>
-                <a:cs typeface="+mn-cs"/>
-              </a:rPr>
-              <a:t>In Windows land, the sweet spot is when using IIS and Active Directory, because the tooling to link certs to identities already exists.</a:t>
-            </a:r>
-          </a:p>
-          <a:p>
-            <a:pPr marL="0" marR="0" indent="0" algn="l" defTabSz="914400" rtl="0" eaLnBrk="1" fontAlgn="auto" latinLnBrk="0" hangingPunct="1">
-              <a:lnSpc>
-                <a:spcPct val="100000"/>
-              </a:lnSpc>
-              <a:spcBef>
-                <a:spcPts val="0"/>
-              </a:spcBef>
-              <a:spcAft>
-                <a:spcPts val="0"/>
-              </a:spcAft>
-              <a:buClrTx/>
-              <a:buSzTx/>
-              <a:buFontTx/>
-              <a:buNone/>
-              <a:tabLst/>
-              <a:defRPr/>
-            </a:pPr>
-            <a:endParaRPr lang="en-US" sz="1200" kern="1200" baseline="0" dirty="0" smtClean="0">
-              <a:solidFill>
-                <a:schemeClr val="tx1"/>
-              </a:solidFill>
-              <a:effectLst/>
-              <a:latin typeface="+mn-lt"/>
-              <a:ea typeface="+mn-ea"/>
-              <a:cs typeface="+mn-cs"/>
-            </a:endParaRPr>
-          </a:p>
-          <a:p>
-            <a:pPr marL="0" marR="0" indent="0" algn="l" defTabSz="914400" rtl="0" eaLnBrk="1" fontAlgn="auto" latinLnBrk="0" hangingPunct="1">
-              <a:lnSpc>
-                <a:spcPct val="100000"/>
-              </a:lnSpc>
-              <a:spcBef>
-                <a:spcPts val="0"/>
-              </a:spcBef>
-              <a:spcAft>
-                <a:spcPts val="0"/>
-              </a:spcAft>
-              <a:buClrTx/>
-              <a:buSzTx/>
-              <a:buFontTx/>
-              <a:buNone/>
-              <a:tabLst/>
-              <a:defRPr/>
-            </a:pPr>
-            <a:r>
-              <a:rPr lang="en-US" sz="1200" kern="1200" baseline="0" dirty="0" smtClean="0">
-                <a:solidFill>
-                  <a:schemeClr val="tx1"/>
-                </a:solidFill>
-                <a:effectLst/>
-                <a:latin typeface="+mn-lt"/>
-                <a:ea typeface="+mn-ea"/>
-                <a:cs typeface="+mn-cs"/>
-              </a:rPr>
-              <a:t>Also a good fit for </a:t>
-            </a:r>
-            <a:r>
-              <a:rPr lang="en-US" sz="1200" b="1" kern="1200" baseline="0" dirty="0" smtClean="0">
-                <a:solidFill>
-                  <a:schemeClr val="tx1"/>
-                </a:solidFill>
-                <a:effectLst/>
-                <a:latin typeface="+mn-lt"/>
-                <a:ea typeface="+mn-ea"/>
-                <a:cs typeface="+mn-cs"/>
-              </a:rPr>
-              <a:t>server to server</a:t>
-            </a:r>
-            <a:r>
-              <a:rPr lang="en-US" sz="1200" b="0" kern="1200" baseline="0" dirty="0" smtClean="0">
-                <a:solidFill>
-                  <a:schemeClr val="tx1"/>
-                </a:solidFill>
-                <a:effectLst/>
-                <a:latin typeface="+mn-lt"/>
-                <a:ea typeface="+mn-ea"/>
-                <a:cs typeface="+mn-cs"/>
-              </a:rPr>
-              <a:t> </a:t>
-            </a:r>
-            <a:r>
-              <a:rPr lang="en-US" sz="1200" b="0" kern="1200" baseline="0" dirty="0" err="1" smtClean="0">
-                <a:solidFill>
-                  <a:schemeClr val="tx1"/>
-                </a:solidFill>
-                <a:effectLst/>
-                <a:latin typeface="+mn-lt"/>
-                <a:ea typeface="+mn-ea"/>
-                <a:cs typeface="+mn-cs"/>
-              </a:rPr>
-              <a:t>auth</a:t>
-            </a:r>
-            <a:r>
-              <a:rPr lang="en-US" sz="1200" b="0" kern="1200" baseline="0" dirty="0" smtClean="0">
-                <a:solidFill>
-                  <a:schemeClr val="tx1"/>
-                </a:solidFill>
-                <a:effectLst/>
-                <a:latin typeface="+mn-lt"/>
-                <a:ea typeface="+mn-ea"/>
-                <a:cs typeface="+mn-cs"/>
-              </a:rPr>
-              <a:t> because you don’t have to manage passwords</a:t>
-            </a:r>
-            <a:endParaRPr lang="en-US" sz="1200" kern="1200" dirty="0" smtClean="0">
               <a:solidFill>
                 <a:schemeClr val="tx1"/>
               </a:solidFill>
@@ -18969,7 +18059,7 @@
                 <a:ea typeface="+mn-ea"/>
                 <a:cs typeface="+mn-cs"/>
               </a:rPr>
-              <a:t>You don’t care about the </a:t>
+              <a:t>You can use </a:t>
             </a:r>
             <a:r>
               <a:rPr lang="en-US" sz="1200" b="1" kern="1200" baseline="0" dirty="0" smtClean="0">
@@ -18981,7 +18071,19 @@
                 <a:ea typeface="+mn-ea"/>
                 <a:cs typeface="+mn-cs"/>
               </a:rPr>
-              <a:t>crappy login UI</a:t>
+              <a:t>TLS </a:t>
+            </a:r>
+            <a:r>
+              <a:rPr lang="en-US" sz="1200" b="1" kern="1200" baseline="0" dirty="0" smtClean="0">
+                <a:solidFill>
+                  <a:schemeClr val="tx1"/>
+                </a:solidFill>
+                <a:effectLst/>
+                <a:latin typeface="+mn-lt"/>
+                <a:ea typeface="+mn-ea"/>
+                <a:cs typeface="+mn-cs"/>
+              </a:rPr>
+              <a:t>on all requests</a:t>
             </a:r>
             <a:r>
               <a:rPr lang="en-US" sz="1200" b="0" kern="1200" baseline="0" dirty="0" smtClean="0">
@@ -18993,14 +18095,8 @@
                 <a:ea typeface="+mn-ea"/>
                 <a:cs typeface="+mn-cs"/>
               </a:rPr>
-              <a:t>, and</a:t>
-            </a:r>
-          </a:p>
-          <a:p>
-            <a:pPr marL="171450" indent="-171450">
-              <a:buFont typeface="Arial" panose="020B0604020202020204" pitchFamily="34" charset="0"/>
-              <a:buChar char="•"/>
-            </a:pPr>
+              <a:t> because you’re sending unencrypted passwords with each </a:t>
+            </a:r>
             <a:r>
               <a:rPr lang="en-US" sz="1200" b="0" kern="1200" baseline="0" dirty="0" smtClean="0">
                 <a:solidFill>
@@ -19011,31 +18107,7 @@
                 <a:ea typeface="+mn-ea"/>
                 <a:cs typeface="+mn-cs"/>
               </a:rPr>
-              <a:t>You’re comfortable using </a:t>
-            </a:r>
-            <a:r>
-              <a:rPr lang="en-US" sz="1200" b="1" kern="1200" baseline="0" dirty="0" smtClean="0">
-                <a:solidFill>
-                  <a:schemeClr val="tx1"/>
-                </a:solidFill>
-                <a:effectLst/>
-                <a:latin typeface="+mn-lt"/>
-                <a:ea typeface="+mn-ea"/>
-                <a:cs typeface="+mn-cs"/>
-              </a:rPr>
-              <a:t>TLS on all requests</a:t>
-            </a:r>
-            <a:r>
-              <a:rPr lang="en-US" sz="1200" b="0" kern="1200" baseline="0" dirty="0" smtClean="0">
-                <a:solidFill>
-                  <a:schemeClr val="tx1"/>
-                </a:solidFill>
-                <a:effectLst/>
-                <a:latin typeface="+mn-lt"/>
-                <a:ea typeface="+mn-ea"/>
-                <a:cs typeface="+mn-cs"/>
-              </a:rPr>
-              <a:t> because you’re sending unencrypted passwords with each request</a:t>
+              <a:t>request</a:t>
             </a:r>
           </a:p>
           <a:p>
@@ -19054,69 +18126,65 @@
             </a:endParaRPr>
           </a:p>
           <a:p>
-            <a:pPr marL="0" indent="0">
-              <a:buFont typeface="Arial" panose="020B0604020202020204" pitchFamily="34" charset="0"/>
-              <a:buNone/>
-            </a:pPr>
-            <a:r>
-              <a:rPr lang="en-US" sz="1200" b="0" kern="1200" baseline="0" dirty="0" smtClean="0">
-                <a:solidFill>
-                  <a:schemeClr val="tx1"/>
-                </a:solidFill>
-                <a:effectLst/>
-                <a:latin typeface="+mn-lt"/>
-                <a:ea typeface="+mn-ea"/>
-                <a:cs typeface="+mn-cs"/>
-              </a:rPr>
-              <a:t>An ideal use case is </a:t>
-            </a:r>
-            <a:r>
-              <a:rPr lang="en-US" sz="1200" b="1" kern="1200" baseline="0" dirty="0" smtClean="0">
-                <a:solidFill>
-                  <a:schemeClr val="tx1"/>
-                </a:solidFill>
-                <a:effectLst/>
-                <a:latin typeface="+mn-lt"/>
-                <a:ea typeface="+mn-ea"/>
-                <a:cs typeface="+mn-cs"/>
-              </a:rPr>
-              <a:t>server to server API calls</a:t>
-            </a:r>
-            <a:r>
-              <a:rPr lang="en-US" sz="1200" b="0" kern="1200" baseline="0" dirty="0" smtClean="0">
-                <a:solidFill>
-                  <a:schemeClr val="tx1"/>
-                </a:solidFill>
-                <a:effectLst/>
-                <a:latin typeface="+mn-lt"/>
-                <a:ea typeface="+mn-ea"/>
-                <a:cs typeface="+mn-cs"/>
-              </a:rPr>
-              <a:t> where you can’t use </a:t>
-            </a:r>
-            <a:r>
-              <a:rPr lang="en-US" sz="1200" b="1" kern="1200" baseline="0" dirty="0" smtClean="0">
-                <a:solidFill>
-                  <a:schemeClr val="tx1"/>
-                </a:solidFill>
-                <a:effectLst/>
-                <a:latin typeface="+mn-lt"/>
-                <a:ea typeface="+mn-ea"/>
-                <a:cs typeface="+mn-cs"/>
-              </a:rPr>
-              <a:t>client certs</a:t>
-            </a:r>
-            <a:r>
-              <a:rPr lang="en-US" sz="1200" b="0" kern="1200" baseline="0" dirty="0" smtClean="0">
-                <a:solidFill>
-                  <a:schemeClr val="tx1"/>
-                </a:solidFill>
-                <a:effectLst/>
-                <a:latin typeface="+mn-lt"/>
-                <a:ea typeface="+mn-ea"/>
-                <a:cs typeface="+mn-cs"/>
-              </a:rPr>
-              <a:t>. </a:t>
+            <a:r>
+              <a:rPr lang="en-US" sz="1200" b="1" kern="1200" dirty="0" smtClean="0">
+                <a:solidFill>
+                  <a:schemeClr val="tx1"/>
+                </a:solidFill>
+                <a:effectLst/>
+                <a:latin typeface="+mn-lt"/>
+                <a:ea typeface="+mn-ea"/>
+                <a:cs typeface="+mn-cs"/>
+              </a:rPr>
+              <a:t>only </a:t>
+            </a:r>
+            <a:r>
+              <a:rPr lang="en-US" sz="1200" b="1" kern="1200" dirty="0" smtClean="0">
+                <a:solidFill>
+                  <a:schemeClr val="tx1"/>
+                </a:solidFill>
+                <a:effectLst/>
+                <a:latin typeface="+mn-lt"/>
+                <a:ea typeface="+mn-ea"/>
+                <a:cs typeface="+mn-cs"/>
+              </a:rPr>
+              <a:t>as secure</a:t>
+            </a:r>
+            <a:r>
+              <a:rPr lang="en-US" sz="1200" kern="1200" dirty="0" smtClean="0">
+                <a:solidFill>
+                  <a:schemeClr val="tx1"/>
+                </a:solidFill>
+                <a:effectLst/>
+                <a:latin typeface="+mn-lt"/>
+                <a:ea typeface="+mn-ea"/>
+                <a:cs typeface="+mn-cs"/>
+              </a:rPr>
+              <a:t> as your use of </a:t>
+            </a:r>
+            <a:r>
+              <a:rPr lang="en-US" sz="1200" kern="1200" dirty="0" smtClean="0">
+                <a:solidFill>
+                  <a:schemeClr val="tx1"/>
+                </a:solidFill>
+                <a:effectLst/>
+                <a:latin typeface="+mn-lt"/>
+                <a:ea typeface="+mn-ea"/>
+                <a:cs typeface="+mn-cs"/>
+              </a:rPr>
+              <a:t>TLS.</a:t>
+            </a:r>
+            <a:r>
+              <a:rPr lang="en-US" sz="1200" kern="1200" baseline="0" dirty="0" smtClean="0">
+                <a:solidFill>
+                  <a:schemeClr val="tx1"/>
+                </a:solidFill>
+                <a:effectLst/>
+                <a:latin typeface="+mn-lt"/>
+                <a:ea typeface="+mn-ea"/>
+                <a:cs typeface="+mn-cs"/>
+              </a:rPr>
+              <a:t> It TLS is broken on your platform, your authentication keys could be stolen</a:t>
             </a:r>
             <a:endParaRPr lang="en-US" sz="1200" kern="1200" dirty="0" smtClean="0">
               <a:solidFill>
@@ -19127,55 +18195,6 @@
               <a:ea typeface="+mn-ea"/>
               <a:cs typeface="+mn-cs"/>
             </a:endParaRPr>
-          </a:p>
-          <a:p>
-            <a:endParaRPr lang="en-US" sz="1200" kern="1200" dirty="0" smtClean="0">
-              <a:solidFill>
-                <a:schemeClr val="tx1"/>
-              </a:solidFill>
-              <a:effectLst/>
-              <a:latin typeface="+mn-lt"/>
-              <a:ea typeface="+mn-ea"/>
-              <a:cs typeface="+mn-cs"/>
-            </a:endParaRPr>
-          </a:p>
-          <a:p>
-            <a:r>
-              <a:rPr lang="en-US" sz="1200" kern="1200" dirty="0" smtClean="0">
-                <a:solidFill>
-                  <a:schemeClr val="tx1"/>
-                </a:solidFill>
-                <a:effectLst/>
-                <a:latin typeface="+mn-lt"/>
-                <a:ea typeface="+mn-ea"/>
-                <a:cs typeface="+mn-cs"/>
-              </a:rPr>
-              <a:t>This approach is </a:t>
-            </a:r>
-            <a:r>
-              <a:rPr lang="en-US" sz="1200" b="1" kern="1200" dirty="0" smtClean="0">
-                <a:solidFill>
-                  <a:schemeClr val="tx1"/>
-                </a:solidFill>
-                <a:effectLst/>
-                <a:latin typeface="+mn-lt"/>
-                <a:ea typeface="+mn-ea"/>
-                <a:cs typeface="+mn-cs"/>
-              </a:rPr>
-              <a:t>only as secure</a:t>
-            </a:r>
-            <a:r>
-              <a:rPr lang="en-US" sz="1200" kern="1200" dirty="0" smtClean="0">
-                <a:solidFill>
-                  <a:schemeClr val="tx1"/>
-                </a:solidFill>
-                <a:effectLst/>
-                <a:latin typeface="+mn-lt"/>
-                <a:ea typeface="+mn-ea"/>
-                <a:cs typeface="+mn-cs"/>
-              </a:rPr>
-              <a:t> as your use of TLS.</a:t>
-            </a:r>
           </a:p>
           <a:p>
             <a:endParaRPr lang="en-US" dirty="0"/>
@@ -19415,7 +18434,31 @@
                 <a:ea typeface="+mn-ea"/>
                 <a:cs typeface="+mn-cs"/>
               </a:rPr>
-              <a:t>Your app operates on </a:t>
+              <a:t>You are comfortable w/ security aspects of Basic </a:t>
+            </a:r>
+            <a:r>
+              <a:rPr lang="en-US" sz="1200" kern="1200" baseline="0" dirty="0" err="1" smtClean="0">
+                <a:solidFill>
+                  <a:schemeClr val="tx1"/>
+                </a:solidFill>
+                <a:effectLst/>
+                <a:latin typeface="+mn-lt"/>
+                <a:ea typeface="+mn-ea"/>
+                <a:cs typeface="+mn-cs"/>
+              </a:rPr>
+              <a:t>Auth</a:t>
+            </a:r>
+            <a:r>
+              <a:rPr lang="en-US" sz="1200" kern="1200" baseline="0" dirty="0" smtClean="0">
+                <a:solidFill>
+                  <a:schemeClr val="tx1"/>
+                </a:solidFill>
+                <a:effectLst/>
+                <a:latin typeface="+mn-lt"/>
+                <a:ea typeface="+mn-ea"/>
+                <a:cs typeface="+mn-cs"/>
+              </a:rPr>
+              <a:t>, meaning </a:t>
             </a:r>
             <a:r>
               <a:rPr lang="en-US" sz="1200" b="1" kern="1200" baseline="0" dirty="0" smtClean="0">
@@ -19427,61 +18470,19 @@
                 <a:ea typeface="+mn-ea"/>
                 <a:cs typeface="+mn-cs"/>
               </a:rPr>
-              <a:t>data it owns</a:t>
-            </a:r>
-            <a:r>
-              <a:rPr lang="en-US" sz="1200" kern="1200" baseline="0" dirty="0" smtClean="0">
-                <a:solidFill>
-                  <a:schemeClr val="tx1"/>
-                </a:solidFill>
-                <a:effectLst/>
-                <a:latin typeface="+mn-lt"/>
-                <a:ea typeface="+mn-ea"/>
-                <a:cs typeface="+mn-cs"/>
-              </a:rPr>
-              <a:t>, rather than 3</a:t>
-            </a:r>
-            <a:r>
-              <a:rPr lang="en-US" sz="1200" kern="1200" baseline="30000" dirty="0" smtClean="0">
-                <a:solidFill>
-                  <a:schemeClr val="tx1"/>
-                </a:solidFill>
-                <a:effectLst/>
-                <a:latin typeface="+mn-lt"/>
-                <a:ea typeface="+mn-ea"/>
-                <a:cs typeface="+mn-cs"/>
-              </a:rPr>
-              <a:t>rd</a:t>
-            </a:r>
-            <a:r>
-              <a:rPr lang="en-US" sz="1200" kern="1200" baseline="0" dirty="0" smtClean="0">
-                <a:solidFill>
-                  <a:schemeClr val="tx1"/>
-                </a:solidFill>
-                <a:effectLst/>
-                <a:latin typeface="+mn-lt"/>
-                <a:ea typeface="+mn-ea"/>
-                <a:cs typeface="+mn-cs"/>
-              </a:rPr>
-              <a:t> party data</a:t>
-            </a:r>
-          </a:p>
-          <a:p>
-            <a:pPr marL="171450" indent="-171450">
-              <a:buFont typeface="Arial" panose="020B0604020202020204" pitchFamily="34" charset="0"/>
-              <a:buChar char="•"/>
-            </a:pPr>
-            <a:r>
-              <a:rPr lang="en-US" sz="1200" kern="1200" baseline="0" dirty="0" smtClean="0">
-                <a:solidFill>
-                  <a:schemeClr val="tx1"/>
-                </a:solidFill>
-                <a:effectLst/>
-                <a:latin typeface="+mn-lt"/>
-                <a:ea typeface="+mn-ea"/>
-                <a:cs typeface="+mn-cs"/>
-              </a:rPr>
-              <a:t>You prefer the </a:t>
+              <a:t>you must use TLS</a:t>
+            </a:r>
+            <a:r>
+              <a:rPr lang="en-US" sz="1200" b="0" kern="1200" baseline="0" dirty="0" smtClean="0">
+                <a:solidFill>
+                  <a:schemeClr val="tx1"/>
+                </a:solidFill>
+                <a:effectLst/>
+                <a:latin typeface="+mn-lt"/>
+                <a:ea typeface="+mn-ea"/>
+                <a:cs typeface="+mn-cs"/>
+              </a:rPr>
+              <a:t> and </a:t>
             </a:r>
             <a:r>
               <a:rPr lang="en-US" sz="1200" b="1" kern="1200" baseline="0" dirty="0" smtClean="0">
@@ -19493,37 +18494,7 @@
                 <a:ea typeface="+mn-ea"/>
                 <a:cs typeface="+mn-cs"/>
               </a:rPr>
-              <a:t>simplicity</a:t>
-            </a:r>
-            <a:r>
-              <a:rPr lang="en-US" sz="1200" b="0" kern="1200" baseline="0" dirty="0" smtClean="0">
-                <a:solidFill>
-                  <a:schemeClr val="tx1"/>
-                </a:solidFill>
-                <a:effectLst/>
-                <a:latin typeface="+mn-lt"/>
-                <a:ea typeface="+mn-ea"/>
-                <a:cs typeface="+mn-cs"/>
-              </a:rPr>
-              <a:t> of bearer tokens over signing</a:t>
-            </a:r>
-          </a:p>
-          <a:p>
-            <a:pPr marL="171450" indent="-171450">
-              <a:buFont typeface="Arial" panose="020B0604020202020204" pitchFamily="34" charset="0"/>
-              <a:buChar char="•"/>
-            </a:pPr>
-            <a:r>
-              <a:rPr lang="en-US" sz="1200" b="0" kern="1200" baseline="0" dirty="0" smtClean="0">
-                <a:solidFill>
-                  <a:schemeClr val="tx1"/>
-                </a:solidFill>
-                <a:effectLst/>
-                <a:latin typeface="+mn-lt"/>
-                <a:ea typeface="+mn-ea"/>
-                <a:cs typeface="+mn-cs"/>
-              </a:rPr>
-              <a:t>You’re comfortable relying entirely on TLS to keep your AKI keys safe in transit</a:t>
+              <a:t>if TLS is compromised, then so are you</a:t>
             </a:r>
             <a:endParaRPr lang="en-US" sz="1200" kern="1200" baseline="0" dirty="0" smtClean="0">
               <a:solidFill>
@@ -19540,6 +18511,111 @@
               <a:buFont typeface="Arial" panose="020B0604020202020204" pitchFamily="34" charset="0"/>
               <a:buChar char="•"/>
             </a:pPr>
+            <a:r>
+              <a:rPr lang="en-US" sz="1200" kern="1200" baseline="0" dirty="0" smtClean="0">
+                <a:solidFill>
+                  <a:schemeClr val="tx1"/>
+                </a:solidFill>
+                <a:effectLst/>
+                <a:latin typeface="+mn-lt"/>
+                <a:ea typeface="+mn-ea"/>
+                <a:cs typeface="+mn-cs"/>
+              </a:rPr>
+              <a:t>But you need more flexibility with the implementation than you get using the Basic </a:t>
+            </a:r>
+            <a:r>
+              <a:rPr lang="en-US" sz="1200" kern="1200" baseline="0" dirty="0" err="1" smtClean="0">
+                <a:solidFill>
+                  <a:schemeClr val="tx1"/>
+                </a:solidFill>
+                <a:effectLst/>
+                <a:latin typeface="+mn-lt"/>
+                <a:ea typeface="+mn-ea"/>
+                <a:cs typeface="+mn-cs"/>
+              </a:rPr>
+              <a:t>Auth</a:t>
+            </a:r>
+            <a:r>
+              <a:rPr lang="en-US" sz="1200" kern="1200" baseline="0" dirty="0" smtClean="0">
+                <a:solidFill>
+                  <a:schemeClr val="tx1"/>
+                </a:solidFill>
+                <a:effectLst/>
+                <a:latin typeface="+mn-lt"/>
+                <a:ea typeface="+mn-ea"/>
+                <a:cs typeface="+mn-cs"/>
+              </a:rPr>
+              <a:t> standard</a:t>
+            </a:r>
+          </a:p>
+          <a:p>
+            <a:pPr marL="171450" indent="-171450">
+              <a:buFont typeface="Arial" panose="020B0604020202020204" pitchFamily="34" charset="0"/>
+              <a:buChar char="•"/>
+            </a:pPr>
+            <a:endParaRPr lang="en-US" sz="1200" kern="1200" baseline="0" dirty="0" smtClean="0">
+              <a:solidFill>
+                <a:schemeClr val="tx1"/>
+              </a:solidFill>
+              <a:effectLst/>
+              <a:latin typeface="+mn-lt"/>
+              <a:ea typeface="+mn-ea"/>
+              <a:cs typeface="+mn-cs"/>
+            </a:endParaRPr>
+          </a:p>
+          <a:p>
+            <a:pPr marL="0" indent="0">
+              <a:buFont typeface="Arial" panose="020B0604020202020204" pitchFamily="34" charset="0"/>
+              <a:buNone/>
+            </a:pPr>
+            <a:r>
+              <a:rPr lang="en-US" sz="1200" kern="1200" dirty="0" smtClean="0">
+                <a:solidFill>
+                  <a:schemeClr val="tx1"/>
+                </a:solidFill>
+                <a:effectLst/>
+                <a:latin typeface="+mn-lt"/>
+                <a:ea typeface="+mn-ea"/>
+                <a:cs typeface="+mn-cs"/>
+              </a:rPr>
+              <a:t>For instance, if you need the ability</a:t>
+            </a:r>
+            <a:r>
+              <a:rPr lang="en-US" sz="1200" kern="1200" baseline="0" dirty="0" smtClean="0">
+                <a:solidFill>
+                  <a:schemeClr val="tx1"/>
+                </a:solidFill>
+                <a:effectLst/>
+                <a:latin typeface="+mn-lt"/>
+                <a:ea typeface="+mn-ea"/>
+                <a:cs typeface="+mn-cs"/>
+              </a:rPr>
+              <a:t> to pass API keys as </a:t>
+            </a:r>
+            <a:r>
+              <a:rPr lang="en-US" sz="1200" kern="1200" baseline="0" dirty="0" err="1" smtClean="0">
+                <a:solidFill>
+                  <a:schemeClr val="tx1"/>
+                </a:solidFill>
+                <a:effectLst/>
+                <a:latin typeface="+mn-lt"/>
+                <a:ea typeface="+mn-ea"/>
+                <a:cs typeface="+mn-cs"/>
+              </a:rPr>
+              <a:t>querystring</a:t>
+            </a:r>
+            <a:r>
+              <a:rPr lang="en-US" sz="1200" kern="1200" baseline="0" dirty="0" smtClean="0">
+                <a:solidFill>
+                  <a:schemeClr val="tx1"/>
+                </a:solidFill>
+                <a:effectLst/>
+                <a:latin typeface="+mn-lt"/>
+                <a:ea typeface="+mn-ea"/>
+                <a:cs typeface="+mn-cs"/>
+              </a:rPr>
+              <a:t> arguments rather than in a header, you might need to roll your own API key implementation.</a:t>
+            </a:r>
             <a:endParaRPr lang="en-US" sz="1200" kern="1200" dirty="0" smtClean="0">
               <a:solidFill>
                 <a:schemeClr val="tx1"/>
@@ -19645,7 +18721,7 @@
                 <a:ea typeface="+mn-ea"/>
                 <a:cs typeface="+mn-cs"/>
               </a:rPr>
-              <a:t>If</a:t>
+              <a:t>You should consider using custom API keys to sign your</a:t>
             </a:r>
             <a:r>
               <a:rPr lang="en-US" sz="1200" kern="1200" baseline="0" dirty="0" smtClean="0">
@@ -19657,67 +18733,48 @@
                 <a:ea typeface="+mn-ea"/>
                 <a:cs typeface="+mn-cs"/>
               </a:rPr>
-              <a:t> </a:t>
-            </a:r>
-            <a:r>
-              <a:rPr lang="en-US" sz="1200" b="1" kern="1200" baseline="0" dirty="0" smtClean="0">
-                <a:solidFill>
-                  <a:schemeClr val="tx1"/>
-                </a:solidFill>
-                <a:effectLst/>
-                <a:latin typeface="+mn-lt"/>
-                <a:ea typeface="+mn-ea"/>
-                <a:cs typeface="+mn-cs"/>
-              </a:rPr>
-              <a:t>your app owns the data</a:t>
-            </a:r>
-            <a:r>
-              <a:rPr lang="en-US" sz="1200" b="0" kern="1200" baseline="0" dirty="0" smtClean="0">
-                <a:solidFill>
-                  <a:schemeClr val="tx1"/>
-                </a:solidFill>
-                <a:effectLst/>
-                <a:latin typeface="+mn-lt"/>
-                <a:ea typeface="+mn-ea"/>
-                <a:cs typeface="+mn-cs"/>
-              </a:rPr>
-              <a:t> and you want </a:t>
-            </a:r>
-            <a:r>
-              <a:rPr lang="en-US" sz="1200" b="1" kern="1200" dirty="0" smtClean="0">
-                <a:solidFill>
-                  <a:schemeClr val="tx1"/>
-                </a:solidFill>
-                <a:effectLst/>
-                <a:latin typeface="+mn-lt"/>
-                <a:ea typeface="+mn-ea"/>
-                <a:cs typeface="+mn-cs"/>
-              </a:rPr>
-              <a:t>more security</a:t>
-            </a:r>
-            <a:r>
-              <a:rPr lang="en-US" sz="1200" kern="1200" dirty="0" smtClean="0">
-                <a:solidFill>
-                  <a:schemeClr val="tx1"/>
-                </a:solidFill>
-                <a:effectLst/>
-                <a:latin typeface="+mn-lt"/>
-                <a:ea typeface="+mn-ea"/>
-                <a:cs typeface="+mn-cs"/>
-              </a:rPr>
-              <a:t> than passing them as bearer tokens, then consider using signed requests.</a:t>
-            </a:r>
-          </a:p>
-          <a:p>
-            <a:endParaRPr lang="en-US" sz="1200" kern="1200" dirty="0" smtClean="0">
-              <a:solidFill>
-                <a:schemeClr val="tx1"/>
-              </a:solidFill>
-              <a:effectLst/>
-              <a:latin typeface="+mn-lt"/>
-              <a:ea typeface="+mn-ea"/>
-              <a:cs typeface="+mn-cs"/>
-            </a:endParaRPr>
+              <a:t> requests if either:</a:t>
+            </a:r>
+          </a:p>
+          <a:p>
+            <a:r>
+              <a:rPr lang="en-US" sz="1200" kern="1200" baseline="0" dirty="0" smtClean="0">
+                <a:solidFill>
+                  <a:schemeClr val="tx1"/>
+                </a:solidFill>
+                <a:effectLst/>
+                <a:latin typeface="+mn-lt"/>
+                <a:ea typeface="+mn-ea"/>
+                <a:cs typeface="+mn-cs"/>
+              </a:rPr>
+              <a:t>* You CAN’T require TLS on all requests, OR</a:t>
+            </a:r>
+          </a:p>
+          <a:p>
+            <a:r>
+              <a:rPr lang="en-US" sz="1200" kern="1200" dirty="0" smtClean="0">
+                <a:solidFill>
+                  <a:schemeClr val="tx1"/>
+                </a:solidFill>
+                <a:effectLst/>
+                <a:latin typeface="+mn-lt"/>
+                <a:ea typeface="+mn-ea"/>
+                <a:cs typeface="+mn-cs"/>
+              </a:rPr>
+              <a:t>*</a:t>
+            </a:r>
+            <a:r>
+              <a:rPr lang="en-US" sz="1200" kern="1200" baseline="0" dirty="0" smtClean="0">
+                <a:solidFill>
+                  <a:schemeClr val="tx1"/>
+                </a:solidFill>
+                <a:effectLst/>
+                <a:latin typeface="+mn-lt"/>
+                <a:ea typeface="+mn-ea"/>
+                <a:cs typeface="+mn-cs"/>
+              </a:rPr>
+              <a:t> You want extra security.</a:t>
+            </a:r>
           </a:p>
           <a:p>
             <a:pPr marL="171450" indent="-171450">
@@ -19915,65 +18972,6 @@
             </a:r>
           </a:p>
           <a:p>
-            <a:endParaRPr lang="en-US" sz="1200" kern="1200" dirty="0" smtClean="0">
-              <a:solidFill>
-                <a:schemeClr val="tx1"/>
-              </a:solidFill>
-              <a:effectLst/>
-              <a:latin typeface="+mn-lt"/>
-              <a:ea typeface="+mn-ea"/>
-              <a:cs typeface="+mn-cs"/>
-            </a:endParaRPr>
-          </a:p>
-          <a:p>
-            <a:r>
-              <a:rPr lang="en-US" sz="1200" kern="1200" dirty="0" smtClean="0">
-                <a:solidFill>
-                  <a:schemeClr val="tx1"/>
-                </a:solidFill>
-                <a:effectLst/>
-                <a:latin typeface="+mn-lt"/>
-                <a:ea typeface="+mn-ea"/>
-                <a:cs typeface="+mn-cs"/>
-              </a:rPr>
-              <a:t>Ideal</a:t>
-            </a:r>
-            <a:r>
-              <a:rPr lang="en-US" sz="1200" kern="1200" baseline="0" dirty="0" smtClean="0">
-                <a:solidFill>
-                  <a:schemeClr val="tx1"/>
-                </a:solidFill>
-                <a:effectLst/>
-                <a:latin typeface="+mn-lt"/>
-                <a:ea typeface="+mn-ea"/>
-                <a:cs typeface="+mn-cs"/>
-              </a:rPr>
-              <a:t> for </a:t>
-            </a:r>
-            <a:r>
-              <a:rPr lang="en-US" sz="1200" b="1" kern="1200" baseline="0" dirty="0" smtClean="0">
-                <a:solidFill>
-                  <a:schemeClr val="tx1"/>
-                </a:solidFill>
-                <a:effectLst/>
-                <a:latin typeface="+mn-lt"/>
-                <a:ea typeface="+mn-ea"/>
-                <a:cs typeface="+mn-cs"/>
-              </a:rPr>
-              <a:t>server to server</a:t>
-            </a:r>
-            <a:r>
-              <a:rPr lang="en-US" sz="1200" b="0" kern="1200" baseline="0" dirty="0" smtClean="0">
-                <a:solidFill>
-                  <a:schemeClr val="tx1"/>
-                </a:solidFill>
-                <a:effectLst/>
-                <a:latin typeface="+mn-lt"/>
-                <a:ea typeface="+mn-ea"/>
-                <a:cs typeface="+mn-cs"/>
-              </a:rPr>
-              <a:t> API calls. </a:t>
-            </a:r>
             <a:endParaRPr lang="en-US" sz="1200" kern="1200" dirty="0" smtClean="0">
               <a:solidFill>
                 <a:schemeClr val="tx1"/>
@@ -20317,7 +19315,43 @@
                 <a:ea typeface="+mn-ea"/>
                 <a:cs typeface="+mn-cs"/>
               </a:rPr>
-              <a:t>If your API deals with data </a:t>
+              <a:t>If your API </a:t>
+            </a:r>
+            <a:r>
+              <a:rPr lang="en-US" sz="1200" kern="1200" dirty="0" smtClean="0">
+                <a:solidFill>
+                  <a:schemeClr val="tx1"/>
+                </a:solidFill>
+                <a:effectLst/>
+                <a:latin typeface="+mn-lt"/>
+                <a:ea typeface="+mn-ea"/>
+                <a:cs typeface="+mn-cs"/>
+              </a:rPr>
+              <a:t>interacts</a:t>
+            </a:r>
+            <a:r>
+              <a:rPr lang="en-US" sz="1200" kern="1200" baseline="0" dirty="0" smtClean="0">
+                <a:solidFill>
+                  <a:schemeClr val="tx1"/>
+                </a:solidFill>
+                <a:effectLst/>
+                <a:latin typeface="+mn-lt"/>
+                <a:ea typeface="+mn-ea"/>
+                <a:cs typeface="+mn-cs"/>
+              </a:rPr>
+              <a:t> </a:t>
+            </a:r>
+            <a:r>
+              <a:rPr lang="en-US" sz="1200" kern="1200" dirty="0" smtClean="0">
+                <a:solidFill>
+                  <a:schemeClr val="tx1"/>
+                </a:solidFill>
+                <a:effectLst/>
+                <a:latin typeface="+mn-lt"/>
+                <a:ea typeface="+mn-ea"/>
+                <a:cs typeface="+mn-cs"/>
+              </a:rPr>
+              <a:t>with </a:t>
             </a:r>
             <a:r>
               <a:rPr lang="en-US" sz="1200" b="1" kern="1200" dirty="0" smtClean="0">
@@ -20329,7 +19363,31 @@
                 <a:ea typeface="+mn-ea"/>
                 <a:cs typeface="+mn-cs"/>
               </a:rPr>
-              <a:t>owned by another party </a:t>
+              <a:t>3</a:t>
+            </a:r>
+            <a:r>
+              <a:rPr lang="en-US" sz="1200" b="1" kern="1200" baseline="30000" dirty="0" smtClean="0">
+                <a:solidFill>
+                  <a:schemeClr val="tx1"/>
+                </a:solidFill>
+                <a:effectLst/>
+                <a:latin typeface="+mn-lt"/>
+                <a:ea typeface="+mn-ea"/>
+                <a:cs typeface="+mn-cs"/>
+              </a:rPr>
+              <a:t>rd</a:t>
+            </a:r>
+            <a:r>
+              <a:rPr lang="en-US" sz="1200" b="1" kern="1200" dirty="0" smtClean="0">
+                <a:solidFill>
+                  <a:schemeClr val="tx1"/>
+                </a:solidFill>
+                <a:effectLst/>
+                <a:latin typeface="+mn-lt"/>
+                <a:ea typeface="+mn-ea"/>
+                <a:cs typeface="+mn-cs"/>
+              </a:rPr>
+              <a:t> party services </a:t>
             </a:r>
             <a:r>
               <a:rPr lang="en-US" sz="1200" kern="1200" dirty="0" smtClean="0">
@@ -20342,79 +19400,6 @@
                 <a:cs typeface="+mn-cs"/>
               </a:rPr>
               <a:t>then OAuth is the way to go. </a:t>
-            </a:r>
-          </a:p>
-          <a:p>
-            <a:endParaRPr lang="en-US" sz="1200" kern="1200" dirty="0" smtClean="0">
-              <a:solidFill>
-                <a:schemeClr val="tx1"/>
-              </a:solidFill>
-              <a:effectLst/>
-              <a:latin typeface="+mn-lt"/>
-              <a:ea typeface="+mn-ea"/>
-              <a:cs typeface="+mn-cs"/>
-            </a:endParaRPr>
-          </a:p>
-          <a:p>
-            <a:r>
-              <a:rPr lang="en-US" sz="1200" kern="1200" dirty="0" smtClean="0">
-                <a:solidFill>
-                  <a:schemeClr val="tx1"/>
-                </a:solidFill>
-                <a:effectLst/>
-                <a:latin typeface="+mn-lt"/>
-                <a:ea typeface="+mn-ea"/>
-                <a:cs typeface="+mn-cs"/>
-              </a:rPr>
-              <a:t>Also good fit if you’re supporting </a:t>
-            </a:r>
-            <a:r>
-              <a:rPr lang="en-US" sz="1200" b="1" kern="1200" dirty="0" smtClean="0">
-                <a:solidFill>
-                  <a:schemeClr val="tx1"/>
-                </a:solidFill>
-                <a:effectLst/>
-                <a:latin typeface="+mn-lt"/>
-                <a:ea typeface="+mn-ea"/>
-                <a:cs typeface="+mn-cs"/>
-              </a:rPr>
-              <a:t>3</a:t>
-            </a:r>
-            <a:r>
-              <a:rPr lang="en-US" sz="1200" b="1" kern="1200" baseline="30000" dirty="0" smtClean="0">
-                <a:solidFill>
-                  <a:schemeClr val="tx1"/>
-                </a:solidFill>
-                <a:effectLst/>
-                <a:latin typeface="+mn-lt"/>
-                <a:ea typeface="+mn-ea"/>
-                <a:cs typeface="+mn-cs"/>
-              </a:rPr>
-              <a:t>rd</a:t>
-            </a:r>
-            <a:r>
-              <a:rPr lang="en-US" sz="1200" b="1" kern="1200" dirty="0" smtClean="0">
-                <a:solidFill>
-                  <a:schemeClr val="tx1"/>
-                </a:solidFill>
-                <a:effectLst/>
-                <a:latin typeface="+mn-lt"/>
-                <a:ea typeface="+mn-ea"/>
-                <a:cs typeface="+mn-cs"/>
-              </a:rPr>
-              <a:t> party clients</a:t>
-            </a:r>
-            <a:r>
-              <a:rPr lang="en-US" sz="1200" kern="1200" dirty="0" smtClean="0">
-                <a:solidFill>
-                  <a:schemeClr val="tx1"/>
-                </a:solidFill>
-                <a:effectLst/>
-                <a:latin typeface="+mn-lt"/>
-                <a:ea typeface="+mn-ea"/>
-                <a:cs typeface="+mn-cs"/>
-              </a:rPr>
-              <a:t>.</a:t>
             </a:r>
           </a:p>
           <a:p>
@@ -21021,7 +20006,34 @@
                 <a:ea typeface="+mn-ea"/>
                 <a:cs typeface="+mn-cs"/>
               </a:rPr>
-              <a:t>; code</a:t>
+              <a:t>; </a:t>
+            </a:r>
+            <a:endParaRPr lang="en-US" sz="1200" kern="1200" dirty="0" smtClean="0">
+              <a:solidFill>
+                <a:schemeClr val="tx1"/>
+              </a:solidFill>
+              <a:effectLst/>
+              <a:latin typeface="+mn-lt"/>
+              <a:ea typeface="+mn-ea"/>
+              <a:cs typeface="+mn-cs"/>
+            </a:endParaRPr>
+          </a:p>
+          <a:p>
+            <a:pPr marL="171450" indent="-171450">
+              <a:buFont typeface="Arial" panose="020B0604020202020204" pitchFamily="34" charset="0"/>
+              <a:buChar char="•"/>
+            </a:pPr>
+            <a:r>
+              <a:rPr lang="en-US" sz="1200" kern="1200" dirty="0" smtClean="0">
+                <a:solidFill>
+                  <a:schemeClr val="tx1"/>
+                </a:solidFill>
+                <a:effectLst/>
+                <a:latin typeface="+mn-lt"/>
+                <a:ea typeface="+mn-ea"/>
+                <a:cs typeface="+mn-cs"/>
+              </a:rPr>
+              <a:t>If TLS is compromised,</a:t>
             </a:r>
             <a:r>
               <a:rPr lang="en-US" sz="1200" kern="1200" baseline="0" dirty="0" smtClean="0">
@@ -21033,7 +20045,61 @@
                 <a:ea typeface="+mn-ea"/>
                 <a:cs typeface="+mn-cs"/>
               </a:rPr>
-              <a:t> that you write for one OAuth 2 provider may require a lot of work to support another.</a:t>
+              <a:t> so are your keys</a:t>
+            </a:r>
+          </a:p>
+          <a:p>
+            <a:pPr marL="171450" indent="-171450">
+              <a:buFont typeface="Arial" panose="020B0604020202020204" pitchFamily="34" charset="0"/>
+              <a:buChar char="•"/>
+            </a:pPr>
+            <a:r>
+              <a:rPr lang="en-US" sz="1200" kern="1200" baseline="0" dirty="0" smtClean="0">
+                <a:solidFill>
+                  <a:schemeClr val="tx1"/>
+                </a:solidFill>
+                <a:effectLst/>
+                <a:latin typeface="+mn-lt"/>
+                <a:ea typeface="+mn-ea"/>
+                <a:cs typeface="+mn-cs"/>
+              </a:rPr>
+              <a:t>C</a:t>
+            </a:r>
+            <a:r>
+              <a:rPr lang="en-US" sz="1200" kern="1200" dirty="0" smtClean="0">
+                <a:solidFill>
+                  <a:schemeClr val="tx1"/>
+                </a:solidFill>
+                <a:effectLst/>
+                <a:latin typeface="+mn-lt"/>
+                <a:ea typeface="+mn-ea"/>
+                <a:cs typeface="+mn-cs"/>
+              </a:rPr>
+              <a:t>ode</a:t>
+            </a:r>
+            <a:r>
+              <a:rPr lang="en-US" sz="1200" kern="1200" baseline="0" dirty="0" smtClean="0">
+                <a:solidFill>
+                  <a:schemeClr val="tx1"/>
+                </a:solidFill>
+                <a:effectLst/>
+                <a:latin typeface="+mn-lt"/>
+                <a:ea typeface="+mn-ea"/>
+                <a:cs typeface="+mn-cs"/>
+              </a:rPr>
+              <a:t> </a:t>
+            </a:r>
+            <a:r>
+              <a:rPr lang="en-US" sz="1200" kern="1200" baseline="0" dirty="0" smtClean="0">
+                <a:solidFill>
+                  <a:schemeClr val="tx1"/>
+                </a:solidFill>
+                <a:effectLst/>
+                <a:latin typeface="+mn-lt"/>
+                <a:ea typeface="+mn-ea"/>
+                <a:cs typeface="+mn-cs"/>
+              </a:rPr>
+              <a:t>that you write for one OAuth 2 provider may require a lot of work to support another.</a:t>
             </a:r>
             <a:endParaRPr lang="en-US" sz="1200" kern="1200" dirty="0" smtClean="0">
               <a:solidFill>
@@ -22621,7 +21687,7 @@
           <a:p>
             <a:fld id="{75AA6396-395E-4ADA-8EE5-F328BC863A04}" type="datetimeFigureOut">
               <a:rPr lang="en-US" smtClean="0"/>
-              <a:t>5/3/2016</a:t>
+              <a:t>5/6/2016</a:t>
             </a:fld>
             <a:endParaRPr lang="en-US"/>
           </a:p>
@@ -22798,7 +21864,7 @@
           <a:p>
             <a:fld id="{75AA6396-395E-4ADA-8EE5-F328BC863A04}" type="datetimeFigureOut">
               <a:rPr lang="en-US" smtClean="0"/>
-              <a:t>5/3/2016</a:t>
+              <a:t>5/6/2016</a:t>
             </a:fld>
             <a:endParaRPr lang="en-US"/>
           </a:p>
@@ -22978,7 +22044,7 @@
           <a:p>
             <a:fld id="{75AA6396-395E-4ADA-8EE5-F328BC863A04}" type="datetimeFigureOut">
               <a:rPr lang="en-US" smtClean="0"/>
-              <a:t>5/3/2016</a:t>
+              <a:t>5/6/2016</a:t>
             </a:fld>
             <a:endParaRPr lang="en-US"/>
           </a:p>
@@ -23198,7 +22264,7 @@
           <a:p>
             <a:fld id="{75AA6396-395E-4ADA-8EE5-F328BC863A04}" type="datetimeFigureOut">
               <a:rPr lang="en-US" smtClean="0"/>
-              <a:t>5/3/2016</a:t>
+              <a:t>5/6/2016</a:t>
             </a:fld>
             <a:endParaRPr lang="en-US"/>
           </a:p>
@@ -23451,7 +22517,7 @@
           <a:p>
             <a:fld id="{75AA6396-395E-4ADA-8EE5-F328BC863A04}" type="datetimeFigureOut">
               <a:rPr lang="en-US" smtClean="0"/>
-              <a:t>5/3/2016</a:t>
+              <a:t>5/6/2016</a:t>
             </a:fld>
             <a:endParaRPr lang="en-US"/>
           </a:p>
@@ -23690,7 +22756,7 @@
           <a:p>
             <a:fld id="{75AA6396-395E-4ADA-8EE5-F328BC863A04}" type="datetimeFigureOut">
               <a:rPr lang="en-US" smtClean="0"/>
-              <a:t>5/3/2016</a:t>
+              <a:t>5/6/2016</a:t>
             </a:fld>
             <a:endParaRPr lang="en-US"/>
           </a:p>
@@ -24064,7 +23130,7 @@
           <a:p>
             <a:fld id="{75AA6396-395E-4ADA-8EE5-F328BC863A04}" type="datetimeFigureOut">
               <a:rPr lang="en-US" smtClean="0"/>
-              <a:t>5/3/2016</a:t>
+              <a:t>5/6/2016</a:t>
             </a:fld>
             <a:endParaRPr lang="en-US"/>
           </a:p>
@@ -24182,7 +23248,7 @@
           <a:p>
             <a:fld id="{75AA6396-395E-4ADA-8EE5-F328BC863A04}" type="datetimeFigureOut">
               <a:rPr lang="en-US" smtClean="0"/>
-              <a:t>5/3/2016</a:t>
+              <a:t>5/6/2016</a:t>
             </a:fld>
             <a:endParaRPr lang="en-US"/>
           </a:p>
@@ -24277,7 +23343,7 @@
           <a:p>
             <a:fld id="{75AA6396-395E-4ADA-8EE5-F328BC863A04}" type="datetimeFigureOut">
               <a:rPr lang="en-US" smtClean="0"/>
-              <a:t>5/3/2016</a:t>
+              <a:t>5/6/2016</a:t>
             </a:fld>
             <a:endParaRPr lang="en-US"/>
           </a:p>
@@ -24554,7 +23620,7 @@
           <a:p>
             <a:fld id="{75AA6396-395E-4ADA-8EE5-F328BC863A04}" type="datetimeFigureOut">
               <a:rPr lang="en-US" smtClean="0"/>
-              <a:t>5/3/2016</a:t>
+              <a:t>5/6/2016</a:t>
             </a:fld>
             <a:endParaRPr lang="en-US"/>
           </a:p>
@@ -24807,7 +23873,7 @@
           <a:p>
             <a:fld id="{75AA6396-395E-4ADA-8EE5-F328BC863A04}" type="datetimeFigureOut">
               <a:rPr lang="en-US" smtClean="0"/>
-              <a:t>5/3/2016</a:t>
+              <a:t>5/6/2016</a:t>
             </a:fld>
             <a:endParaRPr lang="en-US"/>
           </a:p>
@@ -25020,7 +24086,7 @@
           <a:p>
             <a:fld id="{75AA6396-395E-4ADA-8EE5-F328BC863A04}" type="datetimeFigureOut">
               <a:rPr lang="en-US" smtClean="0"/>
-              <a:t>5/3/2016</a:t>
+              <a:t>5/6/2016</a:t>
             </a:fld>
             <a:endParaRPr lang="en-US"/>
           </a:p>
@@ -25691,11 +24757,7 @@
             <a:pPr algn="ctr"/>
             <a:r>
               <a:rPr lang="en-US" sz="4800" dirty="0" smtClean="0"/>
-              <a:t>This is </a:t>
-            </a:r>
-            <a:r>
-              <a:rPr lang="en-US" sz="4800" dirty="0" smtClean="0"/>
-              <a:t>“narrow down the options”</a:t>
+              <a:t>This is “narrow down the options”</a:t>
             </a:r>
             <a:endParaRPr lang="en-US" sz="4800" dirty="0"/>
           </a:p>
@@ -27406,7 +26468,7 @@
 </file>
 
 <file path=ppt/slides/slide23.xml><?xml version="1.0" encoding="utf-8"?>
-<p:sld xmlns:a="http://schemas.openxmlformats.org/drawingml/2006/main" xmlns:r="http://schemas.openxmlformats.org/officeDocument/2006/relationships" xmlns:p="http://schemas.openxmlformats.org/presentationml/2006/main">
+<p:sld xmlns:a="http://schemas.openxmlformats.org/drawingml/2006/main" xmlns:r="http://schemas.openxmlformats.org/officeDocument/2006/relationships" xmlns:p="http://schemas.openxmlformats.org/presentationml/2006/main" show="0">
   <p:cSld>
     <p:spTree>
       <p:nvGrpSpPr>
@@ -27554,6 +26616,14 @@
   <p:clrMapOvr>
     <a:masterClrMapping/>
   </p:clrMapOvr>
+  <mc:AlternateContent xmlns:mc="http://schemas.openxmlformats.org/markup-compatibility/2006">
+    <mc:Choice xmlns:p14="http://schemas.microsoft.com/office/powerpoint/2010/main" Requires="p14">
+      <p:transition spd="slow" p14:dur="2000"/>
+    </mc:Choice>
+    <mc:Fallback>
+      <p:transition spd="slow"/>
+    </mc:Fallback>
+  </mc:AlternateContent>
   <p:timing>
     <p:tnLst>
       <p:par>
@@ -27882,21 +26952,11 @@
           <a:p>
             <a:r>
               <a:rPr lang="en-US" sz="4000" dirty="0" smtClean="0"/>
-              <a:t>Same terrible UI as Basic </a:t>
-            </a:r>
-            <a:r>
-              <a:rPr lang="en-US" sz="4000" dirty="0" err="1" smtClean="0"/>
-              <a:t>Auth</a:t>
-            </a:r>
-            <a:endParaRPr lang="en-US" sz="4000" dirty="0" smtClean="0"/>
-          </a:p>
-          <a:p>
-            <a:endParaRPr lang="en-US" sz="4000" dirty="0" smtClean="0"/>
-          </a:p>
-          <a:p>
+              <a:t>Prevents </a:t>
+            </a:r>
             <a:r>
               <a:rPr lang="en-US" sz="4000" dirty="0" smtClean="0"/>
-              <a:t>Prevents storing passwords with strong encryption!</a:t>
+              <a:t>storing passwords with strong encryption!</a:t>
             </a:r>
           </a:p>
           <a:p>
@@ -28540,11 +27600,7 @@
           <a:p>
             <a:r>
               <a:rPr lang="en-US" sz="4000" dirty="0" smtClean="0"/>
-              <a:t>Should </a:t>
-            </a:r>
-            <a:r>
-              <a:rPr lang="en-US" sz="4000" dirty="0" smtClean="0"/>
-              <a:t>salt and hash keys for storage</a:t>
+              <a:t>Should salt and hash keys for storage</a:t>
             </a:r>
           </a:p>
           <a:p>
@@ -28898,15 +27954,7 @@
           <a:p>
             <a:r>
               <a:rPr lang="en-US" sz="4000" dirty="0" smtClean="0"/>
-              <a:t>Proves </a:t>
-            </a:r>
-            <a:r>
-              <a:rPr lang="en-US" sz="4000" dirty="0" smtClean="0"/>
-              <a:t>request was not modified in </a:t>
-            </a:r>
-            <a:r>
-              <a:rPr lang="en-US" sz="4000" dirty="0" smtClean="0"/>
-              <a:t>transit</a:t>
+              <a:t>Proves request was not modified in transit</a:t>
             </a:r>
           </a:p>
           <a:p>
@@ -28917,7 +27965,6 @@
               <a:rPr lang="en-US" sz="4000" dirty="0" smtClean="0"/>
               <a:t>Defend against replay attacks in app code or TLS</a:t>
             </a:r>
-            <a:endParaRPr lang="en-US" sz="4000" dirty="0" smtClean="0"/>
           </a:p>
           <a:p>
             <a:pPr lvl="1"/>
@@ -29960,13 +29007,8 @@
             </a:r>
             <a:r>
               <a:rPr lang="en-US" sz="3600" dirty="0" smtClean="0"/>
-              <a:t> use </a:t>
-            </a:r>
-            <a:r>
-              <a:rPr lang="en-US" sz="3600" dirty="0" smtClean="0"/>
-              <a:t>TLS</a:t>
-            </a:r>
-            <a:endParaRPr lang="en-US" sz="3600" dirty="0" smtClean="0"/>
+              <a:t> use TLS</a:t>
+            </a:r>
           </a:p>
           <a:p>
             <a:pPr lvl="1"/>
@@ -30289,11 +29331,7 @@
           <a:p>
             <a:r>
               <a:rPr lang="en-US" sz="4000" dirty="0" smtClean="0"/>
-              <a:t>API keys are great for </a:t>
-            </a:r>
-            <a:r>
-              <a:rPr lang="en-US" sz="4000" dirty="0" smtClean="0"/>
-              <a:t>server to server API calls</a:t>
+              <a:t>API keys are great for server to server API calls</a:t>
             </a:r>
             <a:br>
               <a:rPr lang="en-US" sz="4000" dirty="0" smtClean="0"/>
@@ -30357,11 +29395,11 @@
   <p:clrMapOvr>
     <a:masterClrMapping/>
   </p:clrMapOvr>
-  <mc:AlternateContent xmlns:mc="http://schemas.openxmlformats.org/markup-compatibility/2006">
-    <mc:Choice xmlns:p14="http://schemas.microsoft.com/office/powerpoint/2010/main" Requires="p14">
+  <mc:AlternateContent xmlns:mc="http://schemas.openxmlformats.org/markup-compatibility/2006" xmlns:p14="http://schemas.microsoft.com/office/powerpoint/2010/main">
+    <mc:Choice Requires="p14">
       <p:transition spd="slow" p14:dur="2000"/>
     </mc:Choice>
-    <mc:Fallback>
+    <mc:Fallback xmlns="">
       <p:transition spd="slow"/>
     </mc:Fallback>
   </mc:AlternateContent>
@@ -30657,7 +29695,7 @@
       </p:sp>
       <p:pic>
         <p:nvPicPr>
-          <p:cNvPr id="4" name="Picture 3"/>
+          <p:cNvPr id="5" name="Picture 4"/>
           <p:cNvPicPr>
             <a:picLocks noChangeAspect="1"/>
           </p:cNvPicPr>
@@ -30671,8 +29709,8 @@
         </p:blipFill>
         <p:spPr>
           <a:xfrm>
-            <a:off x="1565474" y="3589886"/>
-            <a:ext cx="8975065" cy="2638125"/>
+            <a:off x="1663928" y="3160593"/>
+            <a:ext cx="8864144" cy="3044058"/>
           </a:xfrm>
           <a:prstGeom prst="rect">
             <a:avLst/>
@@ -33980,8 +33018,9 @@
           <a:p>
             <a:r>
               <a:rPr lang="en-US" sz="3600" dirty="0" smtClean="0"/>
-              <a:t>You’re using IIS + Active Directory (or equivalent) to secure a private API on trusted network, or</a:t>
-            </a:r>
+              <a:t>You don’t want to worry about passwords or keys</a:t>
+            </a:r>
+            <a:endParaRPr lang="en-US" sz="3600" dirty="0" smtClean="0"/>
           </a:p>
           <a:p>
             <a:endParaRPr lang="en-US" sz="3600" dirty="0"/>
@@ -33989,8 +33028,9 @@
           <a:p>
             <a:r>
               <a:rPr lang="en-US" sz="3600" dirty="0" smtClean="0"/>
-              <a:t>You want server-to-server authentication w/out passwords</a:t>
-            </a:r>
+              <a:t>You’re securing a private API on a trusted network</a:t>
+            </a:r>
+            <a:endParaRPr lang="en-US" sz="3600" dirty="0" smtClean="0"/>
           </a:p>
           <a:p>
             <a:pPr lvl="1"/>
@@ -34141,8 +33181,15 @@
             </a:r>
             <a:r>
               <a:rPr lang="en-US" sz="4000" dirty="0" smtClean="0"/>
-              <a:t> if…</a:t>
-            </a:r>
+              <a:t> if</a:t>
+            </a:r>
+            <a:r>
+              <a:rPr lang="en-US" sz="4000" dirty="0" smtClean="0"/>
+              <a:t>…</a:t>
+            </a:r>
+            <a:br>
+              <a:rPr lang="en-US" sz="4000" dirty="0" smtClean="0"/>
+            </a:br>
             <a:endParaRPr lang="en-US" sz="4000" dirty="0"/>
           </a:p>
           <a:p>
@@ -34152,24 +33199,29 @@
             </a:r>
             <a:r>
               <a:rPr lang="en-US" sz="3600" dirty="0"/>
-              <a:t>want to write as little code as </a:t>
+              <a:t>want to write </a:t>
             </a:r>
             <a:r>
               <a:rPr lang="en-US" sz="3600" dirty="0" smtClean="0"/>
-              <a:t>possible, and</a:t>
-            </a:r>
+              <a:t>very little code</a:t>
+            </a:r>
+            <a:br>
+              <a:rPr lang="en-US" sz="3600" dirty="0" smtClean="0"/>
+            </a:br>
             <a:endParaRPr lang="en-US" sz="3200" dirty="0"/>
           </a:p>
           <a:p>
             <a:r>
               <a:rPr lang="en-US" sz="3600" dirty="0" smtClean="0"/>
-              <a:t>You don’t care about the login UI, and</a:t>
-            </a:r>
-          </a:p>
-          <a:p>
+              <a:t>You </a:t>
+            </a:r>
             <a:r>
               <a:rPr lang="en-US" sz="3600" dirty="0"/>
-              <a:t>You can tolerate </a:t>
+              <a:t>can </a:t>
+            </a:r>
+            <a:r>
+              <a:rPr lang="en-US" sz="3600" dirty="0" smtClean="0"/>
+              <a:t>use </a:t>
             </a:r>
             <a:r>
               <a:rPr lang="en-US" sz="3600" dirty="0" smtClean="0"/>
@@ -34183,16 +33235,23 @@
               <a:rPr lang="en-US" sz="3600" dirty="0" smtClean="0"/>
               <a:t>requests</a:t>
             </a:r>
+            <a:br>
+              <a:rPr lang="en-US" sz="3600" dirty="0" smtClean="0"/>
+            </a:br>
+            <a:endParaRPr lang="en-US" sz="3600" dirty="0" smtClean="0"/>
+          </a:p>
+          <a:p>
+            <a:r>
+              <a:rPr lang="en-US" sz="3600" dirty="0" smtClean="0"/>
+              <a:t>You don’t need extra security on top of TLS</a:t>
+            </a:r>
+            <a:br>
+              <a:rPr lang="en-US" sz="3600" dirty="0" smtClean="0"/>
+            </a:br>
             <a:endParaRPr lang="en-US" sz="3600" dirty="0"/>
           </a:p>
           <a:p>
             <a:endParaRPr lang="en-US" sz="3600" dirty="0"/>
-          </a:p>
-          <a:p>
-            <a:r>
-              <a:rPr lang="en-US" sz="4000" dirty="0" smtClean="0"/>
-              <a:t>Best for server-to-server API calls</a:t>
-            </a:r>
           </a:p>
           <a:p>
             <a:endParaRPr lang="en-US" sz="4000" dirty="0" smtClean="0"/>
@@ -34509,8 +33568,17 @@
           <a:p>
             <a:r>
               <a:rPr lang="en-US" sz="3600" dirty="0" smtClean="0"/>
-              <a:t>Your app owns the data the API cares about, and</a:t>
-            </a:r>
+              <a:t>You’re comfortable w/ security aspects of Basic </a:t>
+            </a:r>
+            <a:r>
+              <a:rPr lang="en-US" sz="3600" dirty="0" err="1" smtClean="0"/>
+              <a:t>Auth</a:t>
+            </a:r>
+            <a:r>
+              <a:rPr lang="en-US" sz="3600" dirty="0" smtClean="0"/>
+              <a:t>, but</a:t>
+            </a:r>
+            <a:endParaRPr lang="en-US" sz="3600" dirty="0"/>
           </a:p>
           <a:p>
             <a:endParaRPr lang="en-US" sz="3600" dirty="0" smtClean="0"/>
@@ -34518,17 +33586,22 @@
           <a:p>
             <a:r>
               <a:rPr lang="en-US" sz="3600" dirty="0" smtClean="0"/>
-              <a:t>You value simplicity over security, and</a:t>
-            </a:r>
-          </a:p>
-          <a:p>
+              <a:t>You need more freedom than offered by Basic </a:t>
+            </a:r>
+            <a:r>
+              <a:rPr lang="en-US" sz="3600" dirty="0" err="1" smtClean="0"/>
+              <a:t>Auth</a:t>
+            </a:r>
             <a:endParaRPr lang="en-US" sz="3600" dirty="0" smtClean="0"/>
           </a:p>
           <a:p>
-            <a:r>
-              <a:rPr lang="en-US" sz="3600" dirty="0" smtClean="0"/>
-              <a:t>You can require TLS</a:t>
-            </a:r>
+            <a:endParaRPr lang="en-US" sz="3600" dirty="0" smtClean="0"/>
+          </a:p>
+          <a:p>
+            <a:endParaRPr lang="en-US" sz="3600" dirty="0" smtClean="0"/>
+          </a:p>
+          <a:p>
+            <a:endParaRPr lang="en-US" sz="3600" dirty="0" smtClean="0"/>
           </a:p>
           <a:p>
             <a:endParaRPr lang="en-US" sz="3600" dirty="0"/>
@@ -34691,48 +33764,39 @@
             </a:r>
             <a:r>
               <a:rPr lang="en-US" sz="4000" dirty="0" smtClean="0"/>
-              <a:t> if…</a:t>
-            </a:r>
-          </a:p>
-          <a:p>
-            <a:endParaRPr lang="en-US" sz="1200" dirty="0"/>
+              <a:t> if</a:t>
+            </a:r>
+            <a:r>
+              <a:rPr lang="en-US" sz="4000" dirty="0" smtClean="0"/>
+              <a:t>…</a:t>
+            </a:r>
+          </a:p>
+          <a:p>
+            <a:pPr marL="0" indent="0">
+              <a:buNone/>
+            </a:pPr>
+            <a:endParaRPr lang="en-US" sz="4000" dirty="0" smtClean="0"/>
           </a:p>
           <a:p>
             <a:r>
               <a:rPr lang="en-US" sz="3600" dirty="0" smtClean="0"/>
-              <a:t>Your app owns the data the API cares about, and</a:t>
-            </a:r>
+              <a:t>You can’t use TLS, or want TLS + </a:t>
+            </a:r>
+            <a:r>
+              <a:rPr lang="en-US" sz="3600" b="1" dirty="0" smtClean="0"/>
+              <a:t>extra security</a:t>
+            </a:r>
+            <a:endParaRPr lang="en-US" sz="3600" b="1" dirty="0" smtClean="0"/>
+          </a:p>
+          <a:p>
             <a:endParaRPr lang="en-US" sz="3600" dirty="0"/>
           </a:p>
           <a:p>
             <a:r>
               <a:rPr lang="en-US" sz="3600" dirty="0" smtClean="0"/>
-              <a:t>You can’t/don’t want to rely on TLS</a:t>
-            </a:r>
-          </a:p>
-          <a:p>
-            <a:endParaRPr lang="en-US" sz="1600" dirty="0" smtClean="0"/>
-          </a:p>
-          <a:p>
-            <a:r>
-              <a:rPr lang="en-US" sz="3600" dirty="0" smtClean="0"/>
-              <a:t>You are writing both client &amp; server</a:t>
-            </a:r>
-          </a:p>
-          <a:p>
-            <a:endParaRPr lang="en-US" sz="1600" dirty="0" smtClean="0"/>
-          </a:p>
-          <a:p>
-            <a:r>
-              <a:rPr lang="en-US" sz="3600" dirty="0" smtClean="0"/>
-              <a:t>Great for server-to-server communication</a:t>
-            </a:r>
-          </a:p>
-          <a:p>
-            <a:endParaRPr lang="en-US" sz="3600" dirty="0"/>
-          </a:p>
-          <a:p>
-            <a:endParaRPr lang="en-US" sz="4000" dirty="0" smtClean="0"/>
+              <a:t>Be prepared to publish and support instructions for creating the signature</a:t>
+            </a:r>
+            <a:endParaRPr lang="en-US" sz="3600" dirty="0" smtClean="0"/>
           </a:p>
           <a:p>
             <a:endParaRPr lang="en-US" sz="4000" dirty="0" smtClean="0"/>
@@ -34957,7 +34021,19 @@
           <a:p>
             <a:r>
               <a:rPr lang="en-US" sz="3600" dirty="0" smtClean="0"/>
-              <a:t>Data are owned by another party, and</a:t>
+              <a:t>API interacts with 3</a:t>
+            </a:r>
+            <a:r>
+              <a:rPr lang="en-US" sz="3600" baseline="30000" dirty="0" smtClean="0"/>
+              <a:t>rd</a:t>
+            </a:r>
+            <a:r>
+              <a:rPr lang="en-US" sz="3600" dirty="0" smtClean="0"/>
+              <a:t> party services, </a:t>
+            </a:r>
+            <a:r>
+              <a:rPr lang="en-US" sz="3600" dirty="0" smtClean="0"/>
+              <a:t>and</a:t>
             </a:r>
           </a:p>
           <a:p>
@@ -34969,15 +34045,27 @@
           <a:p>
             <a:r>
               <a:rPr lang="en-US" sz="3600" dirty="0" smtClean="0"/>
-              <a:t>You can’t/don’t want to require TLS, and/or</a:t>
+              <a:t>You </a:t>
+            </a:r>
+            <a:r>
+              <a:rPr lang="en-US" sz="3600" dirty="0" smtClean="0"/>
+              <a:t>can’t require TLS or want extra security</a:t>
             </a:r>
             <a:endParaRPr lang="en-US" sz="3600" dirty="0"/>
           </a:p>
           <a:p>
+            <a:endParaRPr lang="en-US" sz="3600" dirty="0" smtClean="0"/>
+          </a:p>
+          <a:p>
             <a:r>
               <a:rPr lang="en-US" sz="3600" dirty="0" smtClean="0"/>
-              <a:t>You care about client/provider interoperability</a:t>
-            </a:r>
+              <a:t>More interoperable </a:t>
+            </a:r>
+            <a:r>
+              <a:rPr lang="en-US" sz="3600" dirty="0" smtClean="0"/>
+              <a:t>than OAuth 2.0</a:t>
+            </a:r>
+            <a:endParaRPr lang="en-US" sz="3600" dirty="0" smtClean="0"/>
           </a:p>
           <a:p>
             <a:endParaRPr lang="en-US" sz="3600" dirty="0"/>
@@ -35139,14 +34227,31 @@
           </a:p>
           <a:p>
             <a:r>
+              <a:rPr lang="en-US" sz="3600" dirty="0"/>
+              <a:t>API interacts with 3</a:t>
+            </a:r>
+            <a:r>
+              <a:rPr lang="en-US" sz="3600" baseline="30000" dirty="0"/>
+              <a:t>rd</a:t>
+            </a:r>
+            <a:r>
+              <a:rPr lang="en-US" sz="3600" dirty="0"/>
+              <a:t> party </a:t>
+            </a:r>
+            <a:r>
               <a:rPr lang="en-US" sz="3600" dirty="0" smtClean="0"/>
-              <a:t>Data are owned by another party, and</a:t>
-            </a:r>
+              <a:t>services, and</a:t>
+            </a:r>
+            <a:endParaRPr lang="en-US" sz="3600" dirty="0"/>
           </a:p>
           <a:p>
             <a:r>
               <a:rPr lang="en-US" sz="3600" dirty="0" smtClean="0"/>
-              <a:t>You want to avoid complexity of signed requests, or</a:t>
+              <a:t>You </a:t>
+            </a:r>
+            <a:r>
+              <a:rPr lang="en-US" sz="3600" dirty="0" smtClean="0"/>
+              <a:t>want to avoid complexity of signed requests, or</a:t>
             </a:r>
           </a:p>
           <a:p>
@@ -35159,6 +34264,10 @@
             <a:endParaRPr lang="en-US" sz="3600" dirty="0" smtClean="0"/>
           </a:p>
           <a:p>
+            <a:r>
+              <a:rPr lang="en-US" sz="3600" dirty="0" smtClean="0"/>
+              <a:t>Less secure / interoperable than OAuth 1.0</a:t>
+            </a:r>
             <a:endParaRPr lang="en-US" sz="3600" dirty="0"/>
           </a:p>
           <a:p>

--- a/Securing Your API Endpoints - CodeMash 2016.pptx
+++ b/Securing Your API Endpoints - CodeMash 2016.pptx
@@ -12752,24 +12752,6 @@
               <a:buFont typeface="Arial" panose="020B0604020202020204" pitchFamily="34" charset="0"/>
               <a:buChar char="•"/>
             </a:pPr>
-            <a:r>
-              <a:rPr lang="en-US" sz="1200" kern="1200" dirty="0" smtClean="0">
-                <a:solidFill>
-                  <a:schemeClr val="tx1"/>
-                </a:solidFill>
-                <a:effectLst/>
-                <a:latin typeface="+mn-lt"/>
-                <a:ea typeface="+mn-ea"/>
-                <a:cs typeface="+mn-cs"/>
-              </a:rPr>
-              <a:t>Message integrity is guaranteed</a:t>
-            </a:r>
-          </a:p>
-          <a:p>
-            <a:pPr marL="171450" indent="-171450">
-              <a:buFont typeface="Arial" panose="020B0604020202020204" pitchFamily="34" charset="0"/>
-              <a:buChar char="•"/>
-            </a:pPr>
             <a:endParaRPr lang="en-US" sz="1200" kern="1200" dirty="0" smtClean="0">
               <a:solidFill>
                 <a:schemeClr val="tx1"/>
@@ -20829,7 +20811,7 @@
                 <a:ea typeface="+mn-ea"/>
                 <a:cs typeface="+mn-cs"/>
               </a:rPr>
-              <a:t>Requests must use EITHER TLS, OR be signed with a MAC. If you’re passing sensitive data over the wire then use SSL. If you want to verify message integrity, use a MAC.</a:t>
+              <a:t>Requests must use EITHER TLS, OR be signed with a MAC. </a:t>
             </a:r>
           </a:p>
           <a:p>
@@ -20846,7 +20828,7 @@
                 <a:ea typeface="+mn-ea"/>
                 <a:cs typeface="+mn-cs"/>
               </a:rPr>
-              <a:t>If you own the data that your API deals with, or</a:t>
+              <a:t>If you’re</a:t>
             </a:r>
             <a:r>
               <a:rPr lang="en-US" sz="1200" kern="1200" baseline="0" dirty="0" smtClean="0">
@@ -20858,19 +20840,19 @@
                 <a:ea typeface="+mn-ea"/>
                 <a:cs typeface="+mn-cs"/>
               </a:rPr>
-              <a:t> if you’re writing the server AND the client yourself, then custom API keys may be simpler </a:t>
-            </a:r>
-            <a:r>
-              <a:rPr lang="en-US" sz="1200" kern="1200" dirty="0" smtClean="0">
-                <a:solidFill>
-                  <a:schemeClr val="tx1"/>
-                </a:solidFill>
-                <a:effectLst/>
-                <a:latin typeface="+mn-lt"/>
-                <a:ea typeface="+mn-ea"/>
-                <a:cs typeface="+mn-cs"/>
-              </a:rPr>
-              <a:t>than using OAuth. You</a:t>
+              <a:t> not dealing with 3</a:t>
+            </a:r>
+            <a:r>
+              <a:rPr lang="en-US" sz="1200" kern="1200" baseline="30000" dirty="0" smtClean="0">
+                <a:solidFill>
+                  <a:schemeClr val="tx1"/>
+                </a:solidFill>
+                <a:effectLst/>
+                <a:latin typeface="+mn-lt"/>
+                <a:ea typeface="+mn-ea"/>
+                <a:cs typeface="+mn-cs"/>
+              </a:rPr>
+              <a:t>rd</a:t>
             </a:r>
             <a:r>
               <a:rPr lang="en-US" sz="1200" kern="1200" baseline="0" dirty="0" smtClean="0">
@@ -20882,7 +20864,91 @@
                 <a:ea typeface="+mn-ea"/>
                 <a:cs typeface="+mn-cs"/>
               </a:rPr>
-              <a:t> can use API keys as bearer tokens or to sign requests, depending on your needs.</a:t>
+              <a:t> party data or services, it will probably be simpler to use </a:t>
+            </a:r>
+            <a:r>
+              <a:rPr lang="en-US" sz="1200" kern="1200" dirty="0" smtClean="0">
+                <a:solidFill>
+                  <a:schemeClr val="tx1"/>
+                </a:solidFill>
+                <a:effectLst/>
+                <a:latin typeface="+mn-lt"/>
+                <a:ea typeface="+mn-ea"/>
+                <a:cs typeface="+mn-cs"/>
+              </a:rPr>
+              <a:t>API keys</a:t>
+            </a:r>
+            <a:r>
+              <a:rPr lang="en-US" sz="1200" kern="1200" baseline="0" dirty="0" smtClean="0">
+                <a:solidFill>
+                  <a:schemeClr val="tx1"/>
+                </a:solidFill>
+                <a:effectLst/>
+                <a:latin typeface="+mn-lt"/>
+                <a:ea typeface="+mn-ea"/>
+                <a:cs typeface="+mn-cs"/>
+              </a:rPr>
+              <a:t> instead of </a:t>
+            </a:r>
+            <a:r>
+              <a:rPr lang="en-US" sz="1200" kern="1200" baseline="0" dirty="0" err="1" smtClean="0">
+                <a:solidFill>
+                  <a:schemeClr val="tx1"/>
+                </a:solidFill>
+                <a:effectLst/>
+                <a:latin typeface="+mn-lt"/>
+                <a:ea typeface="+mn-ea"/>
+                <a:cs typeface="+mn-cs"/>
+              </a:rPr>
+              <a:t>Oauth</a:t>
+            </a:r>
+            <a:r>
+              <a:rPr lang="en-US" sz="1200" kern="1200" baseline="0" dirty="0" smtClean="0">
+                <a:solidFill>
+                  <a:schemeClr val="tx1"/>
+                </a:solidFill>
+                <a:effectLst/>
+                <a:latin typeface="+mn-lt"/>
+                <a:ea typeface="+mn-ea"/>
+                <a:cs typeface="+mn-cs"/>
+              </a:rPr>
+              <a:t>. </a:t>
+            </a:r>
+            <a:r>
+              <a:rPr lang="en-US" sz="1200" kern="1200" dirty="0" smtClean="0">
+                <a:solidFill>
+                  <a:schemeClr val="tx1"/>
+                </a:solidFill>
+                <a:effectLst/>
+                <a:latin typeface="+mn-lt"/>
+                <a:ea typeface="+mn-ea"/>
+                <a:cs typeface="+mn-cs"/>
+              </a:rPr>
+              <a:t>You</a:t>
+            </a:r>
+            <a:r>
+              <a:rPr lang="en-US" sz="1200" kern="1200" baseline="0" dirty="0" smtClean="0">
+                <a:solidFill>
+                  <a:schemeClr val="tx1"/>
+                </a:solidFill>
+                <a:effectLst/>
+                <a:latin typeface="+mn-lt"/>
+                <a:ea typeface="+mn-ea"/>
+                <a:cs typeface="+mn-cs"/>
+              </a:rPr>
+              <a:t> </a:t>
+            </a:r>
+            <a:r>
+              <a:rPr lang="en-US" sz="1200" kern="1200" baseline="0" dirty="0" smtClean="0">
+                <a:solidFill>
+                  <a:schemeClr val="tx1"/>
+                </a:solidFill>
+                <a:effectLst/>
+                <a:latin typeface="+mn-lt"/>
+                <a:ea typeface="+mn-ea"/>
+                <a:cs typeface="+mn-cs"/>
+              </a:rPr>
+              <a:t>can use API keys as bearer tokens or to sign requests, depending on your needs.</a:t>
             </a:r>
           </a:p>
           <a:p>
@@ -30711,12 +30777,17 @@
             </a:r>
             <a:r>
               <a:rPr lang="en-US" sz="3200" dirty="0" smtClean="0"/>
-              <a:t>TLS not req. / integrity guaranteed</a:t>
-            </a:r>
-            <a:r>
-              <a:rPr lang="en-US" sz="4000" dirty="0" smtClean="0"/>
-              <a:t>)</a:t>
-            </a:r>
+              <a:t>TLS not </a:t>
+            </a:r>
+            <a:r>
+              <a:rPr lang="en-US" sz="3200" dirty="0" smtClean="0"/>
+              <a:t>req</a:t>
+            </a:r>
+            <a:r>
+              <a:rPr lang="en-US" sz="3200" dirty="0" smtClean="0"/>
+              <a:t>uired)</a:t>
+            </a:r>
+            <a:endParaRPr lang="en-US" sz="4000" dirty="0" smtClean="0"/>
           </a:p>
           <a:p>
             <a:endParaRPr lang="en-US" sz="4000" dirty="0" smtClean="0"/>
@@ -34776,25 +34847,24 @@
           <a:p>
             <a:r>
               <a:rPr lang="en-US" sz="4000" dirty="0" smtClean="0"/>
-              <a:t>If you are authenticating against </a:t>
-            </a:r>
-            <a:r>
-              <a:rPr lang="en-US" sz="4000" b="1" dirty="0" smtClean="0"/>
-              <a:t>your</a:t>
+              <a:t>If </a:t>
             </a:r>
             <a:r>
               <a:rPr lang="en-US" sz="4000" dirty="0" smtClean="0"/>
-              <a:t> </a:t>
-            </a:r>
-            <a:r>
-              <a:rPr lang="en-US" sz="4000" b="1" dirty="0" smtClean="0"/>
-              <a:t>data</a:t>
-            </a:r>
-            <a:r>
-              <a:rPr lang="en-US" sz="4000" smtClean="0"/>
-              <a:t>, consider API Keys</a:t>
-            </a:r>
-            <a:endParaRPr lang="en-US" sz="4000" dirty="0" smtClean="0"/>
+              <a:t>you’re not using 3</a:t>
+            </a:r>
+            <a:r>
+              <a:rPr lang="en-US" sz="4000" baseline="30000" dirty="0" smtClean="0"/>
+              <a:t>rd</a:t>
+            </a:r>
+            <a:r>
+              <a:rPr lang="en-US" sz="4000" dirty="0" smtClean="0"/>
+              <a:t> party data, use API </a:t>
+            </a:r>
+            <a:r>
+              <a:rPr lang="en-US" sz="4000" dirty="0" smtClean="0"/>
+              <a:t>Keys</a:t>
+            </a:r>
           </a:p>
           <a:p>
             <a:endParaRPr lang="en-US" sz="4000" dirty="0" smtClean="0"/>
